--- a/Slides/8 - Backchannel.pptx
+++ b/Slides/8 - Backchannel.pptx
@@ -22,7 +22,7 @@
     <p:sldId id="297" r:id="rId43"/>
     <p:sldId id="298" r:id="rId44"/>
     <p:sldId id="299" r:id="rId45"/>
-    <p:sldId id="300" r:id="rId46"/>
+    <p:sldId id="302" r:id="rId46"/>
     <p:sldId id="301" r:id="rId47"/>
     <p:sldId id="257" r:id="rId48"/>
   </p:sldIdLst>
@@ -139,7 +139,7 @@
             <p14:sldId id="297"/>
             <p14:sldId id="298"/>
             <p14:sldId id="299"/>
-            <p14:sldId id="300"/>
+            <p14:sldId id="302"/>
             <p14:sldId id="301"/>
             <p14:sldId id="257"/>
           </p14:sldIdLst>
@@ -281,7 +281,7 @@
               <a:rPr lang="en-US" smtClean="0">
                 <a:latin typeface="Segoe UI" pitchFamily="34" charset="0"/>
               </a:rPr>
-              <a:t>6/15/2017 9:31 AM</a:t>
+              <a:t>6/22/2017 1:46 PM</a:t>
             </a:fld>
             <a:endParaRPr lang="en-US" dirty="0">
               <a:latin typeface="Segoe UI" pitchFamily="34" charset="0"/>
@@ -559,7 +559,7 @@
           <a:p>
             <a:fld id="{38EEC551-8CDA-4EB6-89BB-2A86C9F091C8}" type="datetime8">
               <a:rPr lang="en-US" smtClean="0"/>
-              <a:t>6/15/2017 9:30 AM</a:t>
+              <a:t>6/22/2017 1:44 PM</a:t>
             </a:fld>
             <a:endParaRPr lang="en-US" dirty="0"/>
           </a:p>
@@ -39353,7 +39353,13 @@
       </p:grpSpPr>
       <p:sp>
         <p:nvSpPr>
-          <p:cNvPr id="4" name="Title 3"/>
+          <p:cNvPr id="2" name="Title 1">
+            <a:extLst>
+              <a:ext uri="{FF2B5EF4-FFF2-40B4-BE49-F238E27FC236}">
+                <a16:creationId xmlns:a16="http://schemas.microsoft.com/office/drawing/2014/main" id="{1300FCC8-66A9-488A-BDEB-9B7B36760F59}"/>
+              </a:ext>
+            </a:extLst>
+          </p:cNvPr>
           <p:cNvSpPr>
             <a:spLocks noGrp="1"/>
           </p:cNvSpPr>
@@ -39368,7 +39374,114 @@
           <a:p>
             <a:r>
               <a:rPr lang="en-US" dirty="0"/>
-              <a:t>Bringing it all together</a:t>
+              <a:t>Some last design notes</a:t>
+            </a:r>
+          </a:p>
+        </p:txBody>
+      </p:sp>
+      <p:sp>
+        <p:nvSpPr>
+          <p:cNvPr id="3" name="Text Placeholder 2">
+            <a:extLst>
+              <a:ext uri="{FF2B5EF4-FFF2-40B4-BE49-F238E27FC236}">
+                <a16:creationId xmlns:a16="http://schemas.microsoft.com/office/drawing/2014/main" id="{7D084AA1-1C2B-44DF-B50C-F8516CFA1CFF}"/>
+              </a:ext>
+            </a:extLst>
+          </p:cNvPr>
+          <p:cNvSpPr>
+            <a:spLocks noGrp="1"/>
+          </p:cNvSpPr>
+          <p:nvPr>
+            <p:ph type="body" sz="quarter" idx="10"/>
+          </p:nvPr>
+        </p:nvSpPr>
+        <p:spPr>
+          <a:xfrm>
+            <a:off x="365760" y="1371600"/>
+            <a:ext cx="11704320" cy="4776692"/>
+          </a:xfrm>
+        </p:spPr>
+        <p:txBody>
+          <a:bodyPr/>
+          <a:lstStyle/>
+          <a:p>
+            <a:r>
+              <a:rPr lang="en-US" dirty="0"/>
+              <a:t>Develop locally</a:t>
+            </a:r>
+          </a:p>
+          <a:p>
+            <a:pPr lvl="1"/>
+            <a:r>
+              <a:rPr lang="en-US" dirty="0" err="1"/>
+              <a:t>ngrok</a:t>
+            </a:r>
+            <a:endParaRPr lang="en-US" dirty="0"/>
+          </a:p>
+          <a:p>
+            <a:r>
+              <a:rPr lang="en-US" dirty="0"/>
+              <a:t>Use separate dialog classes</a:t>
+            </a:r>
+          </a:p>
+          <a:p>
+            <a:r>
+              <a:rPr lang="en-US" dirty="0"/>
+              <a:t>Provide copious amount of help to your users</a:t>
+            </a:r>
+          </a:p>
+          <a:p>
+            <a:r>
+              <a:rPr lang="en-US" dirty="0"/>
+              <a:t>Don't try to solve the Turing test</a:t>
+            </a:r>
+          </a:p>
+          <a:p>
+            <a:r>
+              <a:rPr lang="en-US" dirty="0"/>
+              <a:t>Make sure a bot is the right answer</a:t>
+            </a:r>
+          </a:p>
+          <a:p>
+            <a:r>
+              <a:rPr lang="en-US" dirty="0"/>
+              <a:t>Check the docs</a:t>
+            </a:r>
+          </a:p>
+          <a:p>
+            <a:pPr lvl="1"/>
+            <a:r>
+              <a:rPr lang="en-US" dirty="0"/>
+              <a:t>docs.botframework.com</a:t>
+            </a:r>
+          </a:p>
+          <a:p>
+            <a:r>
+              <a:rPr lang="en-US" dirty="0"/>
+              <a:t>Twitter</a:t>
+            </a:r>
+          </a:p>
+          <a:p>
+            <a:pPr lvl="1"/>
+            <a:r>
+              <a:rPr lang="en-US" dirty="0" err="1"/>
+              <a:t>geektrainer</a:t>
+            </a:r>
+            <a:r>
+              <a:rPr lang="en-US"/>
+              <a:t> (Node.js)</a:t>
+            </a:r>
+            <a:endParaRPr lang="en-US" dirty="0"/>
+          </a:p>
+          <a:p>
+            <a:pPr lvl="1"/>
+            <a:r>
+              <a:rPr lang="en-US" dirty="0" err="1"/>
+              <a:t>Iamchrismayo</a:t>
+            </a:r>
+            <a:r>
+              <a:rPr lang="en-US" dirty="0"/>
+              <a:t> (C#)</a:t>
             </a:r>
           </a:p>
         </p:txBody>
@@ -39376,25 +39489,648 @@
     </p:spTree>
     <p:extLst>
       <p:ext uri="{BB962C8B-B14F-4D97-AF65-F5344CB8AC3E}">
-        <p14:creationId xmlns:p14="http://schemas.microsoft.com/office/powerpoint/2010/main" val="2679155842"/>
+        <p14:creationId xmlns:p14="http://schemas.microsoft.com/office/powerpoint/2010/main" val="749866254"/>
       </p:ext>
     </p:extLst>
   </p:cSld>
   <p:clrMapOvr>
     <a:masterClrMapping/>
   </p:clrMapOvr>
-  <mc:AlternateContent xmlns:mc="http://schemas.openxmlformats.org/markup-compatibility/2006" xmlns:p14="http://schemas.microsoft.com/office/powerpoint/2010/main">
-    <mc:Choice Requires="p14">
-      <p:transition spd="slow" p14:dur="3400">
-        <p14:reveal/>
-      </p:transition>
-    </mc:Choice>
-    <mc:Fallback xmlns="">
-      <p:transition spd="slow">
-        <p:fade/>
-      </p:transition>
-    </mc:Fallback>
-  </mc:AlternateContent>
+  <p:transition>
+    <p:fade/>
+  </p:transition>
+  <p:timing>
+    <p:tnLst>
+      <p:par>
+        <p:cTn id="1" dur="indefinite" restart="never" nodeType="tmRoot">
+          <p:childTnLst>
+            <p:seq concurrent="1" nextAc="seek">
+              <p:cTn id="2" dur="indefinite" nodeType="mainSeq">
+                <p:childTnLst>
+                  <p:par>
+                    <p:cTn id="3" fill="hold">
+                      <p:stCondLst>
+                        <p:cond delay="indefinite"/>
+                      </p:stCondLst>
+                      <p:childTnLst>
+                        <p:par>
+                          <p:cTn id="4" fill="hold">
+                            <p:stCondLst>
+                              <p:cond delay="0"/>
+                            </p:stCondLst>
+                            <p:childTnLst>
+                              <p:par>
+                                <p:cTn id="5" presetID="10" presetClass="entr" presetSubtype="0" fill="hold" grpId="0" nodeType="clickEffect">
+                                  <p:stCondLst>
+                                    <p:cond delay="0"/>
+                                  </p:stCondLst>
+                                  <p:childTnLst>
+                                    <p:set>
+                                      <p:cBhvr>
+                                        <p:cTn id="6" dur="1" fill="hold">
+                                          <p:stCondLst>
+                                            <p:cond delay="0"/>
+                                          </p:stCondLst>
+                                        </p:cTn>
+                                        <p:tgtEl>
+                                          <p:spTgt spid="3">
+                                            <p:txEl>
+                                              <p:pRg st="0" end="0"/>
+                                            </p:txEl>
+                                          </p:spTgt>
+                                        </p:tgtEl>
+                                        <p:attrNameLst>
+                                          <p:attrName>style.visibility</p:attrName>
+                                        </p:attrNameLst>
+                                      </p:cBhvr>
+                                      <p:to>
+                                        <p:strVal val="visible"/>
+                                      </p:to>
+                                    </p:set>
+                                    <p:animEffect transition="in" filter="fade">
+                                      <p:cBhvr>
+                                        <p:cTn id="7" dur="500"/>
+                                        <p:tgtEl>
+                                          <p:spTgt spid="3">
+                                            <p:txEl>
+                                              <p:pRg st="0" end="0"/>
+                                            </p:txEl>
+                                          </p:spTgt>
+                                        </p:tgtEl>
+                                      </p:cBhvr>
+                                    </p:animEffect>
+                                  </p:childTnLst>
+                                </p:cTn>
+                              </p:par>
+                              <p:par>
+                                <p:cTn id="8" presetID="10" presetClass="entr" presetSubtype="0" fill="hold" grpId="0" nodeType="withEffect">
+                                  <p:stCondLst>
+                                    <p:cond delay="0"/>
+                                  </p:stCondLst>
+                                  <p:childTnLst>
+                                    <p:set>
+                                      <p:cBhvr>
+                                        <p:cTn id="9" dur="1" fill="hold">
+                                          <p:stCondLst>
+                                            <p:cond delay="0"/>
+                                          </p:stCondLst>
+                                        </p:cTn>
+                                        <p:tgtEl>
+                                          <p:spTgt spid="3">
+                                            <p:txEl>
+                                              <p:pRg st="1" end="1"/>
+                                            </p:txEl>
+                                          </p:spTgt>
+                                        </p:tgtEl>
+                                        <p:attrNameLst>
+                                          <p:attrName>style.visibility</p:attrName>
+                                        </p:attrNameLst>
+                                      </p:cBhvr>
+                                      <p:to>
+                                        <p:strVal val="visible"/>
+                                      </p:to>
+                                    </p:set>
+                                    <p:animEffect transition="in" filter="fade">
+                                      <p:cBhvr>
+                                        <p:cTn id="10" dur="500"/>
+                                        <p:tgtEl>
+                                          <p:spTgt spid="3">
+                                            <p:txEl>
+                                              <p:pRg st="1" end="1"/>
+                                            </p:txEl>
+                                          </p:spTgt>
+                                        </p:tgtEl>
+                                      </p:cBhvr>
+                                    </p:animEffect>
+                                  </p:childTnLst>
+                                </p:cTn>
+                              </p:par>
+                            </p:childTnLst>
+                          </p:cTn>
+                        </p:par>
+                      </p:childTnLst>
+                    </p:cTn>
+                  </p:par>
+                  <p:par>
+                    <p:cTn id="11" fill="hold">
+                      <p:stCondLst>
+                        <p:cond delay="indefinite"/>
+                      </p:stCondLst>
+                      <p:childTnLst>
+                        <p:par>
+                          <p:cTn id="12" fill="hold">
+                            <p:stCondLst>
+                              <p:cond delay="0"/>
+                            </p:stCondLst>
+                            <p:childTnLst>
+                              <p:par>
+                                <p:cTn id="13" presetID="10" presetClass="entr" presetSubtype="0" fill="hold" grpId="0" nodeType="clickEffect">
+                                  <p:stCondLst>
+                                    <p:cond delay="0"/>
+                                  </p:stCondLst>
+                                  <p:childTnLst>
+                                    <p:set>
+                                      <p:cBhvr>
+                                        <p:cTn id="14" dur="1" fill="hold">
+                                          <p:stCondLst>
+                                            <p:cond delay="0"/>
+                                          </p:stCondLst>
+                                        </p:cTn>
+                                        <p:tgtEl>
+                                          <p:spTgt spid="3">
+                                            <p:txEl>
+                                              <p:pRg st="2" end="2"/>
+                                            </p:txEl>
+                                          </p:spTgt>
+                                        </p:tgtEl>
+                                        <p:attrNameLst>
+                                          <p:attrName>style.visibility</p:attrName>
+                                        </p:attrNameLst>
+                                      </p:cBhvr>
+                                      <p:to>
+                                        <p:strVal val="visible"/>
+                                      </p:to>
+                                    </p:set>
+                                    <p:animEffect transition="in" filter="fade">
+                                      <p:cBhvr>
+                                        <p:cTn id="15" dur="500"/>
+                                        <p:tgtEl>
+                                          <p:spTgt spid="3">
+                                            <p:txEl>
+                                              <p:pRg st="2" end="2"/>
+                                            </p:txEl>
+                                          </p:spTgt>
+                                        </p:tgtEl>
+                                      </p:cBhvr>
+                                    </p:animEffect>
+                                  </p:childTnLst>
+                                </p:cTn>
+                              </p:par>
+                            </p:childTnLst>
+                          </p:cTn>
+                        </p:par>
+                      </p:childTnLst>
+                    </p:cTn>
+                  </p:par>
+                  <p:par>
+                    <p:cTn id="16" fill="hold">
+                      <p:stCondLst>
+                        <p:cond delay="indefinite"/>
+                      </p:stCondLst>
+                      <p:childTnLst>
+                        <p:par>
+                          <p:cTn id="17" fill="hold">
+                            <p:stCondLst>
+                              <p:cond delay="0"/>
+                            </p:stCondLst>
+                            <p:childTnLst>
+                              <p:par>
+                                <p:cTn id="18" presetID="10" presetClass="entr" presetSubtype="0" fill="hold" grpId="0" nodeType="clickEffect">
+                                  <p:stCondLst>
+                                    <p:cond delay="0"/>
+                                  </p:stCondLst>
+                                  <p:childTnLst>
+                                    <p:set>
+                                      <p:cBhvr>
+                                        <p:cTn id="19" dur="1" fill="hold">
+                                          <p:stCondLst>
+                                            <p:cond delay="0"/>
+                                          </p:stCondLst>
+                                        </p:cTn>
+                                        <p:tgtEl>
+                                          <p:spTgt spid="3">
+                                            <p:txEl>
+                                              <p:pRg st="3" end="3"/>
+                                            </p:txEl>
+                                          </p:spTgt>
+                                        </p:tgtEl>
+                                        <p:attrNameLst>
+                                          <p:attrName>style.visibility</p:attrName>
+                                        </p:attrNameLst>
+                                      </p:cBhvr>
+                                      <p:to>
+                                        <p:strVal val="visible"/>
+                                      </p:to>
+                                    </p:set>
+                                    <p:animEffect transition="in" filter="fade">
+                                      <p:cBhvr>
+                                        <p:cTn id="20" dur="500"/>
+                                        <p:tgtEl>
+                                          <p:spTgt spid="3">
+                                            <p:txEl>
+                                              <p:pRg st="3" end="3"/>
+                                            </p:txEl>
+                                          </p:spTgt>
+                                        </p:tgtEl>
+                                      </p:cBhvr>
+                                    </p:animEffect>
+                                  </p:childTnLst>
+                                </p:cTn>
+                              </p:par>
+                            </p:childTnLst>
+                          </p:cTn>
+                        </p:par>
+                      </p:childTnLst>
+                    </p:cTn>
+                  </p:par>
+                  <p:par>
+                    <p:cTn id="21" fill="hold">
+                      <p:stCondLst>
+                        <p:cond delay="indefinite"/>
+                      </p:stCondLst>
+                      <p:childTnLst>
+                        <p:par>
+                          <p:cTn id="22" fill="hold">
+                            <p:stCondLst>
+                              <p:cond delay="0"/>
+                            </p:stCondLst>
+                            <p:childTnLst>
+                              <p:par>
+                                <p:cTn id="23" presetID="10" presetClass="entr" presetSubtype="0" fill="hold" grpId="0" nodeType="clickEffect">
+                                  <p:stCondLst>
+                                    <p:cond delay="0"/>
+                                  </p:stCondLst>
+                                  <p:childTnLst>
+                                    <p:set>
+                                      <p:cBhvr>
+                                        <p:cTn id="24" dur="1" fill="hold">
+                                          <p:stCondLst>
+                                            <p:cond delay="0"/>
+                                          </p:stCondLst>
+                                        </p:cTn>
+                                        <p:tgtEl>
+                                          <p:spTgt spid="3">
+                                            <p:txEl>
+                                              <p:pRg st="4" end="4"/>
+                                            </p:txEl>
+                                          </p:spTgt>
+                                        </p:tgtEl>
+                                        <p:attrNameLst>
+                                          <p:attrName>style.visibility</p:attrName>
+                                        </p:attrNameLst>
+                                      </p:cBhvr>
+                                      <p:to>
+                                        <p:strVal val="visible"/>
+                                      </p:to>
+                                    </p:set>
+                                    <p:animEffect transition="in" filter="fade">
+                                      <p:cBhvr>
+                                        <p:cTn id="25" dur="500"/>
+                                        <p:tgtEl>
+                                          <p:spTgt spid="3">
+                                            <p:txEl>
+                                              <p:pRg st="4" end="4"/>
+                                            </p:txEl>
+                                          </p:spTgt>
+                                        </p:tgtEl>
+                                      </p:cBhvr>
+                                    </p:animEffect>
+                                  </p:childTnLst>
+                                </p:cTn>
+                              </p:par>
+                            </p:childTnLst>
+                          </p:cTn>
+                        </p:par>
+                      </p:childTnLst>
+                    </p:cTn>
+                  </p:par>
+                  <p:par>
+                    <p:cTn id="26" fill="hold">
+                      <p:stCondLst>
+                        <p:cond delay="indefinite"/>
+                      </p:stCondLst>
+                      <p:childTnLst>
+                        <p:par>
+                          <p:cTn id="27" fill="hold">
+                            <p:stCondLst>
+                              <p:cond delay="0"/>
+                            </p:stCondLst>
+                            <p:childTnLst>
+                              <p:par>
+                                <p:cTn id="28" presetID="10" presetClass="entr" presetSubtype="0" fill="hold" grpId="0" nodeType="clickEffect">
+                                  <p:stCondLst>
+                                    <p:cond delay="0"/>
+                                  </p:stCondLst>
+                                  <p:childTnLst>
+                                    <p:set>
+                                      <p:cBhvr>
+                                        <p:cTn id="29" dur="1" fill="hold">
+                                          <p:stCondLst>
+                                            <p:cond delay="0"/>
+                                          </p:stCondLst>
+                                        </p:cTn>
+                                        <p:tgtEl>
+                                          <p:spTgt spid="3">
+                                            <p:txEl>
+                                              <p:pRg st="5" end="5"/>
+                                            </p:txEl>
+                                          </p:spTgt>
+                                        </p:tgtEl>
+                                        <p:attrNameLst>
+                                          <p:attrName>style.visibility</p:attrName>
+                                        </p:attrNameLst>
+                                      </p:cBhvr>
+                                      <p:to>
+                                        <p:strVal val="visible"/>
+                                      </p:to>
+                                    </p:set>
+                                    <p:animEffect transition="in" filter="fade">
+                                      <p:cBhvr>
+                                        <p:cTn id="30" dur="500"/>
+                                        <p:tgtEl>
+                                          <p:spTgt spid="3">
+                                            <p:txEl>
+                                              <p:pRg st="5" end="5"/>
+                                            </p:txEl>
+                                          </p:spTgt>
+                                        </p:tgtEl>
+                                      </p:cBhvr>
+                                    </p:animEffect>
+                                  </p:childTnLst>
+                                </p:cTn>
+                              </p:par>
+                            </p:childTnLst>
+                          </p:cTn>
+                        </p:par>
+                      </p:childTnLst>
+                    </p:cTn>
+                  </p:par>
+                  <p:par>
+                    <p:cTn id="31" fill="hold">
+                      <p:stCondLst>
+                        <p:cond delay="indefinite"/>
+                      </p:stCondLst>
+                      <p:childTnLst>
+                        <p:par>
+                          <p:cTn id="32" fill="hold">
+                            <p:stCondLst>
+                              <p:cond delay="0"/>
+                            </p:stCondLst>
+                            <p:childTnLst>
+                              <p:par>
+                                <p:cTn id="33" presetID="10" presetClass="entr" presetSubtype="0" fill="hold" grpId="0" nodeType="clickEffect">
+                                  <p:stCondLst>
+                                    <p:cond delay="0"/>
+                                  </p:stCondLst>
+                                  <p:childTnLst>
+                                    <p:set>
+                                      <p:cBhvr>
+                                        <p:cTn id="34" dur="1" fill="hold">
+                                          <p:stCondLst>
+                                            <p:cond delay="0"/>
+                                          </p:stCondLst>
+                                        </p:cTn>
+                                        <p:tgtEl>
+                                          <p:spTgt spid="3">
+                                            <p:txEl>
+                                              <p:pRg st="6" end="6"/>
+                                            </p:txEl>
+                                          </p:spTgt>
+                                        </p:tgtEl>
+                                        <p:attrNameLst>
+                                          <p:attrName>style.visibility</p:attrName>
+                                        </p:attrNameLst>
+                                      </p:cBhvr>
+                                      <p:to>
+                                        <p:strVal val="visible"/>
+                                      </p:to>
+                                    </p:set>
+                                    <p:animEffect transition="in" filter="fade">
+                                      <p:cBhvr>
+                                        <p:cTn id="35" dur="500"/>
+                                        <p:tgtEl>
+                                          <p:spTgt spid="3">
+                                            <p:txEl>
+                                              <p:pRg st="6" end="6"/>
+                                            </p:txEl>
+                                          </p:spTgt>
+                                        </p:tgtEl>
+                                      </p:cBhvr>
+                                    </p:animEffect>
+                                  </p:childTnLst>
+                                </p:cTn>
+                              </p:par>
+                              <p:par>
+                                <p:cTn id="36" presetID="10" presetClass="entr" presetSubtype="0" fill="hold" grpId="0" nodeType="withEffect">
+                                  <p:stCondLst>
+                                    <p:cond delay="0"/>
+                                  </p:stCondLst>
+                                  <p:childTnLst>
+                                    <p:set>
+                                      <p:cBhvr>
+                                        <p:cTn id="37" dur="1" fill="hold">
+                                          <p:stCondLst>
+                                            <p:cond delay="0"/>
+                                          </p:stCondLst>
+                                        </p:cTn>
+                                        <p:tgtEl>
+                                          <p:spTgt spid="3">
+                                            <p:txEl>
+                                              <p:pRg st="7" end="7"/>
+                                            </p:txEl>
+                                          </p:spTgt>
+                                        </p:tgtEl>
+                                        <p:attrNameLst>
+                                          <p:attrName>style.visibility</p:attrName>
+                                        </p:attrNameLst>
+                                      </p:cBhvr>
+                                      <p:to>
+                                        <p:strVal val="visible"/>
+                                      </p:to>
+                                    </p:set>
+                                    <p:animEffect transition="in" filter="fade">
+                                      <p:cBhvr>
+                                        <p:cTn id="38" dur="500"/>
+                                        <p:tgtEl>
+                                          <p:spTgt spid="3">
+                                            <p:txEl>
+                                              <p:pRg st="7" end="7"/>
+                                            </p:txEl>
+                                          </p:spTgt>
+                                        </p:tgtEl>
+                                      </p:cBhvr>
+                                    </p:animEffect>
+                                  </p:childTnLst>
+                                </p:cTn>
+                              </p:par>
+                            </p:childTnLst>
+                          </p:cTn>
+                        </p:par>
+                      </p:childTnLst>
+                    </p:cTn>
+                  </p:par>
+                  <p:par>
+                    <p:cTn id="39" fill="hold">
+                      <p:stCondLst>
+                        <p:cond delay="indefinite"/>
+                      </p:stCondLst>
+                      <p:childTnLst>
+                        <p:par>
+                          <p:cTn id="40" fill="hold">
+                            <p:stCondLst>
+                              <p:cond delay="0"/>
+                            </p:stCondLst>
+                            <p:childTnLst>
+                              <p:par>
+                                <p:cTn id="41" presetID="10" presetClass="entr" presetSubtype="0" fill="hold" grpId="0" nodeType="clickEffect">
+                                  <p:stCondLst>
+                                    <p:cond delay="0"/>
+                                  </p:stCondLst>
+                                  <p:childTnLst>
+                                    <p:set>
+                                      <p:cBhvr>
+                                        <p:cTn id="42" dur="1" fill="hold">
+                                          <p:stCondLst>
+                                            <p:cond delay="0"/>
+                                          </p:stCondLst>
+                                        </p:cTn>
+                                        <p:tgtEl>
+                                          <p:spTgt spid="3">
+                                            <p:txEl>
+                                              <p:pRg st="8" end="8"/>
+                                            </p:txEl>
+                                          </p:spTgt>
+                                        </p:tgtEl>
+                                        <p:attrNameLst>
+                                          <p:attrName>style.visibility</p:attrName>
+                                        </p:attrNameLst>
+                                      </p:cBhvr>
+                                      <p:to>
+                                        <p:strVal val="visible"/>
+                                      </p:to>
+                                    </p:set>
+                                    <p:animEffect transition="in" filter="fade">
+                                      <p:cBhvr>
+                                        <p:cTn id="43" dur="500"/>
+                                        <p:tgtEl>
+                                          <p:spTgt spid="3">
+                                            <p:txEl>
+                                              <p:pRg st="8" end="8"/>
+                                            </p:txEl>
+                                          </p:spTgt>
+                                        </p:tgtEl>
+                                      </p:cBhvr>
+                                    </p:animEffect>
+                                  </p:childTnLst>
+                                </p:cTn>
+                              </p:par>
+                              <p:par>
+                                <p:cTn id="44" presetID="10" presetClass="entr" presetSubtype="0" fill="hold" grpId="0" nodeType="withEffect">
+                                  <p:stCondLst>
+                                    <p:cond delay="0"/>
+                                  </p:stCondLst>
+                                  <p:childTnLst>
+                                    <p:set>
+                                      <p:cBhvr>
+                                        <p:cTn id="45" dur="1" fill="hold">
+                                          <p:stCondLst>
+                                            <p:cond delay="0"/>
+                                          </p:stCondLst>
+                                        </p:cTn>
+                                        <p:tgtEl>
+                                          <p:spTgt spid="3">
+                                            <p:txEl>
+                                              <p:pRg st="9" end="9"/>
+                                            </p:txEl>
+                                          </p:spTgt>
+                                        </p:tgtEl>
+                                        <p:attrNameLst>
+                                          <p:attrName>style.visibility</p:attrName>
+                                        </p:attrNameLst>
+                                      </p:cBhvr>
+                                      <p:to>
+                                        <p:strVal val="visible"/>
+                                      </p:to>
+                                    </p:set>
+                                    <p:animEffect transition="in" filter="fade">
+                                      <p:cBhvr>
+                                        <p:cTn id="46" dur="500"/>
+                                        <p:tgtEl>
+                                          <p:spTgt spid="3">
+                                            <p:txEl>
+                                              <p:pRg st="9" end="9"/>
+                                            </p:txEl>
+                                          </p:spTgt>
+                                        </p:tgtEl>
+                                      </p:cBhvr>
+                                    </p:animEffect>
+                                  </p:childTnLst>
+                                </p:cTn>
+                              </p:par>
+                              <p:par>
+                                <p:cTn id="47" presetID="10" presetClass="entr" presetSubtype="0" fill="hold" grpId="0" nodeType="withEffect">
+                                  <p:stCondLst>
+                                    <p:cond delay="0"/>
+                                  </p:stCondLst>
+                                  <p:childTnLst>
+                                    <p:set>
+                                      <p:cBhvr>
+                                        <p:cTn id="48" dur="1" fill="hold">
+                                          <p:stCondLst>
+                                            <p:cond delay="0"/>
+                                          </p:stCondLst>
+                                        </p:cTn>
+                                        <p:tgtEl>
+                                          <p:spTgt spid="3">
+                                            <p:txEl>
+                                              <p:pRg st="10" end="10"/>
+                                            </p:txEl>
+                                          </p:spTgt>
+                                        </p:tgtEl>
+                                        <p:attrNameLst>
+                                          <p:attrName>style.visibility</p:attrName>
+                                        </p:attrNameLst>
+                                      </p:cBhvr>
+                                      <p:to>
+                                        <p:strVal val="visible"/>
+                                      </p:to>
+                                    </p:set>
+                                    <p:animEffect transition="in" filter="fade">
+                                      <p:cBhvr>
+                                        <p:cTn id="49" dur="500"/>
+                                        <p:tgtEl>
+                                          <p:spTgt spid="3">
+                                            <p:txEl>
+                                              <p:pRg st="10" end="10"/>
+                                            </p:txEl>
+                                          </p:spTgt>
+                                        </p:tgtEl>
+                                      </p:cBhvr>
+                                    </p:animEffect>
+                                  </p:childTnLst>
+                                </p:cTn>
+                              </p:par>
+                            </p:childTnLst>
+                          </p:cTn>
+                        </p:par>
+                      </p:childTnLst>
+                    </p:cTn>
+                  </p:par>
+                </p:childTnLst>
+              </p:cTn>
+              <p:prevCondLst>
+                <p:cond evt="onPrev" delay="0">
+                  <p:tgtEl>
+                    <p:sldTgt/>
+                  </p:tgtEl>
+                </p:cond>
+              </p:prevCondLst>
+              <p:nextCondLst>
+                <p:cond evt="onNext" delay="0">
+                  <p:tgtEl>
+                    <p:sldTgt/>
+                  </p:tgtEl>
+                </p:cond>
+              </p:nextCondLst>
+            </p:seq>
+          </p:childTnLst>
+        </p:cTn>
+      </p:par>
+    </p:tnLst>
+    <p:bldLst>
+      <p:bldP spid="3" grpId="0" build="p"/>
+    </p:bldLst>
+  </p:timing>
 </p:sld>
 </file>
 
@@ -44732,7 +45468,7 @@
 
 <file path=customXml/item1.xml><?xml version="1.0" encoding="utf-8"?>
 <Control xmlns="http://schemas.microsoft.com/VisualStudio/2011/storyboarding/control">
-  <Id Name="a2191c86-fc50-4add-948c-129f6b5a88d8" Revision="1" Stencil="7276b9ef-3953-4dce-a89b-ed85f20b8b93" StencilVersion="1.0"/>
+  <Id Name="d69996e1-3d61-4686-9b63-f1b855c596ab" Revision="1" Stencil="7276b9ef-3953-4dce-a89b-ed85f20b8b93" StencilVersion="1.0"/>
 </Control>
 </file>
 
@@ -44756,13 +45492,13 @@
 
 <file path=customXml/item13.xml><?xml version="1.0" encoding="utf-8"?>
 <Control xmlns="http://schemas.microsoft.com/VisualStudio/2011/storyboarding/control">
-  <Id Name="fb22c541-ded0-47fa-8877-83a4c2d16227" Revision="1" Stencil="7276b9ef-3953-4dce-a89b-ed85f20b8b93" StencilVersion="1.0"/>
+  <Id Name="a53d73d2-368b-429e-b817-1324eec1382c" Revision="1" Stencil="7276b9ef-3953-4dce-a89b-ed85f20b8b93" StencilVersion="1.0"/>
 </Control>
 </file>
 
 <file path=customXml/item14.xml><?xml version="1.0" encoding="utf-8"?>
 <Control xmlns="http://schemas.microsoft.com/VisualStudio/2011/storyboarding/control">
-  <Id Name="fb22c541-ded0-47fa-8877-83a4c2d16227" Revision="1" Stencil="7276b9ef-3953-4dce-a89b-ed85f20b8b93" StencilVersion="1.0"/>
+  <Id Name="d69996e1-3d61-4686-9b63-f1b855c596ab" Revision="1" Stencil="7276b9ef-3953-4dce-a89b-ed85f20b8b93" StencilVersion="1.0"/>
 </Control>
 </file>
 
@@ -44774,19 +45510,19 @@
 
 <file path=customXml/item16.xml><?xml version="1.0" encoding="utf-8"?>
 <Control xmlns="http://schemas.microsoft.com/VisualStudio/2011/storyboarding/control">
-  <Id Name="369f9055-6b6c-48b9-9320-5df2d46c430a" Revision="1" Stencil="7276b9ef-3953-4dce-a89b-ed85f20b8b93" StencilVersion="1.0"/>
+  <Id Name="a53d73d2-368b-429e-b817-1324eec1382c" Revision="1" Stencil="7276b9ef-3953-4dce-a89b-ed85f20b8b93" StencilVersion="1.0"/>
 </Control>
 </file>
 
 <file path=customXml/item17.xml><?xml version="1.0" encoding="utf-8"?>
 <Control xmlns="http://schemas.microsoft.com/VisualStudio/2011/storyboarding/control">
-  <Id Name="a53d73d2-368b-429e-b817-1324eec1382c" Revision="1" Stencil="7276b9ef-3953-4dce-a89b-ed85f20b8b93" StencilVersion="1.0"/>
+  <Id Name="369f9055-6b6c-48b9-9320-5df2d46c430a" Revision="1" Stencil="7276b9ef-3953-4dce-a89b-ed85f20b8b93" StencilVersion="1.0"/>
 </Control>
 </file>
 
 <file path=customXml/item18.xml><?xml version="1.0" encoding="utf-8"?>
 <Control xmlns="http://schemas.microsoft.com/VisualStudio/2011/storyboarding/control">
-  <Id Name="d69996e1-3d61-4686-9b63-f1b855c596ab" Revision="1" Stencil="7276b9ef-3953-4dce-a89b-ed85f20b8b93" StencilVersion="1.0"/>
+  <Id Name="a53d73d2-368b-429e-b817-1324eec1382c" Revision="1" Stencil="7276b9ef-3953-4dce-a89b-ed85f20b8b93" StencilVersion="1.0"/>
 </Control>
 </file>
 
@@ -44798,20 +45534,59 @@
 
 <file path=customXml/item2.xml><?xml version="1.0" encoding="utf-8"?>
 <Control xmlns="http://schemas.microsoft.com/VisualStudio/2011/storyboarding/control">
+  <Id Name="369f9055-6b6c-48b9-9320-5df2d46c430a" Revision="1" Stencil="7276b9ef-3953-4dce-a89b-ed85f20b8b93" StencilVersion="1.0"/>
+</Control>
+</file>
+
+<file path=customXml/item20.xml><?xml version="1.0" encoding="utf-8"?>
+<Control xmlns="http://schemas.microsoft.com/VisualStudio/2011/storyboarding/control">
+  <Id Name="369f9055-6b6c-48b9-9320-5df2d46c430a" Revision="1" Stencil="7276b9ef-3953-4dce-a89b-ed85f20b8b93" StencilVersion="1.0"/>
+</Control>
+</file>
+
+<file path=customXml/item21.xml><?xml version="1.0" encoding="utf-8"?>
+<Control xmlns="http://schemas.microsoft.com/VisualStudio/2011/storyboarding/control">
+  <Id Name="369f9055-6b6c-48b9-9320-5df2d46c430a" Revision="1" Stencil="7276b9ef-3953-4dce-a89b-ed85f20b8b93" StencilVersion="1.0"/>
+</Control>
+</file>
+
+<file path=customXml/item22.xml><?xml version="1.0" encoding="utf-8"?>
+<Control xmlns="http://schemas.microsoft.com/VisualStudio/2011/storyboarding/control">
+  <Id Name="a2191c86-fc50-4add-948c-129f6b5a88d8" Revision="1" Stencil="7276b9ef-3953-4dce-a89b-ed85f20b8b93" StencilVersion="1.0"/>
+</Control>
+</file>
+
+<file path=customXml/item23.xml><?xml version="1.0" encoding="utf-8"?>
+<Control xmlns="http://schemas.microsoft.com/VisualStudio/2011/storyboarding/control">
+  <Id Name="a2191c86-fc50-4add-948c-129f6b5a88d8" Revision="1" Stencil="7276b9ef-3953-4dce-a89b-ed85f20b8b93" StencilVersion="1.0"/>
+</Control>
+</file>
+
+<file path=customXml/item24.xml><?xml version="1.0" encoding="utf-8"?>
+<Control xmlns="http://schemas.microsoft.com/VisualStudio/2011/storyboarding/control">
+  <Id Name="a53d73d2-368b-429e-b817-1324eec1382c" Revision="1" Stencil="7276b9ef-3953-4dce-a89b-ed85f20b8b93" StencilVersion="1.0"/>
+</Control>
+</file>
+
+<file path=customXml/item25.xml><?xml version="1.0" encoding="utf-8"?>
+<Control xmlns="http://schemas.microsoft.com/VisualStudio/2011/storyboarding/control">
+  <Id Name="fb22c541-ded0-47fa-8877-83a4c2d16227" Revision="1" Stencil="7276b9ef-3953-4dce-a89b-ed85f20b8b93" StencilVersion="1.0"/>
+</Control>
+</file>
+
+<file path=customXml/item26.xml><?xml version="1.0" encoding="utf-8"?>
+<Control xmlns="http://schemas.microsoft.com/VisualStudio/2011/storyboarding/control">
   <Id Name="d69996e1-3d61-4686-9b63-f1b855c596ab" Revision="1" Stencil="7276b9ef-3953-4dce-a89b-ed85f20b8b93" StencilVersion="1.0"/>
 </Control>
 </file>
 
-<file path=customXml/item20.xml><?xml version="1.0" encoding="utf-8"?>
-<?mso-contentType ?>
-<FormTemplates xmlns="http://schemas.microsoft.com/sharepoint/v3/contenttype/forms">
-  <Display>DocumentLibraryForm</Display>
-  <Edit>DocumentLibraryForm</Edit>
-  <New>DocumentLibraryForm</New>
-</FormTemplates>
+<file path=customXml/item27.xml><?xml version="1.0" encoding="utf-8"?>
+<Control xmlns="http://schemas.microsoft.com/VisualStudio/2011/storyboarding/control">
+  <Id Name="a53d73d2-368b-429e-b817-1324eec1382c" Revision="1" Stencil="7276b9ef-3953-4dce-a89b-ed85f20b8b93" StencilVersion="1.0"/>
+</Control>
 </file>
 
-<file path=customXml/item21.xml><?xml version="1.0" encoding="utf-8"?>
+<file path=customXml/item28.xml><?xml version="1.0" encoding="utf-8"?>
 <ct:contentTypeSchema xmlns:ct="http://schemas.microsoft.com/office/2006/metadata/contentType" xmlns:ma="http://schemas.microsoft.com/office/2006/metadata/properties/metaAttributes" ct:_="" ma:_="" ma:contentTypeName="Document" ma:contentTypeID="0x010100674EDBEC711BD14FBA6FF5C10FEFEAC7" ma:contentTypeVersion="2" ma:contentTypeDescription="Create a new document." ma:contentTypeScope="" ma:versionID="2439c5e21841780d4f192983b535a097">
   <xsd:schema xmlns:xsd="http://www.w3.org/2001/XMLSchema" xmlns:xs="http://www.w3.org/2001/XMLSchema" xmlns:p="http://schemas.microsoft.com/office/2006/metadata/properties" xmlns:ns2="83cd2334-221a-48c3-9034-bfd1542dfe28" targetNamespace="http://schemas.microsoft.com/office/2006/metadata/properties" ma:root="true" ma:fieldsID="2bca9163d8d0b233c3086236a9289b04" ns2:_="">
     <xsd:import namespace="83cd2334-221a-48c3-9034-bfd1542dfe28"/>
@@ -44959,48 +45734,6 @@
 </ct:contentTypeSchema>
 </file>
 
-<file path=customXml/item22.xml><?xml version="1.0" encoding="utf-8"?>
-<Control xmlns="http://schemas.microsoft.com/VisualStudio/2011/storyboarding/control">
-  <Id Name="369f9055-6b6c-48b9-9320-5df2d46c430a" Revision="1" Stencil="7276b9ef-3953-4dce-a89b-ed85f20b8b93" StencilVersion="1.0"/>
-</Control>
-</file>
-
-<file path=customXml/item23.xml><?xml version="1.0" encoding="utf-8"?>
-<Control xmlns="http://schemas.microsoft.com/VisualStudio/2011/storyboarding/control">
-  <Id Name="a2191c86-fc50-4add-948c-129f6b5a88d8" Revision="1" Stencil="7276b9ef-3953-4dce-a89b-ed85f20b8b93" StencilVersion="1.0"/>
-</Control>
-</file>
-
-<file path=customXml/item24.xml><?xml version="1.0" encoding="utf-8"?>
-<Control xmlns="http://schemas.microsoft.com/VisualStudio/2011/storyboarding/control">
-  <Id Name="d69996e1-3d61-4686-9b63-f1b855c596ab" Revision="1" Stencil="7276b9ef-3953-4dce-a89b-ed85f20b8b93" StencilVersion="1.0"/>
-</Control>
-</file>
-
-<file path=customXml/item25.xml><?xml version="1.0" encoding="utf-8"?>
-<Control xmlns="http://schemas.microsoft.com/VisualStudio/2011/storyboarding/control">
-  <Id Name="a2191c86-fc50-4add-948c-129f6b5a88d8" Revision="1" Stencil="7276b9ef-3953-4dce-a89b-ed85f20b8b93" StencilVersion="1.0"/>
-</Control>
-</file>
-
-<file path=customXml/item26.xml><?xml version="1.0" encoding="utf-8"?>
-<Control xmlns="http://schemas.microsoft.com/VisualStudio/2011/storyboarding/control">
-  <Id Name="a53d73d2-368b-429e-b817-1324eec1382c" Revision="1" Stencil="7276b9ef-3953-4dce-a89b-ed85f20b8b93" StencilVersion="1.0"/>
-</Control>
-</file>
-
-<file path=customXml/item27.xml><?xml version="1.0" encoding="utf-8"?>
-<Control xmlns="http://schemas.microsoft.com/VisualStudio/2011/storyboarding/control">
-  <Id Name="369f9055-6b6c-48b9-9320-5df2d46c430a" Revision="1" Stencil="7276b9ef-3953-4dce-a89b-ed85f20b8b93" StencilVersion="1.0"/>
-</Control>
-</file>
-
-<file path=customXml/item28.xml><?xml version="1.0" encoding="utf-8"?>
-<Control xmlns="http://schemas.microsoft.com/VisualStudio/2011/storyboarding/control">
-  <Id Name="a53d73d2-368b-429e-b817-1324eec1382c" Revision="1" Stencil="7276b9ef-3953-4dce-a89b-ed85f20b8b93" StencilVersion="1.0"/>
-</Control>
-</file>
-
 <file path=customXml/item29.xml><?xml version="1.0" encoding="utf-8"?>
 <Control xmlns="http://schemas.microsoft.com/VisualStudio/2011/storyboarding/control">
   <Id Name="369f9055-6b6c-48b9-9320-5df2d46c430a" Revision="1" Stencil="7276b9ef-3953-4dce-a89b-ed85f20b8b93" StencilVersion="1.0"/>
@@ -45008,9 +45741,12 @@
 </file>
 
 <file path=customXml/item3.xml><?xml version="1.0" encoding="utf-8"?>
-<Control xmlns="http://schemas.microsoft.com/VisualStudio/2011/storyboarding/control">
-  <Id Name="a53d73d2-368b-429e-b817-1324eec1382c" Revision="1" Stencil="7276b9ef-3953-4dce-a89b-ed85f20b8b93" StencilVersion="1.0"/>
-</Control>
+<?mso-contentType ?>
+<FormTemplates xmlns="http://schemas.microsoft.com/sharepoint/v3/contenttype/forms">
+  <Display>DocumentLibraryForm</Display>
+  <Edit>DocumentLibraryForm</Edit>
+  <New>DocumentLibraryForm</New>
+</FormTemplates>
 </file>
 
 <file path=customXml/item30.xml><?xml version="1.0" encoding="utf-8"?>
@@ -45026,6 +45762,48 @@
 </file>
 
 <file path=customXml/item32.xml><?xml version="1.0" encoding="utf-8"?>
+<Control xmlns="http://schemas.microsoft.com/VisualStudio/2011/storyboarding/control">
+  <Id Name="a2191c86-fc50-4add-948c-129f6b5a88d8" Revision="1" Stencil="7276b9ef-3953-4dce-a89b-ed85f20b8b93" StencilVersion="1.0"/>
+</Control>
+</file>
+
+<file path=customXml/item33.xml><?xml version="1.0" encoding="utf-8"?>
+<Control xmlns="http://schemas.microsoft.com/VisualStudio/2011/storyboarding/control">
+  <Id Name="fb22c541-ded0-47fa-8877-83a4c2d16227" Revision="1" Stencil="7276b9ef-3953-4dce-a89b-ed85f20b8b93" StencilVersion="1.0"/>
+</Control>
+</file>
+
+<file path=customXml/item4.xml><?xml version="1.0" encoding="utf-8"?>
+<Control xmlns="http://schemas.microsoft.com/VisualStudio/2011/storyboarding/control">
+  <Id Name="369f9055-6b6c-48b9-9320-5df2d46c430a" Revision="1" Stencil="7276b9ef-3953-4dce-a89b-ed85f20b8b93" StencilVersion="1.0"/>
+</Control>
+</file>
+
+<file path=customXml/item5.xml><?xml version="1.0" encoding="utf-8"?>
+<Control xmlns="http://schemas.microsoft.com/VisualStudio/2011/storyboarding/control">
+  <Id Name="a2191c86-fc50-4add-948c-129f6b5a88d8" Revision="1" Stencil="7276b9ef-3953-4dce-a89b-ed85f20b8b93" StencilVersion="1.0"/>
+</Control>
+</file>
+
+<file path=customXml/item6.xml><?xml version="1.0" encoding="utf-8"?>
+<Control xmlns="http://schemas.microsoft.com/VisualStudio/2011/storyboarding/control">
+  <Id Name="d69996e1-3d61-4686-9b63-f1b855c596ab" Revision="1" Stencil="7276b9ef-3953-4dce-a89b-ed85f20b8b93" StencilVersion="1.0"/>
+</Control>
+</file>
+
+<file path=customXml/item7.xml><?xml version="1.0" encoding="utf-8"?>
+<Control xmlns="http://schemas.microsoft.com/VisualStudio/2011/storyboarding/control">
+  <Id Name="fb22c541-ded0-47fa-8877-83a4c2d16227" Revision="1" Stencil="7276b9ef-3953-4dce-a89b-ed85f20b8b93" StencilVersion="1.0"/>
+</Control>
+</file>
+
+<file path=customXml/item8.xml><?xml version="1.0" encoding="utf-8"?>
+<Control xmlns="http://schemas.microsoft.com/VisualStudio/2011/storyboarding/control">
+  <Id Name="d69996e1-3d61-4686-9b63-f1b855c596ab" Revision="1" Stencil="7276b9ef-3953-4dce-a89b-ed85f20b8b93" StencilVersion="1.0"/>
+</Control>
+</file>
+
+<file path=customXml/item9.xml><?xml version="1.0" encoding="utf-8"?>
 <p:properties xmlns:p="http://schemas.microsoft.com/office/2006/metadata/properties" xmlns:xsi="http://www.w3.org/2001/XMLSchema-instance" xmlns:pc="http://schemas.microsoft.com/office/infopath/2007/PartnerControls">
   <documentManagement>
     <SharedWithUsers xmlns="83cd2334-221a-48c3-9034-bfd1542dfe28">
@@ -45049,50 +45827,8 @@
 </p:properties>
 </file>
 
-<file path=customXml/item33.xml><?xml version="1.0" encoding="utf-8"?>
-<Control xmlns="http://schemas.microsoft.com/VisualStudio/2011/storyboarding/control">
-  <Id Name="fb22c541-ded0-47fa-8877-83a4c2d16227" Revision="1" Stencil="7276b9ef-3953-4dce-a89b-ed85f20b8b93" StencilVersion="1.0"/>
-</Control>
-</file>
-
-<file path=customXml/item4.xml><?xml version="1.0" encoding="utf-8"?>
-<Control xmlns="http://schemas.microsoft.com/VisualStudio/2011/storyboarding/control">
-  <Id Name="369f9055-6b6c-48b9-9320-5df2d46c430a" Revision="1" Stencil="7276b9ef-3953-4dce-a89b-ed85f20b8b93" StencilVersion="1.0"/>
-</Control>
-</file>
-
-<file path=customXml/item5.xml><?xml version="1.0" encoding="utf-8"?>
-<Control xmlns="http://schemas.microsoft.com/VisualStudio/2011/storyboarding/control">
-  <Id Name="d69996e1-3d61-4686-9b63-f1b855c596ab" Revision="1" Stencil="7276b9ef-3953-4dce-a89b-ed85f20b8b93" StencilVersion="1.0"/>
-</Control>
-</file>
-
-<file path=customXml/item6.xml><?xml version="1.0" encoding="utf-8"?>
-<Control xmlns="http://schemas.microsoft.com/VisualStudio/2011/storyboarding/control">
-  <Id Name="d69996e1-3d61-4686-9b63-f1b855c596ab" Revision="1" Stencil="7276b9ef-3953-4dce-a89b-ed85f20b8b93" StencilVersion="1.0"/>
-</Control>
-</file>
-
-<file path=customXml/item7.xml><?xml version="1.0" encoding="utf-8"?>
-<Control xmlns="http://schemas.microsoft.com/VisualStudio/2011/storyboarding/control">
-  <Id Name="369f9055-6b6c-48b9-9320-5df2d46c430a" Revision="1" Stencil="7276b9ef-3953-4dce-a89b-ed85f20b8b93" StencilVersion="1.0"/>
-</Control>
-</file>
-
-<file path=customXml/item8.xml><?xml version="1.0" encoding="utf-8"?>
-<Control xmlns="http://schemas.microsoft.com/VisualStudio/2011/storyboarding/control">
-  <Id Name="a2191c86-fc50-4add-948c-129f6b5a88d8" Revision="1" Stencil="7276b9ef-3953-4dce-a89b-ed85f20b8b93" StencilVersion="1.0"/>
-</Control>
-</file>
-
-<file path=customXml/item9.xml><?xml version="1.0" encoding="utf-8"?>
-<Control xmlns="http://schemas.microsoft.com/VisualStudio/2011/storyboarding/control">
-  <Id Name="a53d73d2-368b-429e-b817-1324eec1382c" Revision="1" Stencil="7276b9ef-3953-4dce-a89b-ed85f20b8b93" StencilVersion="1.0"/>
-</Control>
-</file>
-
 <file path=customXml/itemProps1.xml><?xml version="1.0" encoding="utf-8"?>
-<ds:datastoreItem xmlns:ds="http://schemas.openxmlformats.org/officeDocument/2006/customXml" ds:itemID="{4B16F4FE-7C26-4443-B426-81998D23ED87}">
+<ds:datastoreItem xmlns:ds="http://schemas.openxmlformats.org/officeDocument/2006/customXml" ds:itemID="{366CA990-F93D-4100-9654-65D9E30F4E1C}">
   <ds:schemaRefs>
     <ds:schemaRef ds:uri="http://schemas.microsoft.com/VisualStudio/2011/storyboarding/control"/>
   </ds:schemaRefs>
@@ -45100,6 +45836,38 @@
 </file>
 
 <file path=customXml/itemProps10.xml><?xml version="1.0" encoding="utf-8"?>
+<ds:datastoreItem xmlns:ds="http://schemas.openxmlformats.org/officeDocument/2006/customXml" ds:itemID="{0282FB20-2D4C-459D-8468-77D1D3C6925D}">
+  <ds:schemaRefs>
+    <ds:schemaRef ds:uri="http://schemas.microsoft.com/VisualStudio/2011/storyboarding/control"/>
+  </ds:schemaRefs>
+</ds:datastoreItem>
+</file>
+
+<file path=customXml/itemProps11.xml><?xml version="1.0" encoding="utf-8"?>
+<ds:datastoreItem xmlns:ds="http://schemas.openxmlformats.org/officeDocument/2006/customXml" ds:itemID="{B5105A87-47B6-44F6-97FD-4619C0556604}">
+  <ds:schemaRefs>
+    <ds:schemaRef ds:uri="http://schemas.microsoft.com/VisualStudio/2011/storyboarding/control"/>
+  </ds:schemaRefs>
+</ds:datastoreItem>
+</file>
+
+<file path=customXml/itemProps12.xml><?xml version="1.0" encoding="utf-8"?>
+<ds:datastoreItem xmlns:ds="http://schemas.openxmlformats.org/officeDocument/2006/customXml" ds:itemID="{D4B5F268-5930-44CD-BDF1-D0A04D4BBC1C}">
+  <ds:schemaRefs>
+    <ds:schemaRef ds:uri="http://schemas.microsoft.com/VisualStudio/2011/storyboarding/control"/>
+  </ds:schemaRefs>
+</ds:datastoreItem>
+</file>
+
+<file path=customXml/itemProps13.xml><?xml version="1.0" encoding="utf-8"?>
+<ds:datastoreItem xmlns:ds="http://schemas.openxmlformats.org/officeDocument/2006/customXml" ds:itemID="{8893E80D-6D0C-4E0F-AA22-E5615BB87E5B}">
+  <ds:schemaRefs>
+    <ds:schemaRef ds:uri="http://schemas.microsoft.com/VisualStudio/2011/storyboarding/control"/>
+  </ds:schemaRefs>
+</ds:datastoreItem>
+</file>
+
+<file path=customXml/itemProps14.xml><?xml version="1.0" encoding="utf-8"?>
 <ds:datastoreItem xmlns:ds="http://schemas.openxmlformats.org/officeDocument/2006/customXml" ds:itemID="{67213E6F-7B96-4222-888B-63710B06D885}">
   <ds:schemaRefs>
     <ds:schemaRef ds:uri="http://schemas.microsoft.com/VisualStudio/2011/storyboarding/control"/>
@@ -45107,23 +45875,95 @@
 </ds:datastoreItem>
 </file>
 
-<file path=customXml/itemProps11.xml><?xml version="1.0" encoding="utf-8"?>
-<ds:datastoreItem xmlns:ds="http://schemas.openxmlformats.org/officeDocument/2006/customXml" ds:itemID="{4C1B3C27-4803-4D72-A3F8-6668A3F0A24B}">
+<file path=customXml/itemProps15.xml><?xml version="1.0" encoding="utf-8"?>
+<ds:datastoreItem xmlns:ds="http://schemas.openxmlformats.org/officeDocument/2006/customXml" ds:itemID="{D6FEE829-2115-45B4-8110-670FD454542B}">
   <ds:schemaRefs>
     <ds:schemaRef ds:uri="http://schemas.microsoft.com/VisualStudio/2011/storyboarding/control"/>
   </ds:schemaRefs>
 </ds:datastoreItem>
 </file>
 
-<file path=customXml/itemProps12.xml><?xml version="1.0" encoding="utf-8"?>
-<ds:datastoreItem xmlns:ds="http://schemas.openxmlformats.org/officeDocument/2006/customXml" ds:itemID="{3C954CC5-1CAC-4EC3-9791-8630483065B9}">
+<file path=customXml/itemProps16.xml><?xml version="1.0" encoding="utf-8"?>
+<ds:datastoreItem xmlns:ds="http://schemas.openxmlformats.org/officeDocument/2006/customXml" ds:itemID="{6FB9D450-4C47-4A44-8C0D-C78D8A54C46F}">
   <ds:schemaRefs>
     <ds:schemaRef ds:uri="http://schemas.microsoft.com/VisualStudio/2011/storyboarding/control"/>
   </ds:schemaRefs>
 </ds:datastoreItem>
 </file>
 
-<file path=customXml/itemProps13.xml><?xml version="1.0" encoding="utf-8"?>
+<file path=customXml/itemProps17.xml><?xml version="1.0" encoding="utf-8"?>
+<ds:datastoreItem xmlns:ds="http://schemas.openxmlformats.org/officeDocument/2006/customXml" ds:itemID="{82DB428A-B8F8-483F-8276-095629A8ECDB}">
+  <ds:schemaRefs>
+    <ds:schemaRef ds:uri="http://schemas.microsoft.com/VisualStudio/2011/storyboarding/control"/>
+  </ds:schemaRefs>
+</ds:datastoreItem>
+</file>
+
+<file path=customXml/itemProps18.xml><?xml version="1.0" encoding="utf-8"?>
+<ds:datastoreItem xmlns:ds="http://schemas.openxmlformats.org/officeDocument/2006/customXml" ds:itemID="{F68D8396-E21C-4AFF-8FDD-70D00673D0EE}">
+  <ds:schemaRefs>
+    <ds:schemaRef ds:uri="http://schemas.microsoft.com/VisualStudio/2011/storyboarding/control"/>
+  </ds:schemaRefs>
+</ds:datastoreItem>
+</file>
+
+<file path=customXml/itemProps19.xml><?xml version="1.0" encoding="utf-8"?>
+<ds:datastoreItem xmlns:ds="http://schemas.openxmlformats.org/officeDocument/2006/customXml" ds:itemID="{376216F9-AF6B-4844-AE8C-B9F953F916AB}">
+  <ds:schemaRefs>
+    <ds:schemaRef ds:uri="http://schemas.microsoft.com/VisualStudio/2011/storyboarding/control"/>
+  </ds:schemaRefs>
+</ds:datastoreItem>
+</file>
+
+<file path=customXml/itemProps2.xml><?xml version="1.0" encoding="utf-8"?>
+<ds:datastoreItem xmlns:ds="http://schemas.openxmlformats.org/officeDocument/2006/customXml" ds:itemID="{FE651ABA-5DC1-4ABD-A06E-055AE54B337B}">
+  <ds:schemaRefs>
+    <ds:schemaRef ds:uri="http://schemas.microsoft.com/VisualStudio/2011/storyboarding/control"/>
+  </ds:schemaRefs>
+</ds:datastoreItem>
+</file>
+
+<file path=customXml/itemProps20.xml><?xml version="1.0" encoding="utf-8"?>
+<ds:datastoreItem xmlns:ds="http://schemas.openxmlformats.org/officeDocument/2006/customXml" ds:itemID="{08C4EE12-DF69-4FFC-9E40-C7991F3490A6}">
+  <ds:schemaRefs>
+    <ds:schemaRef ds:uri="http://schemas.microsoft.com/VisualStudio/2011/storyboarding/control"/>
+  </ds:schemaRefs>
+</ds:datastoreItem>
+</file>
+
+<file path=customXml/itemProps21.xml><?xml version="1.0" encoding="utf-8"?>
+<ds:datastoreItem xmlns:ds="http://schemas.openxmlformats.org/officeDocument/2006/customXml" ds:itemID="{38217AA1-CC95-49A9-B284-2ED4D347D7CA}">
+  <ds:schemaRefs>
+    <ds:schemaRef ds:uri="http://schemas.microsoft.com/VisualStudio/2011/storyboarding/control"/>
+  </ds:schemaRefs>
+</ds:datastoreItem>
+</file>
+
+<file path=customXml/itemProps22.xml><?xml version="1.0" encoding="utf-8"?>
+<ds:datastoreItem xmlns:ds="http://schemas.openxmlformats.org/officeDocument/2006/customXml" ds:itemID="{0B54C583-7BAB-4080-8093-C5F84F5A225A}">
+  <ds:schemaRefs>
+    <ds:schemaRef ds:uri="http://schemas.microsoft.com/VisualStudio/2011/storyboarding/control"/>
+  </ds:schemaRefs>
+</ds:datastoreItem>
+</file>
+
+<file path=customXml/itemProps23.xml><?xml version="1.0" encoding="utf-8"?>
+<ds:datastoreItem xmlns:ds="http://schemas.openxmlformats.org/officeDocument/2006/customXml" ds:itemID="{8257D6BC-B71E-4D95-81E4-A1D4A8174168}">
+  <ds:schemaRefs>
+    <ds:schemaRef ds:uri="http://schemas.microsoft.com/VisualStudio/2011/storyboarding/control"/>
+  </ds:schemaRefs>
+</ds:datastoreItem>
+</file>
+
+<file path=customXml/itemProps24.xml><?xml version="1.0" encoding="utf-8"?>
+<ds:datastoreItem xmlns:ds="http://schemas.openxmlformats.org/officeDocument/2006/customXml" ds:itemID="{4E805D65-1532-4BB0-8F41-8013167C0009}">
+  <ds:schemaRefs>
+    <ds:schemaRef ds:uri="http://schemas.microsoft.com/VisualStudio/2011/storyboarding/control"/>
+  </ds:schemaRefs>
+</ds:datastoreItem>
+</file>
+
+<file path=customXml/itemProps25.xml><?xml version="1.0" encoding="utf-8"?>
 <ds:datastoreItem xmlns:ds="http://schemas.openxmlformats.org/officeDocument/2006/customXml" ds:itemID="{432851C6-BC05-4673-B853-6D08AB80CDC4}">
   <ds:schemaRefs>
     <ds:schemaRef ds:uri="http://schemas.microsoft.com/VisualStudio/2011/storyboarding/control"/>
@@ -45131,39 +45971,7 @@
 </ds:datastoreItem>
 </file>
 
-<file path=customXml/itemProps14.xml><?xml version="1.0" encoding="utf-8"?>
-<ds:datastoreItem xmlns:ds="http://schemas.openxmlformats.org/officeDocument/2006/customXml" ds:itemID="{376216F9-AF6B-4844-AE8C-B9F953F916AB}">
-  <ds:schemaRefs>
-    <ds:schemaRef ds:uri="http://schemas.microsoft.com/VisualStudio/2011/storyboarding/control"/>
-  </ds:schemaRefs>
-</ds:datastoreItem>
-</file>
-
-<file path=customXml/itemProps15.xml><?xml version="1.0" encoding="utf-8"?>
-<ds:datastoreItem xmlns:ds="http://schemas.openxmlformats.org/officeDocument/2006/customXml" ds:itemID="{B5105A87-47B6-44F6-97FD-4619C0556604}">
-  <ds:schemaRefs>
-    <ds:schemaRef ds:uri="http://schemas.microsoft.com/VisualStudio/2011/storyboarding/control"/>
-  </ds:schemaRefs>
-</ds:datastoreItem>
-</file>
-
-<file path=customXml/itemProps16.xml><?xml version="1.0" encoding="utf-8"?>
-<ds:datastoreItem xmlns:ds="http://schemas.openxmlformats.org/officeDocument/2006/customXml" ds:itemID="{FE651ABA-5DC1-4ABD-A06E-055AE54B337B}">
-  <ds:schemaRefs>
-    <ds:schemaRef ds:uri="http://schemas.microsoft.com/VisualStudio/2011/storyboarding/control"/>
-  </ds:schemaRefs>
-</ds:datastoreItem>
-</file>
-
-<file path=customXml/itemProps17.xml><?xml version="1.0" encoding="utf-8"?>
-<ds:datastoreItem xmlns:ds="http://schemas.openxmlformats.org/officeDocument/2006/customXml" ds:itemID="{21F6B647-976A-41D0-B760-9DF9DFC6AE3C}">
-  <ds:schemaRefs>
-    <ds:schemaRef ds:uri="http://schemas.microsoft.com/VisualStudio/2011/storyboarding/control"/>
-  </ds:schemaRefs>
-</ds:datastoreItem>
-</file>
-
-<file path=customXml/itemProps18.xml><?xml version="1.0" encoding="utf-8"?>
+<file path=customXml/itemProps26.xml><?xml version="1.0" encoding="utf-8"?>
 <ds:datastoreItem xmlns:ds="http://schemas.openxmlformats.org/officeDocument/2006/customXml" ds:itemID="{C0F92A87-A216-45A9-B9C0-0515663D35BF}">
   <ds:schemaRefs>
     <ds:schemaRef ds:uri="http://schemas.microsoft.com/VisualStudio/2011/storyboarding/control"/>
@@ -45171,31 +45979,15 @@
 </ds:datastoreItem>
 </file>
 
-<file path=customXml/itemProps19.xml><?xml version="1.0" encoding="utf-8"?>
-<ds:datastoreItem xmlns:ds="http://schemas.openxmlformats.org/officeDocument/2006/customXml" ds:itemID="{D6FEE829-2115-45B4-8110-670FD454542B}">
+<file path=customXml/itemProps27.xml><?xml version="1.0" encoding="utf-8"?>
+<ds:datastoreItem xmlns:ds="http://schemas.openxmlformats.org/officeDocument/2006/customXml" ds:itemID="{ED350DFE-2319-4AB0-BC96-1D36D125365A}">
   <ds:schemaRefs>
     <ds:schemaRef ds:uri="http://schemas.microsoft.com/VisualStudio/2011/storyboarding/control"/>
   </ds:schemaRefs>
 </ds:datastoreItem>
 </file>
 
-<file path=customXml/itemProps2.xml><?xml version="1.0" encoding="utf-8"?>
-<ds:datastoreItem xmlns:ds="http://schemas.openxmlformats.org/officeDocument/2006/customXml" ds:itemID="{366CA990-F93D-4100-9654-65D9E30F4E1C}">
-  <ds:schemaRefs>
-    <ds:schemaRef ds:uri="http://schemas.microsoft.com/VisualStudio/2011/storyboarding/control"/>
-  </ds:schemaRefs>
-</ds:datastoreItem>
-</file>
-
-<file path=customXml/itemProps20.xml><?xml version="1.0" encoding="utf-8"?>
-<ds:datastoreItem xmlns:ds="http://schemas.openxmlformats.org/officeDocument/2006/customXml" ds:itemID="{758FDAC0-319D-4A54-8D8E-1D42CB1F8004}">
-  <ds:schemaRefs>
-    <ds:schemaRef ds:uri="http://schemas.microsoft.com/sharepoint/v3/contenttype/forms"/>
-  </ds:schemaRefs>
-</ds:datastoreItem>
-</file>
-
-<file path=customXml/itemProps21.xml><?xml version="1.0" encoding="utf-8"?>
+<file path=customXml/itemProps28.xml><?xml version="1.0" encoding="utf-8"?>
 <ds:datastoreItem xmlns:ds="http://schemas.openxmlformats.org/officeDocument/2006/customXml" ds:itemID="{11F98F69-7518-4AE2-AE7B-E037DC9DDC97}">
   <ds:schemaRefs>
     <ds:schemaRef ds:uri="http://schemas.microsoft.com/office/2006/metadata/contentType"/>
@@ -45213,64 +46005,8 @@
 </ds:datastoreItem>
 </file>
 
-<file path=customXml/itemProps22.xml><?xml version="1.0" encoding="utf-8"?>
-<ds:datastoreItem xmlns:ds="http://schemas.openxmlformats.org/officeDocument/2006/customXml" ds:itemID="{08C4EE12-DF69-4FFC-9E40-C7991F3490A6}">
-  <ds:schemaRefs>
-    <ds:schemaRef ds:uri="http://schemas.microsoft.com/VisualStudio/2011/storyboarding/control"/>
-  </ds:schemaRefs>
-</ds:datastoreItem>
-</file>
-
-<file path=customXml/itemProps23.xml><?xml version="1.0" encoding="utf-8"?>
-<ds:datastoreItem xmlns:ds="http://schemas.openxmlformats.org/officeDocument/2006/customXml" ds:itemID="{D4B5F268-5930-44CD-BDF1-D0A04D4BBC1C}">
-  <ds:schemaRefs>
-    <ds:schemaRef ds:uri="http://schemas.microsoft.com/VisualStudio/2011/storyboarding/control"/>
-  </ds:schemaRefs>
-</ds:datastoreItem>
-</file>
-
-<file path=customXml/itemProps24.xml><?xml version="1.0" encoding="utf-8"?>
-<ds:datastoreItem xmlns:ds="http://schemas.openxmlformats.org/officeDocument/2006/customXml" ds:itemID="{C63AC2F0-1DEB-4E91-A88A-7A014A172F4F}">
-  <ds:schemaRefs>
-    <ds:schemaRef ds:uri="http://schemas.microsoft.com/VisualStudio/2011/storyboarding/control"/>
-  </ds:schemaRefs>
-</ds:datastoreItem>
-</file>
-
-<file path=customXml/itemProps25.xml><?xml version="1.0" encoding="utf-8"?>
-<ds:datastoreItem xmlns:ds="http://schemas.openxmlformats.org/officeDocument/2006/customXml" ds:itemID="{8BD595CA-AC5E-43B9-B966-E468A16E8322}">
-  <ds:schemaRefs>
-    <ds:schemaRef ds:uri="http://schemas.microsoft.com/VisualStudio/2011/storyboarding/control"/>
-  </ds:schemaRefs>
-</ds:datastoreItem>
-</file>
-
-<file path=customXml/itemProps26.xml><?xml version="1.0" encoding="utf-8"?>
-<ds:datastoreItem xmlns:ds="http://schemas.openxmlformats.org/officeDocument/2006/customXml" ds:itemID="{ED350DFE-2319-4AB0-BC96-1D36D125365A}">
-  <ds:schemaRefs>
-    <ds:schemaRef ds:uri="http://schemas.microsoft.com/VisualStudio/2011/storyboarding/control"/>
-  </ds:schemaRefs>
-</ds:datastoreItem>
-</file>
-
-<file path=customXml/itemProps27.xml><?xml version="1.0" encoding="utf-8"?>
-<ds:datastoreItem xmlns:ds="http://schemas.openxmlformats.org/officeDocument/2006/customXml" ds:itemID="{38217AA1-CC95-49A9-B284-2ED4D347D7CA}">
-  <ds:schemaRefs>
-    <ds:schemaRef ds:uri="http://schemas.microsoft.com/VisualStudio/2011/storyboarding/control"/>
-  </ds:schemaRefs>
-</ds:datastoreItem>
-</file>
-
-<file path=customXml/itemProps28.xml><?xml version="1.0" encoding="utf-8"?>
-<ds:datastoreItem xmlns:ds="http://schemas.openxmlformats.org/officeDocument/2006/customXml" ds:itemID="{8893E80D-6D0C-4E0F-AA22-E5615BB87E5B}">
-  <ds:schemaRefs>
-    <ds:schemaRef ds:uri="http://schemas.microsoft.com/VisualStudio/2011/storyboarding/control"/>
-  </ds:schemaRefs>
-</ds:datastoreItem>
-</file>
-
 <file path=customXml/itemProps29.xml><?xml version="1.0" encoding="utf-8"?>
-<ds:datastoreItem xmlns:ds="http://schemas.openxmlformats.org/officeDocument/2006/customXml" ds:itemID="{7959CC6A-F423-4783-B968-3BCC86A7394E}">
+<ds:datastoreItem xmlns:ds="http://schemas.openxmlformats.org/officeDocument/2006/customXml" ds:itemID="{42D603BF-B513-4201-A599-21BA0F4FFC40}">
   <ds:schemaRefs>
     <ds:schemaRef ds:uri="http://schemas.microsoft.com/VisualStudio/2011/storyboarding/control"/>
   </ds:schemaRefs>
@@ -45278,15 +46014,15 @@
 </file>
 
 <file path=customXml/itemProps3.xml><?xml version="1.0" encoding="utf-8"?>
-<ds:datastoreItem xmlns:ds="http://schemas.openxmlformats.org/officeDocument/2006/customXml" ds:itemID="{4E805D65-1532-4BB0-8F41-8013167C0009}">
+<ds:datastoreItem xmlns:ds="http://schemas.openxmlformats.org/officeDocument/2006/customXml" ds:itemID="{758FDAC0-319D-4A54-8D8E-1D42CB1F8004}">
   <ds:schemaRefs>
-    <ds:schemaRef ds:uri="http://schemas.microsoft.com/VisualStudio/2011/storyboarding/control"/>
+    <ds:schemaRef ds:uri="http://schemas.microsoft.com/sharepoint/v3/contenttype/forms"/>
   </ds:schemaRefs>
 </ds:datastoreItem>
 </file>
 
 <file path=customXml/itemProps30.xml><?xml version="1.0" encoding="utf-8"?>
-<ds:datastoreItem xmlns:ds="http://schemas.openxmlformats.org/officeDocument/2006/customXml" ds:itemID="{0B54C583-7BAB-4080-8093-C5F84F5A225A}">
+<ds:datastoreItem xmlns:ds="http://schemas.openxmlformats.org/officeDocument/2006/customXml" ds:itemID="{3C954CC5-1CAC-4EC3-9791-8630483065B9}">
   <ds:schemaRefs>
     <ds:schemaRef ds:uri="http://schemas.microsoft.com/VisualStudio/2011/storyboarding/control"/>
   </ds:schemaRefs>
@@ -45294,7 +46030,7 @@
 </file>
 
 <file path=customXml/itemProps31.xml><?xml version="1.0" encoding="utf-8"?>
-<ds:datastoreItem xmlns:ds="http://schemas.openxmlformats.org/officeDocument/2006/customXml" ds:itemID="{6FB9D450-4C47-4A44-8C0D-C78D8A54C46F}">
+<ds:datastoreItem xmlns:ds="http://schemas.openxmlformats.org/officeDocument/2006/customXml" ds:itemID="{21F6B647-976A-41D0-B760-9DF9DFC6AE3C}">
   <ds:schemaRefs>
     <ds:schemaRef ds:uri="http://schemas.microsoft.com/VisualStudio/2011/storyboarding/control"/>
   </ds:schemaRefs>
@@ -45302,17 +46038,9 @@
 </file>
 
 <file path=customXml/itemProps32.xml><?xml version="1.0" encoding="utf-8"?>
-<ds:datastoreItem xmlns:ds="http://schemas.openxmlformats.org/officeDocument/2006/customXml" ds:itemID="{F990F116-B58F-4255-B05B-DA3808E0E5C6}">
+<ds:datastoreItem xmlns:ds="http://schemas.openxmlformats.org/officeDocument/2006/customXml" ds:itemID="{8BD595CA-AC5E-43B9-B966-E468A16E8322}">
   <ds:schemaRefs>
-    <ds:schemaRef ds:uri="83cd2334-221a-48c3-9034-bfd1542dfe28"/>
-    <ds:schemaRef ds:uri="http://purl.org/dc/elements/1.1/"/>
-    <ds:schemaRef ds:uri="http://schemas.microsoft.com/office/2006/metadata/properties"/>
-    <ds:schemaRef ds:uri="http://schemas.microsoft.com/office/2006/documentManagement/types"/>
-    <ds:schemaRef ds:uri="http://purl.org/dc/terms/"/>
-    <ds:schemaRef ds:uri="http://schemas.openxmlformats.org/package/2006/metadata/core-properties"/>
-    <ds:schemaRef ds:uri="http://purl.org/dc/dcmitype/"/>
-    <ds:schemaRef ds:uri="http://schemas.microsoft.com/office/infopath/2007/PartnerControls"/>
-    <ds:schemaRef ds:uri="http://www.w3.org/XML/1998/namespace"/>
+    <ds:schemaRef ds:uri="http://schemas.microsoft.com/VisualStudio/2011/storyboarding/control"/>
   </ds:schemaRefs>
 </ds:datastoreItem>
 </file>
@@ -45326,7 +46054,7 @@
 </file>
 
 <file path=customXml/itemProps4.xml><?xml version="1.0" encoding="utf-8"?>
-<ds:datastoreItem xmlns:ds="http://schemas.openxmlformats.org/officeDocument/2006/customXml" ds:itemID="{82DB428A-B8F8-483F-8276-095629A8ECDB}">
+<ds:datastoreItem xmlns:ds="http://schemas.openxmlformats.org/officeDocument/2006/customXml" ds:itemID="{7959CC6A-F423-4783-B968-3BCC86A7394E}">
   <ds:schemaRefs>
     <ds:schemaRef ds:uri="http://schemas.microsoft.com/VisualStudio/2011/storyboarding/control"/>
   </ds:schemaRefs>
@@ -45334,7 +46062,7 @@
 </file>
 
 <file path=customXml/itemProps5.xml><?xml version="1.0" encoding="utf-8"?>
-<ds:datastoreItem xmlns:ds="http://schemas.openxmlformats.org/officeDocument/2006/customXml" ds:itemID="{0282FB20-2D4C-459D-8468-77D1D3C6925D}">
+<ds:datastoreItem xmlns:ds="http://schemas.openxmlformats.org/officeDocument/2006/customXml" ds:itemID="{4B16F4FE-7C26-4443-B426-81998D23ED87}">
   <ds:schemaRefs>
     <ds:schemaRef ds:uri="http://schemas.microsoft.com/VisualStudio/2011/storyboarding/control"/>
   </ds:schemaRefs>
@@ -45350,7 +46078,7 @@
 </file>
 
 <file path=customXml/itemProps7.xml><?xml version="1.0" encoding="utf-8"?>
-<ds:datastoreItem xmlns:ds="http://schemas.openxmlformats.org/officeDocument/2006/customXml" ds:itemID="{42D603BF-B513-4201-A599-21BA0F4FFC40}">
+<ds:datastoreItem xmlns:ds="http://schemas.openxmlformats.org/officeDocument/2006/customXml" ds:itemID="{4C1B3C27-4803-4D72-A3F8-6668A3F0A24B}">
   <ds:schemaRefs>
     <ds:schemaRef ds:uri="http://schemas.microsoft.com/VisualStudio/2011/storyboarding/control"/>
   </ds:schemaRefs>
@@ -45358,7 +46086,7 @@
 </file>
 
 <file path=customXml/itemProps8.xml><?xml version="1.0" encoding="utf-8"?>
-<ds:datastoreItem xmlns:ds="http://schemas.openxmlformats.org/officeDocument/2006/customXml" ds:itemID="{8257D6BC-B71E-4D95-81E4-A1D4A8174168}">
+<ds:datastoreItem xmlns:ds="http://schemas.openxmlformats.org/officeDocument/2006/customXml" ds:itemID="{C63AC2F0-1DEB-4E91-A88A-7A014A172F4F}">
   <ds:schemaRefs>
     <ds:schemaRef ds:uri="http://schemas.microsoft.com/VisualStudio/2011/storyboarding/control"/>
   </ds:schemaRefs>
@@ -45366,9 +46094,17 @@
 </file>
 
 <file path=customXml/itemProps9.xml><?xml version="1.0" encoding="utf-8"?>
-<ds:datastoreItem xmlns:ds="http://schemas.openxmlformats.org/officeDocument/2006/customXml" ds:itemID="{F68D8396-E21C-4AFF-8FDD-70D00673D0EE}">
+<ds:datastoreItem xmlns:ds="http://schemas.openxmlformats.org/officeDocument/2006/customXml" ds:itemID="{F990F116-B58F-4255-B05B-DA3808E0E5C6}">
   <ds:schemaRefs>
-    <ds:schemaRef ds:uri="http://schemas.microsoft.com/VisualStudio/2011/storyboarding/control"/>
+    <ds:schemaRef ds:uri="83cd2334-221a-48c3-9034-bfd1542dfe28"/>
+    <ds:schemaRef ds:uri="http://purl.org/dc/elements/1.1/"/>
+    <ds:schemaRef ds:uri="http://schemas.microsoft.com/office/2006/metadata/properties"/>
+    <ds:schemaRef ds:uri="http://schemas.microsoft.com/office/2006/documentManagement/types"/>
+    <ds:schemaRef ds:uri="http://purl.org/dc/terms/"/>
+    <ds:schemaRef ds:uri="http://schemas.openxmlformats.org/package/2006/metadata/core-properties"/>
+    <ds:schemaRef ds:uri="http://purl.org/dc/dcmitype/"/>
+    <ds:schemaRef ds:uri="http://schemas.microsoft.com/office/infopath/2007/PartnerControls"/>
+    <ds:schemaRef ds:uri="http://www.w3.org/XML/1998/namespace"/>
   </ds:schemaRefs>
 </ds:datastoreItem>
 </file>
--- a/Slides/8 - Backchannel.pptx
+++ b/Slides/8 - Backchannel.pptx
@@ -281,7 +281,7 @@
               <a:rPr lang="en-US" smtClean="0">
                 <a:latin typeface="Segoe UI" pitchFamily="34" charset="0"/>
               </a:rPr>
-              <a:t>6/22/2017 1:46 PM</a:t>
+              <a:t>6/25/2017 4:51 PM</a:t>
             </a:fld>
             <a:endParaRPr lang="en-US" dirty="0">
               <a:latin typeface="Segoe UI" pitchFamily="34" charset="0"/>
@@ -559,7 +559,7 @@
           <a:p>
             <a:fld id="{38EEC551-8CDA-4EB6-89BB-2A86C9F091C8}" type="datetime8">
               <a:rPr lang="en-US" smtClean="0"/>
-              <a:t>6/22/2017 1:44 PM</a:t>
+              <a:t>6/25/2017 4:51 PM</a:t>
             </a:fld>
             <a:endParaRPr lang="en-US" dirty="0"/>
           </a:p>
@@ -39061,23 +39061,7 @@
                   <a:schemeClr val="bg1"/>
                 </a:solidFill>
               </a:rPr>
-              <a:t>Backchannel with </a:t>
-            </a:r>
-            <a:r>
-              <a:rPr lang="en-US" dirty="0" err="1">
-                <a:solidFill>
-                  <a:schemeClr val="bg1"/>
-                </a:solidFill>
-              </a:rPr>
-              <a:t>WebChat</a:t>
-            </a:r>
-            <a:r>
-              <a:rPr lang="en-US" dirty="0">
-                <a:solidFill>
-                  <a:schemeClr val="bg1"/>
-                </a:solidFill>
-              </a:rPr>
-              <a:t> control</a:t>
+              <a:t>Backchannel with WebChat control</a:t>
             </a:r>
           </a:p>
         </p:txBody>
@@ -40324,7 +40308,7 @@
         <p:spPr>
           <a:xfrm>
             <a:off x="365760" y="1371600"/>
-            <a:ext cx="11704320" cy="3825663"/>
+            <a:ext cx="11704320" cy="4290405"/>
           </a:xfrm>
         </p:spPr>
         <p:txBody>
@@ -40378,6 +40362,13 @@
               <a:rPr lang="en-US" dirty="0"/>
               <a:t>Bing</a:t>
             </a:r>
+          </a:p>
+          <a:p>
+            <a:r>
+              <a:rPr lang="en-US" dirty="0" err="1"/>
+              <a:t>DirectLine</a:t>
+            </a:r>
+            <a:endParaRPr lang="en-US" dirty="0"/>
           </a:p>
         </p:txBody>
       </p:sp>
@@ -40458,13 +40449,8 @@
           <a:p>
             <a:r>
               <a:rPr lang="en-US" dirty="0"/>
-              <a:t>Enter </a:t>
+              <a:t>Enter WebChat</a:t>
             </a:r>
-            <a:r>
-              <a:rPr lang="en-US" dirty="0" err="1"/>
-              <a:t>WebChat</a:t>
-            </a:r>
-            <a:endParaRPr lang="en-US" dirty="0"/>
           </a:p>
           <a:p>
             <a:endParaRPr lang="en-US" dirty="0"/>
@@ -40989,13 +40975,8 @@
           <a:p>
             <a:r>
               <a:rPr lang="en-US" dirty="0"/>
-              <a:t>Implementing </a:t>
+              <a:t>Implementing WebChat</a:t>
             </a:r>
-            <a:r>
-              <a:rPr lang="en-US" dirty="0" err="1"/>
-              <a:t>WebChat</a:t>
-            </a:r>
-            <a:endParaRPr lang="en-US" dirty="0"/>
           </a:p>
         </p:txBody>
       </p:sp>
@@ -41166,13 +41147,8 @@
           <a:p>
             <a:r>
               <a:rPr lang="en-US" dirty="0"/>
-              <a:t>Behind the scenes with </a:t>
+              <a:t>Behind the scenes with WebChat</a:t>
             </a:r>
-            <a:r>
-              <a:rPr lang="en-US" dirty="0" err="1"/>
-              <a:t>WebChat</a:t>
-            </a:r>
-            <a:endParaRPr lang="en-US" dirty="0"/>
           </a:p>
         </p:txBody>
       </p:sp>
@@ -41613,26 +41589,36 @@
           <a:lstStyle/>
           <a:p>
             <a:r>
-              <a:rPr lang="en-US" dirty="0"/>
+              <a:rPr lang="en-US" dirty="0">
+                <a:latin typeface="Consolas" panose="020B0609020204030204" pitchFamily="49" charset="0"/>
+              </a:rPr>
               <a:t>message</a:t>
             </a:r>
           </a:p>
           <a:p>
             <a:r>
-              <a:rPr lang="en-US" dirty="0"/>
+              <a:rPr lang="en-US" dirty="0">
+                <a:latin typeface="Consolas" panose="020B0609020204030204" pitchFamily="49" charset="0"/>
+              </a:rPr>
               <a:t>typing</a:t>
             </a:r>
           </a:p>
           <a:p>
             <a:r>
-              <a:rPr lang="en-US" dirty="0" err="1"/>
+              <a:rPr lang="en-US" dirty="0" err="1">
+                <a:latin typeface="Consolas" panose="020B0609020204030204" pitchFamily="49" charset="0"/>
+              </a:rPr>
               <a:t>endOfConversation</a:t>
             </a:r>
-            <a:endParaRPr lang="en-US" dirty="0"/>
+            <a:endParaRPr lang="en-US" dirty="0">
+              <a:latin typeface="Consolas" panose="020B0609020204030204" pitchFamily="49" charset="0"/>
+            </a:endParaRPr>
           </a:p>
           <a:p>
             <a:r>
-              <a:rPr lang="en-US" dirty="0"/>
+              <a:rPr lang="en-US" dirty="0">
+                <a:latin typeface="Consolas" panose="020B0609020204030204" pitchFamily="49" charset="0"/>
+              </a:rPr>
               <a:t>event</a:t>
             </a:r>
           </a:p>
@@ -42173,7 +42159,7 @@
                 </a:spcAft>
               </a:pPr>
               <a:r>
-                <a:rPr lang="en-US" sz="2400" dirty="0" err="1">
+                <a:rPr lang="en-US" sz="2400" dirty="0">
                   <a:solidFill>
                     <a:srgbClr val="002050"/>
                   </a:solidFill>
@@ -42182,13 +42168,6 @@
                 </a:rPr>
                 <a:t>WebChat</a:t>
               </a:r>
-              <a:endParaRPr lang="en-US" sz="2400" dirty="0">
-                <a:solidFill>
-                  <a:srgbClr val="002050"/>
-                </a:solidFill>
-                <a:ea typeface="Segoe UI" pitchFamily="34" charset="0"/>
-                <a:cs typeface="Segoe UI" pitchFamily="34" charset="0"/>
-              </a:endParaRPr>
             </a:p>
           </p:txBody>
         </p:sp>
@@ -44258,12 +44237,8 @@
           <a:lstStyle/>
           <a:p>
             <a:r>
-              <a:rPr lang="en-US" dirty="0" err="1"/>
-              <a:t>WebChat</a:t>
-            </a:r>
-            <a:r>
               <a:rPr lang="en-US" dirty="0"/>
-              <a:t> ignores </a:t>
+              <a:t>WebChat ignores </a:t>
             </a:r>
             <a:r>
               <a:rPr lang="en-US" dirty="0">
@@ -45468,13 +45443,13 @@
 
 <file path=customXml/item1.xml><?xml version="1.0" encoding="utf-8"?>
 <Control xmlns="http://schemas.microsoft.com/VisualStudio/2011/storyboarding/control">
-  <Id Name="d69996e1-3d61-4686-9b63-f1b855c596ab" Revision="1" Stencil="7276b9ef-3953-4dce-a89b-ed85f20b8b93" StencilVersion="1.0"/>
+  <Id Name="369f9055-6b6c-48b9-9320-5df2d46c430a" Revision="1" Stencil="7276b9ef-3953-4dce-a89b-ed85f20b8b93" StencilVersion="1.0"/>
 </Control>
 </file>
 
 <file path=customXml/item10.xml><?xml version="1.0" encoding="utf-8"?>
 <Control xmlns="http://schemas.microsoft.com/VisualStudio/2011/storyboarding/control">
-  <Id Name="d69996e1-3d61-4686-9b63-f1b855c596ab" Revision="1" Stencil="7276b9ef-3953-4dce-a89b-ed85f20b8b93" StencilVersion="1.0"/>
+  <Id Name="a2191c86-fc50-4add-948c-129f6b5a88d8" Revision="1" Stencil="7276b9ef-3953-4dce-a89b-ed85f20b8b93" StencilVersion="1.0"/>
 </Control>
 </file>
 
@@ -45491,102 +45466,6 @@
 </file>
 
 <file path=customXml/item13.xml><?xml version="1.0" encoding="utf-8"?>
-<Control xmlns="http://schemas.microsoft.com/VisualStudio/2011/storyboarding/control">
-  <Id Name="a53d73d2-368b-429e-b817-1324eec1382c" Revision="1" Stencil="7276b9ef-3953-4dce-a89b-ed85f20b8b93" StencilVersion="1.0"/>
-</Control>
-</file>
-
-<file path=customXml/item14.xml><?xml version="1.0" encoding="utf-8"?>
-<Control xmlns="http://schemas.microsoft.com/VisualStudio/2011/storyboarding/control">
-  <Id Name="d69996e1-3d61-4686-9b63-f1b855c596ab" Revision="1" Stencil="7276b9ef-3953-4dce-a89b-ed85f20b8b93" StencilVersion="1.0"/>
-</Control>
-</file>
-
-<file path=customXml/item15.xml><?xml version="1.0" encoding="utf-8"?>
-<Control xmlns="http://schemas.microsoft.com/VisualStudio/2011/storyboarding/control">
-  <Id Name="fb22c541-ded0-47fa-8877-83a4c2d16227" Revision="1" Stencil="7276b9ef-3953-4dce-a89b-ed85f20b8b93" StencilVersion="1.0"/>
-</Control>
-</file>
-
-<file path=customXml/item16.xml><?xml version="1.0" encoding="utf-8"?>
-<Control xmlns="http://schemas.microsoft.com/VisualStudio/2011/storyboarding/control">
-  <Id Name="a53d73d2-368b-429e-b817-1324eec1382c" Revision="1" Stencil="7276b9ef-3953-4dce-a89b-ed85f20b8b93" StencilVersion="1.0"/>
-</Control>
-</file>
-
-<file path=customXml/item17.xml><?xml version="1.0" encoding="utf-8"?>
-<Control xmlns="http://schemas.microsoft.com/VisualStudio/2011/storyboarding/control">
-  <Id Name="369f9055-6b6c-48b9-9320-5df2d46c430a" Revision="1" Stencil="7276b9ef-3953-4dce-a89b-ed85f20b8b93" StencilVersion="1.0"/>
-</Control>
-</file>
-
-<file path=customXml/item18.xml><?xml version="1.0" encoding="utf-8"?>
-<Control xmlns="http://schemas.microsoft.com/VisualStudio/2011/storyboarding/control">
-  <Id Name="a53d73d2-368b-429e-b817-1324eec1382c" Revision="1" Stencil="7276b9ef-3953-4dce-a89b-ed85f20b8b93" StencilVersion="1.0"/>
-</Control>
-</file>
-
-<file path=customXml/item19.xml><?xml version="1.0" encoding="utf-8"?>
-<Control xmlns="http://schemas.microsoft.com/VisualStudio/2011/storyboarding/control">
-  <Id Name="fb22c541-ded0-47fa-8877-83a4c2d16227" Revision="1" Stencil="7276b9ef-3953-4dce-a89b-ed85f20b8b93" StencilVersion="1.0"/>
-</Control>
-</file>
-
-<file path=customXml/item2.xml><?xml version="1.0" encoding="utf-8"?>
-<Control xmlns="http://schemas.microsoft.com/VisualStudio/2011/storyboarding/control">
-  <Id Name="369f9055-6b6c-48b9-9320-5df2d46c430a" Revision="1" Stencil="7276b9ef-3953-4dce-a89b-ed85f20b8b93" StencilVersion="1.0"/>
-</Control>
-</file>
-
-<file path=customXml/item20.xml><?xml version="1.0" encoding="utf-8"?>
-<Control xmlns="http://schemas.microsoft.com/VisualStudio/2011/storyboarding/control">
-  <Id Name="369f9055-6b6c-48b9-9320-5df2d46c430a" Revision="1" Stencil="7276b9ef-3953-4dce-a89b-ed85f20b8b93" StencilVersion="1.0"/>
-</Control>
-</file>
-
-<file path=customXml/item21.xml><?xml version="1.0" encoding="utf-8"?>
-<Control xmlns="http://schemas.microsoft.com/VisualStudio/2011/storyboarding/control">
-  <Id Name="369f9055-6b6c-48b9-9320-5df2d46c430a" Revision="1" Stencil="7276b9ef-3953-4dce-a89b-ed85f20b8b93" StencilVersion="1.0"/>
-</Control>
-</file>
-
-<file path=customXml/item22.xml><?xml version="1.0" encoding="utf-8"?>
-<Control xmlns="http://schemas.microsoft.com/VisualStudio/2011/storyboarding/control">
-  <Id Name="a2191c86-fc50-4add-948c-129f6b5a88d8" Revision="1" Stencil="7276b9ef-3953-4dce-a89b-ed85f20b8b93" StencilVersion="1.0"/>
-</Control>
-</file>
-
-<file path=customXml/item23.xml><?xml version="1.0" encoding="utf-8"?>
-<Control xmlns="http://schemas.microsoft.com/VisualStudio/2011/storyboarding/control">
-  <Id Name="a2191c86-fc50-4add-948c-129f6b5a88d8" Revision="1" Stencil="7276b9ef-3953-4dce-a89b-ed85f20b8b93" StencilVersion="1.0"/>
-</Control>
-</file>
-
-<file path=customXml/item24.xml><?xml version="1.0" encoding="utf-8"?>
-<Control xmlns="http://schemas.microsoft.com/VisualStudio/2011/storyboarding/control">
-  <Id Name="a53d73d2-368b-429e-b817-1324eec1382c" Revision="1" Stencil="7276b9ef-3953-4dce-a89b-ed85f20b8b93" StencilVersion="1.0"/>
-</Control>
-</file>
-
-<file path=customXml/item25.xml><?xml version="1.0" encoding="utf-8"?>
-<Control xmlns="http://schemas.microsoft.com/VisualStudio/2011/storyboarding/control">
-  <Id Name="fb22c541-ded0-47fa-8877-83a4c2d16227" Revision="1" Stencil="7276b9ef-3953-4dce-a89b-ed85f20b8b93" StencilVersion="1.0"/>
-</Control>
-</file>
-
-<file path=customXml/item26.xml><?xml version="1.0" encoding="utf-8"?>
-<Control xmlns="http://schemas.microsoft.com/VisualStudio/2011/storyboarding/control">
-  <Id Name="d69996e1-3d61-4686-9b63-f1b855c596ab" Revision="1" Stencil="7276b9ef-3953-4dce-a89b-ed85f20b8b93" StencilVersion="1.0"/>
-</Control>
-</file>
-
-<file path=customXml/item27.xml><?xml version="1.0" encoding="utf-8"?>
-<Control xmlns="http://schemas.microsoft.com/VisualStudio/2011/storyboarding/control">
-  <Id Name="a53d73d2-368b-429e-b817-1324eec1382c" Revision="1" Stencil="7276b9ef-3953-4dce-a89b-ed85f20b8b93" StencilVersion="1.0"/>
-</Control>
-</file>
-
-<file path=customXml/item28.xml><?xml version="1.0" encoding="utf-8"?>
 <ct:contentTypeSchema xmlns:ct="http://schemas.microsoft.com/office/2006/metadata/contentType" xmlns:ma="http://schemas.microsoft.com/office/2006/metadata/properties/metaAttributes" ct:_="" ma:_="" ma:contentTypeName="Document" ma:contentTypeID="0x010100674EDBEC711BD14FBA6FF5C10FEFEAC7" ma:contentTypeVersion="2" ma:contentTypeDescription="Create a new document." ma:contentTypeScope="" ma:versionID="2439c5e21841780d4f192983b535a097">
   <xsd:schema xmlns:xsd="http://www.w3.org/2001/XMLSchema" xmlns:xs="http://www.w3.org/2001/XMLSchema" xmlns:p="http://schemas.microsoft.com/office/2006/metadata/properties" xmlns:ns2="83cd2334-221a-48c3-9034-bfd1542dfe28" targetNamespace="http://schemas.microsoft.com/office/2006/metadata/properties" ma:root="true" ma:fieldsID="2bca9163d8d0b233c3086236a9289b04" ns2:_="">
     <xsd:import namespace="83cd2334-221a-48c3-9034-bfd1542dfe28"/>
@@ -45734,76 +45613,31 @@
 </ct:contentTypeSchema>
 </file>
 
-<file path=customXml/item29.xml><?xml version="1.0" encoding="utf-8"?>
+<file path=customXml/item14.xml><?xml version="1.0" encoding="utf-8"?>
+<Control xmlns="http://schemas.microsoft.com/VisualStudio/2011/storyboarding/control">
+  <Id Name="d69996e1-3d61-4686-9b63-f1b855c596ab" Revision="1" Stencil="7276b9ef-3953-4dce-a89b-ed85f20b8b93" StencilVersion="1.0"/>
+</Control>
+</file>
+
+<file path=customXml/item15.xml><?xml version="1.0" encoding="utf-8"?>
+<Control xmlns="http://schemas.microsoft.com/VisualStudio/2011/storyboarding/control">
+  <Id Name="fb22c541-ded0-47fa-8877-83a4c2d16227" Revision="1" Stencil="7276b9ef-3953-4dce-a89b-ed85f20b8b93" StencilVersion="1.0"/>
+</Control>
+</file>
+
+<file path=customXml/item16.xml><?xml version="1.0" encoding="utf-8"?>
+<Control xmlns="http://schemas.microsoft.com/VisualStudio/2011/storyboarding/control">
+  <Id Name="a53d73d2-368b-429e-b817-1324eec1382c" Revision="1" Stencil="7276b9ef-3953-4dce-a89b-ed85f20b8b93" StencilVersion="1.0"/>
+</Control>
+</file>
+
+<file path=customXml/item17.xml><?xml version="1.0" encoding="utf-8"?>
 <Control xmlns="http://schemas.microsoft.com/VisualStudio/2011/storyboarding/control">
   <Id Name="369f9055-6b6c-48b9-9320-5df2d46c430a" Revision="1" Stencil="7276b9ef-3953-4dce-a89b-ed85f20b8b93" StencilVersion="1.0"/>
 </Control>
 </file>
 
-<file path=customXml/item3.xml><?xml version="1.0" encoding="utf-8"?>
-<?mso-contentType ?>
-<FormTemplates xmlns="http://schemas.microsoft.com/sharepoint/v3/contenttype/forms">
-  <Display>DocumentLibraryForm</Display>
-  <Edit>DocumentLibraryForm</Edit>
-  <New>DocumentLibraryForm</New>
-</FormTemplates>
-</file>
-
-<file path=customXml/item30.xml><?xml version="1.0" encoding="utf-8"?>
-<Control xmlns="http://schemas.microsoft.com/VisualStudio/2011/storyboarding/control">
-  <Id Name="a2191c86-fc50-4add-948c-129f6b5a88d8" Revision="1" Stencil="7276b9ef-3953-4dce-a89b-ed85f20b8b93" StencilVersion="1.0"/>
-</Control>
-</file>
-
-<file path=customXml/item31.xml><?xml version="1.0" encoding="utf-8"?>
-<Control xmlns="http://schemas.microsoft.com/VisualStudio/2011/storyboarding/control">
-  <Id Name="a53d73d2-368b-429e-b817-1324eec1382c" Revision="1" Stencil="7276b9ef-3953-4dce-a89b-ed85f20b8b93" StencilVersion="1.0"/>
-</Control>
-</file>
-
-<file path=customXml/item32.xml><?xml version="1.0" encoding="utf-8"?>
-<Control xmlns="http://schemas.microsoft.com/VisualStudio/2011/storyboarding/control">
-  <Id Name="a2191c86-fc50-4add-948c-129f6b5a88d8" Revision="1" Stencil="7276b9ef-3953-4dce-a89b-ed85f20b8b93" StencilVersion="1.0"/>
-</Control>
-</file>
-
-<file path=customXml/item33.xml><?xml version="1.0" encoding="utf-8"?>
-<Control xmlns="http://schemas.microsoft.com/VisualStudio/2011/storyboarding/control">
-  <Id Name="fb22c541-ded0-47fa-8877-83a4c2d16227" Revision="1" Stencil="7276b9ef-3953-4dce-a89b-ed85f20b8b93" StencilVersion="1.0"/>
-</Control>
-</file>
-
-<file path=customXml/item4.xml><?xml version="1.0" encoding="utf-8"?>
-<Control xmlns="http://schemas.microsoft.com/VisualStudio/2011/storyboarding/control">
-  <Id Name="369f9055-6b6c-48b9-9320-5df2d46c430a" Revision="1" Stencil="7276b9ef-3953-4dce-a89b-ed85f20b8b93" StencilVersion="1.0"/>
-</Control>
-</file>
-
-<file path=customXml/item5.xml><?xml version="1.0" encoding="utf-8"?>
-<Control xmlns="http://schemas.microsoft.com/VisualStudio/2011/storyboarding/control">
-  <Id Name="a2191c86-fc50-4add-948c-129f6b5a88d8" Revision="1" Stencil="7276b9ef-3953-4dce-a89b-ed85f20b8b93" StencilVersion="1.0"/>
-</Control>
-</file>
-
-<file path=customXml/item6.xml><?xml version="1.0" encoding="utf-8"?>
-<Control xmlns="http://schemas.microsoft.com/VisualStudio/2011/storyboarding/control">
-  <Id Name="d69996e1-3d61-4686-9b63-f1b855c596ab" Revision="1" Stencil="7276b9ef-3953-4dce-a89b-ed85f20b8b93" StencilVersion="1.0"/>
-</Control>
-</file>
-
-<file path=customXml/item7.xml><?xml version="1.0" encoding="utf-8"?>
-<Control xmlns="http://schemas.microsoft.com/VisualStudio/2011/storyboarding/control">
-  <Id Name="fb22c541-ded0-47fa-8877-83a4c2d16227" Revision="1" Stencil="7276b9ef-3953-4dce-a89b-ed85f20b8b93" StencilVersion="1.0"/>
-</Control>
-</file>
-
-<file path=customXml/item8.xml><?xml version="1.0" encoding="utf-8"?>
-<Control xmlns="http://schemas.microsoft.com/VisualStudio/2011/storyboarding/control">
-  <Id Name="d69996e1-3d61-4686-9b63-f1b855c596ab" Revision="1" Stencil="7276b9ef-3953-4dce-a89b-ed85f20b8b93" StencilVersion="1.0"/>
-</Control>
-</file>
-
-<file path=customXml/item9.xml><?xml version="1.0" encoding="utf-8"?>
+<file path=customXml/item18.xml><?xml version="1.0" encoding="utf-8"?>
 <p:properties xmlns:p="http://schemas.microsoft.com/office/2006/metadata/properties" xmlns:xsi="http://www.w3.org/2001/XMLSchema-instance" xmlns:pc="http://schemas.microsoft.com/office/infopath/2007/PartnerControls">
   <documentManagement>
     <SharedWithUsers xmlns="83cd2334-221a-48c3-9034-bfd1542dfe28">
@@ -45827,8 +45661,149 @@
 </p:properties>
 </file>
 
+<file path=customXml/item19.xml><?xml version="1.0" encoding="utf-8"?>
+<Control xmlns="http://schemas.microsoft.com/VisualStudio/2011/storyboarding/control">
+  <Id Name="d69996e1-3d61-4686-9b63-f1b855c596ab" Revision="1" Stencil="7276b9ef-3953-4dce-a89b-ed85f20b8b93" StencilVersion="1.0"/>
+</Control>
+</file>
+
+<file path=customXml/item2.xml><?xml version="1.0" encoding="utf-8"?>
+<Control xmlns="http://schemas.microsoft.com/VisualStudio/2011/storyboarding/control">
+  <Id Name="a53d73d2-368b-429e-b817-1324eec1382c" Revision="1" Stencil="7276b9ef-3953-4dce-a89b-ed85f20b8b93" StencilVersion="1.0"/>
+</Control>
+</file>
+
+<file path=customXml/item20.xml><?xml version="1.0" encoding="utf-8"?>
+<Control xmlns="http://schemas.microsoft.com/VisualStudio/2011/storyboarding/control">
+  <Id Name="a2191c86-fc50-4add-948c-129f6b5a88d8" Revision="1" Stencil="7276b9ef-3953-4dce-a89b-ed85f20b8b93" StencilVersion="1.0"/>
+</Control>
+</file>
+
+<file path=customXml/item21.xml><?xml version="1.0" encoding="utf-8"?>
+<Control xmlns="http://schemas.microsoft.com/VisualStudio/2011/storyboarding/control">
+  <Id Name="a53d73d2-368b-429e-b817-1324eec1382c" Revision="1" Stencil="7276b9ef-3953-4dce-a89b-ed85f20b8b93" StencilVersion="1.0"/>
+</Control>
+</file>
+
+<file path=customXml/item22.xml><?xml version="1.0" encoding="utf-8"?>
+<Control xmlns="http://schemas.microsoft.com/VisualStudio/2011/storyboarding/control">
+  <Id Name="a2191c86-fc50-4add-948c-129f6b5a88d8" Revision="1" Stencil="7276b9ef-3953-4dce-a89b-ed85f20b8b93" StencilVersion="1.0"/>
+</Control>
+</file>
+
+<file path=customXml/item23.xml><?xml version="1.0" encoding="utf-8"?>
+<Control xmlns="http://schemas.microsoft.com/VisualStudio/2011/storyboarding/control">
+  <Id Name="d69996e1-3d61-4686-9b63-f1b855c596ab" Revision="1" Stencil="7276b9ef-3953-4dce-a89b-ed85f20b8b93" StencilVersion="1.0"/>
+</Control>
+</file>
+
+<file path=customXml/item24.xml><?xml version="1.0" encoding="utf-8"?>
+<?mso-contentType ?>
+<FormTemplates xmlns="http://schemas.microsoft.com/sharepoint/v3/contenttype/forms">
+  <Display>DocumentLibraryForm</Display>
+  <Edit>DocumentLibraryForm</Edit>
+  <New>DocumentLibraryForm</New>
+</FormTemplates>
+</file>
+
+<file path=customXml/item25.xml><?xml version="1.0" encoding="utf-8"?>
+<Control xmlns="http://schemas.microsoft.com/VisualStudio/2011/storyboarding/control">
+  <Id Name="a53d73d2-368b-429e-b817-1324eec1382c" Revision="1" Stencil="7276b9ef-3953-4dce-a89b-ed85f20b8b93" StencilVersion="1.0"/>
+</Control>
+</file>
+
+<file path=customXml/item26.xml><?xml version="1.0" encoding="utf-8"?>
+<Control xmlns="http://schemas.microsoft.com/VisualStudio/2011/storyboarding/control">
+  <Id Name="a53d73d2-368b-429e-b817-1324eec1382c" Revision="1" Stencil="7276b9ef-3953-4dce-a89b-ed85f20b8b93" StencilVersion="1.0"/>
+</Control>
+</file>
+
+<file path=customXml/item27.xml><?xml version="1.0" encoding="utf-8"?>
+<Control xmlns="http://schemas.microsoft.com/VisualStudio/2011/storyboarding/control">
+  <Id Name="d69996e1-3d61-4686-9b63-f1b855c596ab" Revision="1" Stencil="7276b9ef-3953-4dce-a89b-ed85f20b8b93" StencilVersion="1.0"/>
+</Control>
+</file>
+
+<file path=customXml/item28.xml><?xml version="1.0" encoding="utf-8"?>
+<Control xmlns="http://schemas.microsoft.com/VisualStudio/2011/storyboarding/control">
+  <Id Name="369f9055-6b6c-48b9-9320-5df2d46c430a" Revision="1" Stencil="7276b9ef-3953-4dce-a89b-ed85f20b8b93" StencilVersion="1.0"/>
+</Control>
+</file>
+
+<file path=customXml/item29.xml><?xml version="1.0" encoding="utf-8"?>
+<Control xmlns="http://schemas.microsoft.com/VisualStudio/2011/storyboarding/control">
+  <Id Name="fb22c541-ded0-47fa-8877-83a4c2d16227" Revision="1" Stencil="7276b9ef-3953-4dce-a89b-ed85f20b8b93" StencilVersion="1.0"/>
+</Control>
+</file>
+
+<file path=customXml/item3.xml><?xml version="1.0" encoding="utf-8"?>
+<Control xmlns="http://schemas.microsoft.com/VisualStudio/2011/storyboarding/control">
+  <Id Name="369f9055-6b6c-48b9-9320-5df2d46c430a" Revision="1" Stencil="7276b9ef-3953-4dce-a89b-ed85f20b8b93" StencilVersion="1.0"/>
+</Control>
+</file>
+
+<file path=customXml/item30.xml><?xml version="1.0" encoding="utf-8"?>
+<Control xmlns="http://schemas.microsoft.com/VisualStudio/2011/storyboarding/control">
+  <Id Name="a2191c86-fc50-4add-948c-129f6b5a88d8" Revision="1" Stencil="7276b9ef-3953-4dce-a89b-ed85f20b8b93" StencilVersion="1.0"/>
+</Control>
+</file>
+
+<file path=customXml/item31.xml><?xml version="1.0" encoding="utf-8"?>
+<Control xmlns="http://schemas.microsoft.com/VisualStudio/2011/storyboarding/control">
+  <Id Name="369f9055-6b6c-48b9-9320-5df2d46c430a" Revision="1" Stencil="7276b9ef-3953-4dce-a89b-ed85f20b8b93" StencilVersion="1.0"/>
+</Control>
+</file>
+
+<file path=customXml/item32.xml><?xml version="1.0" encoding="utf-8"?>
+<Control xmlns="http://schemas.microsoft.com/VisualStudio/2011/storyboarding/control">
+  <Id Name="fb22c541-ded0-47fa-8877-83a4c2d16227" Revision="1" Stencil="7276b9ef-3953-4dce-a89b-ed85f20b8b93" StencilVersion="1.0"/>
+</Control>
+</file>
+
+<file path=customXml/item33.xml><?xml version="1.0" encoding="utf-8"?>
+<Control xmlns="http://schemas.microsoft.com/VisualStudio/2011/storyboarding/control">
+  <Id Name="fb22c541-ded0-47fa-8877-83a4c2d16227" Revision="1" Stencil="7276b9ef-3953-4dce-a89b-ed85f20b8b93" StencilVersion="1.0"/>
+</Control>
+</file>
+
+<file path=customXml/item4.xml><?xml version="1.0" encoding="utf-8"?>
+<Control xmlns="http://schemas.microsoft.com/VisualStudio/2011/storyboarding/control">
+  <Id Name="369f9055-6b6c-48b9-9320-5df2d46c430a" Revision="1" Stencil="7276b9ef-3953-4dce-a89b-ed85f20b8b93" StencilVersion="1.0"/>
+</Control>
+</file>
+
+<file path=customXml/item5.xml><?xml version="1.0" encoding="utf-8"?>
+<Control xmlns="http://schemas.microsoft.com/VisualStudio/2011/storyboarding/control">
+  <Id Name="d69996e1-3d61-4686-9b63-f1b855c596ab" Revision="1" Stencil="7276b9ef-3953-4dce-a89b-ed85f20b8b93" StencilVersion="1.0"/>
+</Control>
+</file>
+
+<file path=customXml/item6.xml><?xml version="1.0" encoding="utf-8"?>
+<Control xmlns="http://schemas.microsoft.com/VisualStudio/2011/storyboarding/control">
+  <Id Name="d69996e1-3d61-4686-9b63-f1b855c596ab" Revision="1" Stencil="7276b9ef-3953-4dce-a89b-ed85f20b8b93" StencilVersion="1.0"/>
+</Control>
+</file>
+
+<file path=customXml/item7.xml><?xml version="1.0" encoding="utf-8"?>
+<Control xmlns="http://schemas.microsoft.com/VisualStudio/2011/storyboarding/control">
+  <Id Name="fb22c541-ded0-47fa-8877-83a4c2d16227" Revision="1" Stencil="7276b9ef-3953-4dce-a89b-ed85f20b8b93" StencilVersion="1.0"/>
+</Control>
+</file>
+
+<file path=customXml/item8.xml><?xml version="1.0" encoding="utf-8"?>
+<Control xmlns="http://schemas.microsoft.com/VisualStudio/2011/storyboarding/control">
+  <Id Name="a53d73d2-368b-429e-b817-1324eec1382c" Revision="1" Stencil="7276b9ef-3953-4dce-a89b-ed85f20b8b93" StencilVersion="1.0"/>
+</Control>
+</file>
+
+<file path=customXml/item9.xml><?xml version="1.0" encoding="utf-8"?>
+<Control xmlns="http://schemas.microsoft.com/VisualStudio/2011/storyboarding/control">
+  <Id Name="a2191c86-fc50-4add-948c-129f6b5a88d8" Revision="1" Stencil="7276b9ef-3953-4dce-a89b-ed85f20b8b93" StencilVersion="1.0"/>
+</Control>
+</file>
+
 <file path=customXml/itemProps1.xml><?xml version="1.0" encoding="utf-8"?>
-<ds:datastoreItem xmlns:ds="http://schemas.openxmlformats.org/officeDocument/2006/customXml" ds:itemID="{366CA990-F93D-4100-9654-65D9E30F4E1C}">
+<ds:datastoreItem xmlns:ds="http://schemas.openxmlformats.org/officeDocument/2006/customXml" ds:itemID="{FE651ABA-5DC1-4ABD-A06E-055AE54B337B}">
   <ds:schemaRefs>
     <ds:schemaRef ds:uri="http://schemas.microsoft.com/VisualStudio/2011/storyboarding/control"/>
   </ds:schemaRefs>
@@ -45836,7 +45811,7 @@
 </file>
 
 <file path=customXml/itemProps10.xml><?xml version="1.0" encoding="utf-8"?>
-<ds:datastoreItem xmlns:ds="http://schemas.openxmlformats.org/officeDocument/2006/customXml" ds:itemID="{0282FB20-2D4C-459D-8468-77D1D3C6925D}">
+<ds:datastoreItem xmlns:ds="http://schemas.openxmlformats.org/officeDocument/2006/customXml" ds:itemID="{4B16F4FE-7C26-4443-B426-81998D23ED87}">
   <ds:schemaRefs>
     <ds:schemaRef ds:uri="http://schemas.microsoft.com/VisualStudio/2011/storyboarding/control"/>
   </ds:schemaRefs>
@@ -45844,7 +45819,7 @@
 </file>
 
 <file path=customXml/itemProps11.xml><?xml version="1.0" encoding="utf-8"?>
-<ds:datastoreItem xmlns:ds="http://schemas.openxmlformats.org/officeDocument/2006/customXml" ds:itemID="{B5105A87-47B6-44F6-97FD-4619C0556604}">
+<ds:datastoreItem xmlns:ds="http://schemas.openxmlformats.org/officeDocument/2006/customXml" ds:itemID="{D6FEE829-2115-45B4-8110-670FD454542B}">
   <ds:schemaRefs>
     <ds:schemaRef ds:uri="http://schemas.microsoft.com/VisualStudio/2011/storyboarding/control"/>
   </ds:schemaRefs>
@@ -45852,7 +45827,7 @@
 </file>
 
 <file path=customXml/itemProps12.xml><?xml version="1.0" encoding="utf-8"?>
-<ds:datastoreItem xmlns:ds="http://schemas.openxmlformats.org/officeDocument/2006/customXml" ds:itemID="{D4B5F268-5930-44CD-BDF1-D0A04D4BBC1C}">
+<ds:datastoreItem xmlns:ds="http://schemas.openxmlformats.org/officeDocument/2006/customXml" ds:itemID="{8257D6BC-B71E-4D95-81E4-A1D4A8174168}">
   <ds:schemaRefs>
     <ds:schemaRef ds:uri="http://schemas.microsoft.com/VisualStudio/2011/storyboarding/control"/>
   </ds:schemaRefs>
@@ -45860,134 +45835,6 @@
 </file>
 
 <file path=customXml/itemProps13.xml><?xml version="1.0" encoding="utf-8"?>
-<ds:datastoreItem xmlns:ds="http://schemas.openxmlformats.org/officeDocument/2006/customXml" ds:itemID="{8893E80D-6D0C-4E0F-AA22-E5615BB87E5B}">
-  <ds:schemaRefs>
-    <ds:schemaRef ds:uri="http://schemas.microsoft.com/VisualStudio/2011/storyboarding/control"/>
-  </ds:schemaRefs>
-</ds:datastoreItem>
-</file>
-
-<file path=customXml/itemProps14.xml><?xml version="1.0" encoding="utf-8"?>
-<ds:datastoreItem xmlns:ds="http://schemas.openxmlformats.org/officeDocument/2006/customXml" ds:itemID="{67213E6F-7B96-4222-888B-63710B06D885}">
-  <ds:schemaRefs>
-    <ds:schemaRef ds:uri="http://schemas.microsoft.com/VisualStudio/2011/storyboarding/control"/>
-  </ds:schemaRefs>
-</ds:datastoreItem>
-</file>
-
-<file path=customXml/itemProps15.xml><?xml version="1.0" encoding="utf-8"?>
-<ds:datastoreItem xmlns:ds="http://schemas.openxmlformats.org/officeDocument/2006/customXml" ds:itemID="{D6FEE829-2115-45B4-8110-670FD454542B}">
-  <ds:schemaRefs>
-    <ds:schemaRef ds:uri="http://schemas.microsoft.com/VisualStudio/2011/storyboarding/control"/>
-  </ds:schemaRefs>
-</ds:datastoreItem>
-</file>
-
-<file path=customXml/itemProps16.xml><?xml version="1.0" encoding="utf-8"?>
-<ds:datastoreItem xmlns:ds="http://schemas.openxmlformats.org/officeDocument/2006/customXml" ds:itemID="{6FB9D450-4C47-4A44-8C0D-C78D8A54C46F}">
-  <ds:schemaRefs>
-    <ds:schemaRef ds:uri="http://schemas.microsoft.com/VisualStudio/2011/storyboarding/control"/>
-  </ds:schemaRefs>
-</ds:datastoreItem>
-</file>
-
-<file path=customXml/itemProps17.xml><?xml version="1.0" encoding="utf-8"?>
-<ds:datastoreItem xmlns:ds="http://schemas.openxmlformats.org/officeDocument/2006/customXml" ds:itemID="{82DB428A-B8F8-483F-8276-095629A8ECDB}">
-  <ds:schemaRefs>
-    <ds:schemaRef ds:uri="http://schemas.microsoft.com/VisualStudio/2011/storyboarding/control"/>
-  </ds:schemaRefs>
-</ds:datastoreItem>
-</file>
-
-<file path=customXml/itemProps18.xml><?xml version="1.0" encoding="utf-8"?>
-<ds:datastoreItem xmlns:ds="http://schemas.openxmlformats.org/officeDocument/2006/customXml" ds:itemID="{F68D8396-E21C-4AFF-8FDD-70D00673D0EE}">
-  <ds:schemaRefs>
-    <ds:schemaRef ds:uri="http://schemas.microsoft.com/VisualStudio/2011/storyboarding/control"/>
-  </ds:schemaRefs>
-</ds:datastoreItem>
-</file>
-
-<file path=customXml/itemProps19.xml><?xml version="1.0" encoding="utf-8"?>
-<ds:datastoreItem xmlns:ds="http://schemas.openxmlformats.org/officeDocument/2006/customXml" ds:itemID="{376216F9-AF6B-4844-AE8C-B9F953F916AB}">
-  <ds:schemaRefs>
-    <ds:schemaRef ds:uri="http://schemas.microsoft.com/VisualStudio/2011/storyboarding/control"/>
-  </ds:schemaRefs>
-</ds:datastoreItem>
-</file>
-
-<file path=customXml/itemProps2.xml><?xml version="1.0" encoding="utf-8"?>
-<ds:datastoreItem xmlns:ds="http://schemas.openxmlformats.org/officeDocument/2006/customXml" ds:itemID="{FE651ABA-5DC1-4ABD-A06E-055AE54B337B}">
-  <ds:schemaRefs>
-    <ds:schemaRef ds:uri="http://schemas.microsoft.com/VisualStudio/2011/storyboarding/control"/>
-  </ds:schemaRefs>
-</ds:datastoreItem>
-</file>
-
-<file path=customXml/itemProps20.xml><?xml version="1.0" encoding="utf-8"?>
-<ds:datastoreItem xmlns:ds="http://schemas.openxmlformats.org/officeDocument/2006/customXml" ds:itemID="{08C4EE12-DF69-4FFC-9E40-C7991F3490A6}">
-  <ds:schemaRefs>
-    <ds:schemaRef ds:uri="http://schemas.microsoft.com/VisualStudio/2011/storyboarding/control"/>
-  </ds:schemaRefs>
-</ds:datastoreItem>
-</file>
-
-<file path=customXml/itemProps21.xml><?xml version="1.0" encoding="utf-8"?>
-<ds:datastoreItem xmlns:ds="http://schemas.openxmlformats.org/officeDocument/2006/customXml" ds:itemID="{38217AA1-CC95-49A9-B284-2ED4D347D7CA}">
-  <ds:schemaRefs>
-    <ds:schemaRef ds:uri="http://schemas.microsoft.com/VisualStudio/2011/storyboarding/control"/>
-  </ds:schemaRefs>
-</ds:datastoreItem>
-</file>
-
-<file path=customXml/itemProps22.xml><?xml version="1.0" encoding="utf-8"?>
-<ds:datastoreItem xmlns:ds="http://schemas.openxmlformats.org/officeDocument/2006/customXml" ds:itemID="{0B54C583-7BAB-4080-8093-C5F84F5A225A}">
-  <ds:schemaRefs>
-    <ds:schemaRef ds:uri="http://schemas.microsoft.com/VisualStudio/2011/storyboarding/control"/>
-  </ds:schemaRefs>
-</ds:datastoreItem>
-</file>
-
-<file path=customXml/itemProps23.xml><?xml version="1.0" encoding="utf-8"?>
-<ds:datastoreItem xmlns:ds="http://schemas.openxmlformats.org/officeDocument/2006/customXml" ds:itemID="{8257D6BC-B71E-4D95-81E4-A1D4A8174168}">
-  <ds:schemaRefs>
-    <ds:schemaRef ds:uri="http://schemas.microsoft.com/VisualStudio/2011/storyboarding/control"/>
-  </ds:schemaRefs>
-</ds:datastoreItem>
-</file>
-
-<file path=customXml/itemProps24.xml><?xml version="1.0" encoding="utf-8"?>
-<ds:datastoreItem xmlns:ds="http://schemas.openxmlformats.org/officeDocument/2006/customXml" ds:itemID="{4E805D65-1532-4BB0-8F41-8013167C0009}">
-  <ds:schemaRefs>
-    <ds:schemaRef ds:uri="http://schemas.microsoft.com/VisualStudio/2011/storyboarding/control"/>
-  </ds:schemaRefs>
-</ds:datastoreItem>
-</file>
-
-<file path=customXml/itemProps25.xml><?xml version="1.0" encoding="utf-8"?>
-<ds:datastoreItem xmlns:ds="http://schemas.openxmlformats.org/officeDocument/2006/customXml" ds:itemID="{432851C6-BC05-4673-B853-6D08AB80CDC4}">
-  <ds:schemaRefs>
-    <ds:schemaRef ds:uri="http://schemas.microsoft.com/VisualStudio/2011/storyboarding/control"/>
-  </ds:schemaRefs>
-</ds:datastoreItem>
-</file>
-
-<file path=customXml/itemProps26.xml><?xml version="1.0" encoding="utf-8"?>
-<ds:datastoreItem xmlns:ds="http://schemas.openxmlformats.org/officeDocument/2006/customXml" ds:itemID="{C0F92A87-A216-45A9-B9C0-0515663D35BF}">
-  <ds:schemaRefs>
-    <ds:schemaRef ds:uri="http://schemas.microsoft.com/VisualStudio/2011/storyboarding/control"/>
-  </ds:schemaRefs>
-</ds:datastoreItem>
-</file>
-
-<file path=customXml/itemProps27.xml><?xml version="1.0" encoding="utf-8"?>
-<ds:datastoreItem xmlns:ds="http://schemas.openxmlformats.org/officeDocument/2006/customXml" ds:itemID="{ED350DFE-2319-4AB0-BC96-1D36D125365A}">
-  <ds:schemaRefs>
-    <ds:schemaRef ds:uri="http://schemas.microsoft.com/VisualStudio/2011/storyboarding/control"/>
-  </ds:schemaRefs>
-</ds:datastoreItem>
-</file>
-
-<file path=customXml/itemProps28.xml><?xml version="1.0" encoding="utf-8"?>
 <ds:datastoreItem xmlns:ds="http://schemas.openxmlformats.org/officeDocument/2006/customXml" ds:itemID="{11F98F69-7518-4AE2-AE7B-E037DC9DDC97}">
   <ds:schemaRefs>
     <ds:schemaRef ds:uri="http://schemas.microsoft.com/office/2006/metadata/contentType"/>
@@ -46005,8 +45852,144 @@
 </ds:datastoreItem>
 </file>
 
+<file path=customXml/itemProps14.xml><?xml version="1.0" encoding="utf-8"?>
+<ds:datastoreItem xmlns:ds="http://schemas.openxmlformats.org/officeDocument/2006/customXml" ds:itemID="{0282FB20-2D4C-459D-8468-77D1D3C6925D}">
+  <ds:schemaRefs>
+    <ds:schemaRef ds:uri="http://schemas.microsoft.com/VisualStudio/2011/storyboarding/control"/>
+  </ds:schemaRefs>
+</ds:datastoreItem>
+</file>
+
+<file path=customXml/itemProps15.xml><?xml version="1.0" encoding="utf-8"?>
+<ds:datastoreItem xmlns:ds="http://schemas.openxmlformats.org/officeDocument/2006/customXml" ds:itemID="{376216F9-AF6B-4844-AE8C-B9F953F916AB}">
+  <ds:schemaRefs>
+    <ds:schemaRef ds:uri="http://schemas.microsoft.com/VisualStudio/2011/storyboarding/control"/>
+  </ds:schemaRefs>
+</ds:datastoreItem>
+</file>
+
+<file path=customXml/itemProps16.xml><?xml version="1.0" encoding="utf-8"?>
+<ds:datastoreItem xmlns:ds="http://schemas.openxmlformats.org/officeDocument/2006/customXml" ds:itemID="{21F6B647-976A-41D0-B760-9DF9DFC6AE3C}">
+  <ds:schemaRefs>
+    <ds:schemaRef ds:uri="http://schemas.microsoft.com/VisualStudio/2011/storyboarding/control"/>
+  </ds:schemaRefs>
+</ds:datastoreItem>
+</file>
+
+<file path=customXml/itemProps17.xml><?xml version="1.0" encoding="utf-8"?>
+<ds:datastoreItem xmlns:ds="http://schemas.openxmlformats.org/officeDocument/2006/customXml" ds:itemID="{7959CC6A-F423-4783-B968-3BCC86A7394E}">
+  <ds:schemaRefs>
+    <ds:schemaRef ds:uri="http://schemas.microsoft.com/VisualStudio/2011/storyboarding/control"/>
+  </ds:schemaRefs>
+</ds:datastoreItem>
+</file>
+
+<file path=customXml/itemProps18.xml><?xml version="1.0" encoding="utf-8"?>
+<ds:datastoreItem xmlns:ds="http://schemas.openxmlformats.org/officeDocument/2006/customXml" ds:itemID="{F990F116-B58F-4255-B05B-DA3808E0E5C6}">
+  <ds:schemaRefs>
+    <ds:schemaRef ds:uri="83cd2334-221a-48c3-9034-bfd1542dfe28"/>
+    <ds:schemaRef ds:uri="http://purl.org/dc/elements/1.1/"/>
+    <ds:schemaRef ds:uri="http://schemas.microsoft.com/office/2006/metadata/properties"/>
+    <ds:schemaRef ds:uri="http://schemas.microsoft.com/office/2006/documentManagement/types"/>
+    <ds:schemaRef ds:uri="http://purl.org/dc/terms/"/>
+    <ds:schemaRef ds:uri="http://schemas.openxmlformats.org/package/2006/metadata/core-properties"/>
+    <ds:schemaRef ds:uri="http://purl.org/dc/dcmitype/"/>
+    <ds:schemaRef ds:uri="http://schemas.microsoft.com/office/infopath/2007/PartnerControls"/>
+    <ds:schemaRef ds:uri="http://www.w3.org/XML/1998/namespace"/>
+  </ds:schemaRefs>
+</ds:datastoreItem>
+</file>
+
+<file path=customXml/itemProps19.xml><?xml version="1.0" encoding="utf-8"?>
+<ds:datastoreItem xmlns:ds="http://schemas.openxmlformats.org/officeDocument/2006/customXml" ds:itemID="{67213E6F-7B96-4222-888B-63710B06D885}">
+  <ds:schemaRefs>
+    <ds:schemaRef ds:uri="http://schemas.microsoft.com/VisualStudio/2011/storyboarding/control"/>
+  </ds:schemaRefs>
+</ds:datastoreItem>
+</file>
+
+<file path=customXml/itemProps2.xml><?xml version="1.0" encoding="utf-8"?>
+<ds:datastoreItem xmlns:ds="http://schemas.openxmlformats.org/officeDocument/2006/customXml" ds:itemID="{6FB9D450-4C47-4A44-8C0D-C78D8A54C46F}">
+  <ds:schemaRefs>
+    <ds:schemaRef ds:uri="http://schemas.microsoft.com/VisualStudio/2011/storyboarding/control"/>
+  </ds:schemaRefs>
+</ds:datastoreItem>
+</file>
+
+<file path=customXml/itemProps20.xml><?xml version="1.0" encoding="utf-8"?>
+<ds:datastoreItem xmlns:ds="http://schemas.openxmlformats.org/officeDocument/2006/customXml" ds:itemID="{0B54C583-7BAB-4080-8093-C5F84F5A225A}">
+  <ds:schemaRefs>
+    <ds:schemaRef ds:uri="http://schemas.microsoft.com/VisualStudio/2011/storyboarding/control"/>
+  </ds:schemaRefs>
+</ds:datastoreItem>
+</file>
+
+<file path=customXml/itemProps21.xml><?xml version="1.0" encoding="utf-8"?>
+<ds:datastoreItem xmlns:ds="http://schemas.openxmlformats.org/officeDocument/2006/customXml" ds:itemID="{ED350DFE-2319-4AB0-BC96-1D36D125365A}">
+  <ds:schemaRefs>
+    <ds:schemaRef ds:uri="http://schemas.microsoft.com/VisualStudio/2011/storyboarding/control"/>
+  </ds:schemaRefs>
+</ds:datastoreItem>
+</file>
+
+<file path=customXml/itemProps22.xml><?xml version="1.0" encoding="utf-8"?>
+<ds:datastoreItem xmlns:ds="http://schemas.openxmlformats.org/officeDocument/2006/customXml" ds:itemID="{3C954CC5-1CAC-4EC3-9791-8630483065B9}">
+  <ds:schemaRefs>
+    <ds:schemaRef ds:uri="http://schemas.microsoft.com/VisualStudio/2011/storyboarding/control"/>
+  </ds:schemaRefs>
+</ds:datastoreItem>
+</file>
+
+<file path=customXml/itemProps23.xml><?xml version="1.0" encoding="utf-8"?>
+<ds:datastoreItem xmlns:ds="http://schemas.openxmlformats.org/officeDocument/2006/customXml" ds:itemID="{C63AC2F0-1DEB-4E91-A88A-7A014A172F4F}">
+  <ds:schemaRefs>
+    <ds:schemaRef ds:uri="http://schemas.microsoft.com/VisualStudio/2011/storyboarding/control"/>
+  </ds:schemaRefs>
+</ds:datastoreItem>
+</file>
+
+<file path=customXml/itemProps24.xml><?xml version="1.0" encoding="utf-8"?>
+<ds:datastoreItem xmlns:ds="http://schemas.openxmlformats.org/officeDocument/2006/customXml" ds:itemID="{758FDAC0-319D-4A54-8D8E-1D42CB1F8004}">
+  <ds:schemaRefs>
+    <ds:schemaRef ds:uri="http://schemas.microsoft.com/sharepoint/v3/contenttype/forms"/>
+  </ds:schemaRefs>
+</ds:datastoreItem>
+</file>
+
+<file path=customXml/itemProps25.xml><?xml version="1.0" encoding="utf-8"?>
+<ds:datastoreItem xmlns:ds="http://schemas.openxmlformats.org/officeDocument/2006/customXml" ds:itemID="{8893E80D-6D0C-4E0F-AA22-E5615BB87E5B}">
+  <ds:schemaRefs>
+    <ds:schemaRef ds:uri="http://schemas.microsoft.com/VisualStudio/2011/storyboarding/control"/>
+  </ds:schemaRefs>
+</ds:datastoreItem>
+</file>
+
+<file path=customXml/itemProps26.xml><?xml version="1.0" encoding="utf-8"?>
+<ds:datastoreItem xmlns:ds="http://schemas.openxmlformats.org/officeDocument/2006/customXml" ds:itemID="{F68D8396-E21C-4AFF-8FDD-70D00673D0EE}">
+  <ds:schemaRefs>
+    <ds:schemaRef ds:uri="http://schemas.microsoft.com/VisualStudio/2011/storyboarding/control"/>
+  </ds:schemaRefs>
+</ds:datastoreItem>
+</file>
+
+<file path=customXml/itemProps27.xml><?xml version="1.0" encoding="utf-8"?>
+<ds:datastoreItem xmlns:ds="http://schemas.openxmlformats.org/officeDocument/2006/customXml" ds:itemID="{C0F92A87-A216-45A9-B9C0-0515663D35BF}">
+  <ds:schemaRefs>
+    <ds:schemaRef ds:uri="http://schemas.microsoft.com/VisualStudio/2011/storyboarding/control"/>
+  </ds:schemaRefs>
+</ds:datastoreItem>
+</file>
+
+<file path=customXml/itemProps28.xml><?xml version="1.0" encoding="utf-8"?>
+<ds:datastoreItem xmlns:ds="http://schemas.openxmlformats.org/officeDocument/2006/customXml" ds:itemID="{38217AA1-CC95-49A9-B284-2ED4D347D7CA}">
+  <ds:schemaRefs>
+    <ds:schemaRef ds:uri="http://schemas.microsoft.com/VisualStudio/2011/storyboarding/control"/>
+  </ds:schemaRefs>
+</ds:datastoreItem>
+</file>
+
 <file path=customXml/itemProps29.xml><?xml version="1.0" encoding="utf-8"?>
-<ds:datastoreItem xmlns:ds="http://schemas.openxmlformats.org/officeDocument/2006/customXml" ds:itemID="{42D603BF-B513-4201-A599-21BA0F4FFC40}">
+<ds:datastoreItem xmlns:ds="http://schemas.openxmlformats.org/officeDocument/2006/customXml" ds:itemID="{4C1B3C27-4803-4D72-A3F8-6668A3F0A24B}">
   <ds:schemaRefs>
     <ds:schemaRef ds:uri="http://schemas.microsoft.com/VisualStudio/2011/storyboarding/control"/>
   </ds:schemaRefs>
@@ -46014,15 +45997,15 @@
 </file>
 
 <file path=customXml/itemProps3.xml><?xml version="1.0" encoding="utf-8"?>
-<ds:datastoreItem xmlns:ds="http://schemas.openxmlformats.org/officeDocument/2006/customXml" ds:itemID="{758FDAC0-319D-4A54-8D8E-1D42CB1F8004}">
+<ds:datastoreItem xmlns:ds="http://schemas.openxmlformats.org/officeDocument/2006/customXml" ds:itemID="{08C4EE12-DF69-4FFC-9E40-C7991F3490A6}">
   <ds:schemaRefs>
-    <ds:schemaRef ds:uri="http://schemas.microsoft.com/sharepoint/v3/contenttype/forms"/>
+    <ds:schemaRef ds:uri="http://schemas.microsoft.com/VisualStudio/2011/storyboarding/control"/>
   </ds:schemaRefs>
 </ds:datastoreItem>
 </file>
 
 <file path=customXml/itemProps30.xml><?xml version="1.0" encoding="utf-8"?>
-<ds:datastoreItem xmlns:ds="http://schemas.openxmlformats.org/officeDocument/2006/customXml" ds:itemID="{3C954CC5-1CAC-4EC3-9791-8630483065B9}">
+<ds:datastoreItem xmlns:ds="http://schemas.openxmlformats.org/officeDocument/2006/customXml" ds:itemID="{D4B5F268-5930-44CD-BDF1-D0A04D4BBC1C}">
   <ds:schemaRefs>
     <ds:schemaRef ds:uri="http://schemas.microsoft.com/VisualStudio/2011/storyboarding/control"/>
   </ds:schemaRefs>
@@ -46030,7 +46013,7 @@
 </file>
 
 <file path=customXml/itemProps31.xml><?xml version="1.0" encoding="utf-8"?>
-<ds:datastoreItem xmlns:ds="http://schemas.openxmlformats.org/officeDocument/2006/customXml" ds:itemID="{21F6B647-976A-41D0-B760-9DF9DFC6AE3C}">
+<ds:datastoreItem xmlns:ds="http://schemas.openxmlformats.org/officeDocument/2006/customXml" ds:itemID="{82DB428A-B8F8-483F-8276-095629A8ECDB}">
   <ds:schemaRefs>
     <ds:schemaRef ds:uri="http://schemas.microsoft.com/VisualStudio/2011/storyboarding/control"/>
   </ds:schemaRefs>
@@ -46038,7 +46021,7 @@
 </file>
 
 <file path=customXml/itemProps32.xml><?xml version="1.0" encoding="utf-8"?>
-<ds:datastoreItem xmlns:ds="http://schemas.openxmlformats.org/officeDocument/2006/customXml" ds:itemID="{8BD595CA-AC5E-43B9-B966-E468A16E8322}">
+<ds:datastoreItem xmlns:ds="http://schemas.openxmlformats.org/officeDocument/2006/customXml" ds:itemID="{432851C6-BC05-4673-B853-6D08AB80CDC4}">
   <ds:schemaRefs>
     <ds:schemaRef ds:uri="http://schemas.microsoft.com/VisualStudio/2011/storyboarding/control"/>
   </ds:schemaRefs>
@@ -46054,7 +46037,7 @@
 </file>
 
 <file path=customXml/itemProps4.xml><?xml version="1.0" encoding="utf-8"?>
-<ds:datastoreItem xmlns:ds="http://schemas.openxmlformats.org/officeDocument/2006/customXml" ds:itemID="{7959CC6A-F423-4783-B968-3BCC86A7394E}">
+<ds:datastoreItem xmlns:ds="http://schemas.openxmlformats.org/officeDocument/2006/customXml" ds:itemID="{42D603BF-B513-4201-A599-21BA0F4FFC40}">
   <ds:schemaRefs>
     <ds:schemaRef ds:uri="http://schemas.microsoft.com/VisualStudio/2011/storyboarding/control"/>
   </ds:schemaRefs>
@@ -46062,7 +46045,7 @@
 </file>
 
 <file path=customXml/itemProps5.xml><?xml version="1.0" encoding="utf-8"?>
-<ds:datastoreItem xmlns:ds="http://schemas.openxmlformats.org/officeDocument/2006/customXml" ds:itemID="{4B16F4FE-7C26-4443-B426-81998D23ED87}">
+<ds:datastoreItem xmlns:ds="http://schemas.openxmlformats.org/officeDocument/2006/customXml" ds:itemID="{366CA990-F93D-4100-9654-65D9E30F4E1C}">
   <ds:schemaRefs>
     <ds:schemaRef ds:uri="http://schemas.microsoft.com/VisualStudio/2011/storyboarding/control"/>
   </ds:schemaRefs>
@@ -46078,7 +46061,7 @@
 </file>
 
 <file path=customXml/itemProps7.xml><?xml version="1.0" encoding="utf-8"?>
-<ds:datastoreItem xmlns:ds="http://schemas.openxmlformats.org/officeDocument/2006/customXml" ds:itemID="{4C1B3C27-4803-4D72-A3F8-6668A3F0A24B}">
+<ds:datastoreItem xmlns:ds="http://schemas.openxmlformats.org/officeDocument/2006/customXml" ds:itemID="{B5105A87-47B6-44F6-97FD-4619C0556604}">
   <ds:schemaRefs>
     <ds:schemaRef ds:uri="http://schemas.microsoft.com/VisualStudio/2011/storyboarding/control"/>
   </ds:schemaRefs>
@@ -46086,7 +46069,7 @@
 </file>
 
 <file path=customXml/itemProps8.xml><?xml version="1.0" encoding="utf-8"?>
-<ds:datastoreItem xmlns:ds="http://schemas.openxmlformats.org/officeDocument/2006/customXml" ds:itemID="{C63AC2F0-1DEB-4E91-A88A-7A014A172F4F}">
+<ds:datastoreItem xmlns:ds="http://schemas.openxmlformats.org/officeDocument/2006/customXml" ds:itemID="{4E805D65-1532-4BB0-8F41-8013167C0009}">
   <ds:schemaRefs>
     <ds:schemaRef ds:uri="http://schemas.microsoft.com/VisualStudio/2011/storyboarding/control"/>
   </ds:schemaRefs>
@@ -46094,17 +46077,9 @@
 </file>
 
 <file path=customXml/itemProps9.xml><?xml version="1.0" encoding="utf-8"?>
-<ds:datastoreItem xmlns:ds="http://schemas.openxmlformats.org/officeDocument/2006/customXml" ds:itemID="{F990F116-B58F-4255-B05B-DA3808E0E5C6}">
+<ds:datastoreItem xmlns:ds="http://schemas.openxmlformats.org/officeDocument/2006/customXml" ds:itemID="{8BD595CA-AC5E-43B9-B966-E468A16E8322}">
   <ds:schemaRefs>
-    <ds:schemaRef ds:uri="83cd2334-221a-48c3-9034-bfd1542dfe28"/>
-    <ds:schemaRef ds:uri="http://purl.org/dc/elements/1.1/"/>
-    <ds:schemaRef ds:uri="http://schemas.microsoft.com/office/2006/metadata/properties"/>
-    <ds:schemaRef ds:uri="http://schemas.microsoft.com/office/2006/documentManagement/types"/>
-    <ds:schemaRef ds:uri="http://purl.org/dc/terms/"/>
-    <ds:schemaRef ds:uri="http://schemas.openxmlformats.org/package/2006/metadata/core-properties"/>
-    <ds:schemaRef ds:uri="http://purl.org/dc/dcmitype/"/>
-    <ds:schemaRef ds:uri="http://schemas.microsoft.com/office/infopath/2007/PartnerControls"/>
-    <ds:schemaRef ds:uri="http://www.w3.org/XML/1998/namespace"/>
+    <ds:schemaRef ds:uri="http://schemas.microsoft.com/VisualStudio/2011/storyboarding/control"/>
   </ds:schemaRefs>
 </ds:datastoreItem>
 </file>
--- a/Slides/8 - Backchannel.pptx
+++ b/Slides/8 - Backchannel.pptx
@@ -281,7 +281,7 @@
               <a:rPr lang="en-US" smtClean="0">
                 <a:latin typeface="Segoe UI" pitchFamily="34" charset="0"/>
               </a:rPr>
-              <a:t>6/25/2017 4:51 PM</a:t>
+              <a:t>7/11/2017 12:38 PM</a:t>
             </a:fld>
             <a:endParaRPr lang="en-US" dirty="0">
               <a:latin typeface="Segoe UI" pitchFamily="34" charset="0"/>
@@ -559,7 +559,7 @@
           <a:p>
             <a:fld id="{38EEC551-8CDA-4EB6-89BB-2A86C9F091C8}" type="datetime8">
               <a:rPr lang="en-US" smtClean="0"/>
-              <a:t>6/25/2017 4:51 PM</a:t>
+              <a:t>7/11/2017 12:38 PM</a:t>
             </a:fld>
             <a:endParaRPr lang="en-US" dirty="0"/>
           </a:p>
@@ -39248,8 +39248,8 @@
           </a:p>
         </p:txBody>
       </p:sp>
-      <mc:AlternateContent xmlns:mc="http://schemas.openxmlformats.org/markup-compatibility/2006">
-        <mc:Choice xmlns:we="http://schemas.microsoft.com/office/webextensions/webextension/2010/11" xmlns:pca="http://schemas.microsoft.com/office/powerpoint/2013/contentapp" Requires="we pca">
+      <mc:AlternateContent xmlns:mc="http://schemas.openxmlformats.org/markup-compatibility/2006" xmlns:we="http://schemas.microsoft.com/office/webextensions/webextension/2010/11" xmlns:pca="http://schemas.microsoft.com/office/powerpoint/2013/contentapp">
+        <mc:Choice Requires="we pca">
           <p:graphicFrame>
             <p:nvGraphicFramePr>
               <p:cNvPr id="4" name="Add-in 3" title="Code Presenter Pro"/>
@@ -39275,7 +39275,7 @@
             </a:graphic>
           </p:graphicFrame>
         </mc:Choice>
-        <mc:Fallback>
+        <mc:Fallback xmlns="">
           <p:pic>
             <p:nvPicPr>
               <p:cNvPr id="4" name="Add-in 3" title="Code Presenter Pro"/>
@@ -39382,7 +39382,7 @@
         <p:spPr>
           <a:xfrm>
             <a:off x="365760" y="1371600"/>
-            <a:ext cx="11704320" cy="4776692"/>
+            <a:ext cx="11704320" cy="4422749"/>
           </a:xfrm>
         </p:spPr>
         <p:txBody>
@@ -39448,24 +39448,16 @@
           <a:p>
             <a:pPr lvl="1"/>
             <a:r>
-              <a:rPr lang="en-US" dirty="0" err="1"/>
-              <a:t>geektrainer</a:t>
+              <a:rPr lang="en-US" dirty="0"/>
+              <a:t>@</a:t>
             </a:r>
             <a:r>
-              <a:rPr lang="en-US"/>
-              <a:t> (Node.js)</a:t>
-            </a:r>
-            <a:endParaRPr lang="en-US" dirty="0"/>
-          </a:p>
-          <a:p>
-            <a:pPr lvl="1"/>
-            <a:r>
               <a:rPr lang="en-US" dirty="0" err="1"/>
-              <a:t>Iamchrismayo</a:t>
+              <a:t>botframework</a:t>
             </a:r>
             <a:r>
               <a:rPr lang="en-US" dirty="0"/>
-              <a:t> (C#)</a:t>
+              <a:t> (Official)</a:t>
             </a:r>
           </a:p>
         </p:txBody>
@@ -40033,49 +40025,6 @@
                                           <p:spTgt spid="3">
                                             <p:txEl>
                                               <p:pRg st="9" end="9"/>
-                                            </p:txEl>
-                                          </p:spTgt>
-                                        </p:tgtEl>
-                                      </p:cBhvr>
-                                    </p:animEffect>
-                                  </p:childTnLst>
-                                </p:cTn>
-                              </p:par>
-                              <p:par>
-                                <p:cTn id="47" presetID="10" presetClass="entr" presetSubtype="0" fill="hold" grpId="0" nodeType="withEffect">
-                                  <p:stCondLst>
-                                    <p:cond delay="0"/>
-                                  </p:stCondLst>
-                                  <p:childTnLst>
-                                    <p:set>
-                                      <p:cBhvr>
-                                        <p:cTn id="48" dur="1" fill="hold">
-                                          <p:stCondLst>
-                                            <p:cond delay="0"/>
-                                          </p:stCondLst>
-                                        </p:cTn>
-                                        <p:tgtEl>
-                                          <p:spTgt spid="3">
-                                            <p:txEl>
-                                              <p:pRg st="10" end="10"/>
-                                            </p:txEl>
-                                          </p:spTgt>
-                                        </p:tgtEl>
-                                        <p:attrNameLst>
-                                          <p:attrName>style.visibility</p:attrName>
-                                        </p:attrNameLst>
-                                      </p:cBhvr>
-                                      <p:to>
-                                        <p:strVal val="visible"/>
-                                      </p:to>
-                                    </p:set>
-                                    <p:animEffect transition="in" filter="fade">
-                                      <p:cBhvr>
-                                        <p:cTn id="49" dur="500"/>
-                                        <p:tgtEl>
-                                          <p:spTgt spid="3">
-                                            <p:txEl>
-                                              <p:pRg st="10" end="10"/>
                                             </p:txEl>
                                           </p:spTgt>
                                         </p:tgtEl>
@@ -45443,29 +45392,176 @@
 
 <file path=customXml/item1.xml><?xml version="1.0" encoding="utf-8"?>
 <Control xmlns="http://schemas.microsoft.com/VisualStudio/2011/storyboarding/control">
-  <Id Name="369f9055-6b6c-48b9-9320-5df2d46c430a" Revision="1" Stencil="7276b9ef-3953-4dce-a89b-ed85f20b8b93" StencilVersion="1.0"/>
+  <Id Name="a53d73d2-368b-429e-b817-1324eec1382c" Revision="1" Stencil="7276b9ef-3953-4dce-a89b-ed85f20b8b93" StencilVersion="1.0"/>
 </Control>
 </file>
 
 <file path=customXml/item10.xml><?xml version="1.0" encoding="utf-8"?>
 <Control xmlns="http://schemas.microsoft.com/VisualStudio/2011/storyboarding/control">
-  <Id Name="a2191c86-fc50-4add-948c-129f6b5a88d8" Revision="1" Stencil="7276b9ef-3953-4dce-a89b-ed85f20b8b93" StencilVersion="1.0"/>
+  <Id Name="369f9055-6b6c-48b9-9320-5df2d46c430a" Revision="1" Stencil="7276b9ef-3953-4dce-a89b-ed85f20b8b93" StencilVersion="1.0"/>
 </Control>
 </file>
 
 <file path=customXml/item11.xml><?xml version="1.0" encoding="utf-8"?>
 <Control xmlns="http://schemas.microsoft.com/VisualStudio/2011/storyboarding/control">
-  <Id Name="fb22c541-ded0-47fa-8877-83a4c2d16227" Revision="1" Stencil="7276b9ef-3953-4dce-a89b-ed85f20b8b93" StencilVersion="1.0"/>
+  <Id Name="d69996e1-3d61-4686-9b63-f1b855c596ab" Revision="1" Stencil="7276b9ef-3953-4dce-a89b-ed85f20b8b93" StencilVersion="1.0"/>
 </Control>
 </file>
 
 <file path=customXml/item12.xml><?xml version="1.0" encoding="utf-8"?>
 <Control xmlns="http://schemas.microsoft.com/VisualStudio/2011/storyboarding/control">
+  <Id Name="a53d73d2-368b-429e-b817-1324eec1382c" Revision="1" Stencil="7276b9ef-3953-4dce-a89b-ed85f20b8b93" StencilVersion="1.0"/>
+</Control>
+</file>
+
+<file path=customXml/item13.xml><?xml version="1.0" encoding="utf-8"?>
+<Control xmlns="http://schemas.microsoft.com/VisualStudio/2011/storyboarding/control">
+  <Id Name="a53d73d2-368b-429e-b817-1324eec1382c" Revision="1" Stencil="7276b9ef-3953-4dce-a89b-ed85f20b8b93" StencilVersion="1.0"/>
+</Control>
+</file>
+
+<file path=customXml/item14.xml><?xml version="1.0" encoding="utf-8"?>
+<Control xmlns="http://schemas.microsoft.com/VisualStudio/2011/storyboarding/control">
+  <Id Name="d69996e1-3d61-4686-9b63-f1b855c596ab" Revision="1" Stencil="7276b9ef-3953-4dce-a89b-ed85f20b8b93" StencilVersion="1.0"/>
+</Control>
+</file>
+
+<file path=customXml/item15.xml><?xml version="1.0" encoding="utf-8"?>
+<Control xmlns="http://schemas.microsoft.com/VisualStudio/2011/storyboarding/control">
+  <Id Name="d69996e1-3d61-4686-9b63-f1b855c596ab" Revision="1" Stencil="7276b9ef-3953-4dce-a89b-ed85f20b8b93" StencilVersion="1.0"/>
+</Control>
+</file>
+
+<file path=customXml/item16.xml><?xml version="1.0" encoding="utf-8"?>
+<Control xmlns="http://schemas.microsoft.com/VisualStudio/2011/storyboarding/control">
+  <Id Name="369f9055-6b6c-48b9-9320-5df2d46c430a" Revision="1" Stencil="7276b9ef-3953-4dce-a89b-ed85f20b8b93" StencilVersion="1.0"/>
+</Control>
+</file>
+
+<file path=customXml/item17.xml><?xml version="1.0" encoding="utf-8"?>
+<Control xmlns="http://schemas.microsoft.com/VisualStudio/2011/storyboarding/control">
+  <Id Name="fb22c541-ded0-47fa-8877-83a4c2d16227" Revision="1" Stencil="7276b9ef-3953-4dce-a89b-ed85f20b8b93" StencilVersion="1.0"/>
+</Control>
+</file>
+
+<file path=customXml/item18.xml><?xml version="1.0" encoding="utf-8"?>
+<Control xmlns="http://schemas.microsoft.com/VisualStudio/2011/storyboarding/control">
+  <Id Name="fb22c541-ded0-47fa-8877-83a4c2d16227" Revision="1" Stencil="7276b9ef-3953-4dce-a89b-ed85f20b8b93" StencilVersion="1.0"/>
+</Control>
+</file>
+
+<file path=customXml/item19.xml><?xml version="1.0" encoding="utf-8"?>
+<Control xmlns="http://schemas.microsoft.com/VisualStudio/2011/storyboarding/control">
   <Id Name="a2191c86-fc50-4add-948c-129f6b5a88d8" Revision="1" Stencil="7276b9ef-3953-4dce-a89b-ed85f20b8b93" StencilVersion="1.0"/>
 </Control>
 </file>
 
-<file path=customXml/item13.xml><?xml version="1.0" encoding="utf-8"?>
+<file path=customXml/item2.xml><?xml version="1.0" encoding="utf-8"?>
+<Control xmlns="http://schemas.microsoft.com/VisualStudio/2011/storyboarding/control">
+  <Id Name="369f9055-6b6c-48b9-9320-5df2d46c430a" Revision="1" Stencil="7276b9ef-3953-4dce-a89b-ed85f20b8b93" StencilVersion="1.0"/>
+</Control>
+</file>
+
+<file path=customXml/item20.xml><?xml version="1.0" encoding="utf-8"?>
+<Control xmlns="http://schemas.microsoft.com/VisualStudio/2011/storyboarding/control">
+  <Id Name="a2191c86-fc50-4add-948c-129f6b5a88d8" Revision="1" Stencil="7276b9ef-3953-4dce-a89b-ed85f20b8b93" StencilVersion="1.0"/>
+</Control>
+</file>
+
+<file path=customXml/item21.xml><?xml version="1.0" encoding="utf-8"?>
+<Control xmlns="http://schemas.microsoft.com/VisualStudio/2011/storyboarding/control">
+  <Id Name="a53d73d2-368b-429e-b817-1324eec1382c" Revision="1" Stencil="7276b9ef-3953-4dce-a89b-ed85f20b8b93" StencilVersion="1.0"/>
+</Control>
+</file>
+
+<file path=customXml/item22.xml><?xml version="1.0" encoding="utf-8"?>
+<Control xmlns="http://schemas.microsoft.com/VisualStudio/2011/storyboarding/control">
+  <Id Name="a2191c86-fc50-4add-948c-129f6b5a88d8" Revision="1" Stencil="7276b9ef-3953-4dce-a89b-ed85f20b8b93" StencilVersion="1.0"/>
+</Control>
+</file>
+
+<file path=customXml/item23.xml><?xml version="1.0" encoding="utf-8"?>
+<?mso-contentType ?>
+<FormTemplates xmlns="http://schemas.microsoft.com/sharepoint/v3/contenttype/forms">
+  <Display>DocumentLibraryForm</Display>
+  <Edit>DocumentLibraryForm</Edit>
+  <New>DocumentLibraryForm</New>
+</FormTemplates>
+</file>
+
+<file path=customXml/item24.xml><?xml version="1.0" encoding="utf-8"?>
+<Control xmlns="http://schemas.microsoft.com/VisualStudio/2011/storyboarding/control">
+  <Id Name="a2191c86-fc50-4add-948c-129f6b5a88d8" Revision="1" Stencil="7276b9ef-3953-4dce-a89b-ed85f20b8b93" StencilVersion="1.0"/>
+</Control>
+</file>
+
+<file path=customXml/item25.xml><?xml version="1.0" encoding="utf-8"?>
+<Control xmlns="http://schemas.microsoft.com/VisualStudio/2011/storyboarding/control">
+  <Id Name="369f9055-6b6c-48b9-9320-5df2d46c430a" Revision="1" Stencil="7276b9ef-3953-4dce-a89b-ed85f20b8b93" StencilVersion="1.0"/>
+</Control>
+</file>
+
+<file path=customXml/item26.xml><?xml version="1.0" encoding="utf-8"?>
+<Control xmlns="http://schemas.microsoft.com/VisualStudio/2011/storyboarding/control">
+  <Id Name="a2191c86-fc50-4add-948c-129f6b5a88d8" Revision="1" Stencil="7276b9ef-3953-4dce-a89b-ed85f20b8b93" StencilVersion="1.0"/>
+</Control>
+</file>
+
+<file path=customXml/item27.xml><?xml version="1.0" encoding="utf-8"?>
+<p:properties xmlns:p="http://schemas.microsoft.com/office/2006/metadata/properties" xmlns:xsi="http://www.w3.org/2001/XMLSchema-instance" xmlns:pc="http://schemas.microsoft.com/office/infopath/2007/PartnerControls">
+  <documentManagement>
+    <SharedWithUsers xmlns="83cd2334-221a-48c3-9034-bfd1542dfe28">
+      <UserInfo>
+        <DisplayName>Gilad Turbahn</DisplayName>
+        <AccountId>511</AccountId>
+        <AccountType/>
+      </UserInfo>
+      <UserInfo>
+        <DisplayName>Keith Boyd</DisplayName>
+        <AccountId>993</AccountId>
+        <AccountType/>
+      </UserInfo>
+      <UserInfo>
+        <DisplayName>Christopher Harrison</DisplayName>
+        <AccountId>1176</AccountId>
+        <AccountType/>
+      </UserInfo>
+    </SharedWithUsers>
+  </documentManagement>
+</p:properties>
+</file>
+
+<file path=customXml/item28.xml><?xml version="1.0" encoding="utf-8"?>
+<Control xmlns="http://schemas.microsoft.com/VisualStudio/2011/storyboarding/control">
+  <Id Name="d69996e1-3d61-4686-9b63-f1b855c596ab" Revision="1" Stencil="7276b9ef-3953-4dce-a89b-ed85f20b8b93" StencilVersion="1.0"/>
+</Control>
+</file>
+
+<file path=customXml/item29.xml><?xml version="1.0" encoding="utf-8"?>
+<Control xmlns="http://schemas.microsoft.com/VisualStudio/2011/storyboarding/control">
+  <Id Name="fb22c541-ded0-47fa-8877-83a4c2d16227" Revision="1" Stencil="7276b9ef-3953-4dce-a89b-ed85f20b8b93" StencilVersion="1.0"/>
+</Control>
+</file>
+
+<file path=customXml/item3.xml><?xml version="1.0" encoding="utf-8"?>
+<Control xmlns="http://schemas.microsoft.com/VisualStudio/2011/storyboarding/control">
+  <Id Name="a2191c86-fc50-4add-948c-129f6b5a88d8" Revision="1" Stencil="7276b9ef-3953-4dce-a89b-ed85f20b8b93" StencilVersion="1.0"/>
+</Control>
+</file>
+
+<file path=customXml/item30.xml><?xml version="1.0" encoding="utf-8"?>
+<Control xmlns="http://schemas.microsoft.com/VisualStudio/2011/storyboarding/control">
+  <Id Name="d69996e1-3d61-4686-9b63-f1b855c596ab" Revision="1" Stencil="7276b9ef-3953-4dce-a89b-ed85f20b8b93" StencilVersion="1.0"/>
+</Control>
+</file>
+
+<file path=customXml/item31.xml><?xml version="1.0" encoding="utf-8"?>
+<Control xmlns="http://schemas.microsoft.com/VisualStudio/2011/storyboarding/control">
+  <Id Name="369f9055-6b6c-48b9-9320-5df2d46c430a" Revision="1" Stencil="7276b9ef-3953-4dce-a89b-ed85f20b8b93" StencilVersion="1.0"/>
+</Control>
+</file>
+
+<file path=customXml/item32.xml><?xml version="1.0" encoding="utf-8"?>
 <ct:contentTypeSchema xmlns:ct="http://schemas.microsoft.com/office/2006/metadata/contentType" xmlns:ma="http://schemas.microsoft.com/office/2006/metadata/properties/metaAttributes" ct:_="" ma:_="" ma:contentTypeName="Document" ma:contentTypeID="0x010100674EDBEC711BD14FBA6FF5C10FEFEAC7" ma:contentTypeVersion="2" ma:contentTypeDescription="Create a new document." ma:contentTypeScope="" ma:versionID="2439c5e21841780d4f192983b535a097">
   <xsd:schema xmlns:xsd="http://www.w3.org/2001/XMLSchema" xmlns:xs="http://www.w3.org/2001/XMLSchema" xmlns:p="http://schemas.microsoft.com/office/2006/metadata/properties" xmlns:ns2="83cd2334-221a-48c3-9034-bfd1542dfe28" targetNamespace="http://schemas.microsoft.com/office/2006/metadata/properties" ma:root="true" ma:fieldsID="2bca9163d8d0b233c3086236a9289b04" ns2:_="">
     <xsd:import namespace="83cd2334-221a-48c3-9034-bfd1542dfe28"/>
@@ -45613,153 +45709,6 @@
 </ct:contentTypeSchema>
 </file>
 
-<file path=customXml/item14.xml><?xml version="1.0" encoding="utf-8"?>
-<Control xmlns="http://schemas.microsoft.com/VisualStudio/2011/storyboarding/control">
-  <Id Name="d69996e1-3d61-4686-9b63-f1b855c596ab" Revision="1" Stencil="7276b9ef-3953-4dce-a89b-ed85f20b8b93" StencilVersion="1.0"/>
-</Control>
-</file>
-
-<file path=customXml/item15.xml><?xml version="1.0" encoding="utf-8"?>
-<Control xmlns="http://schemas.microsoft.com/VisualStudio/2011/storyboarding/control">
-  <Id Name="fb22c541-ded0-47fa-8877-83a4c2d16227" Revision="1" Stencil="7276b9ef-3953-4dce-a89b-ed85f20b8b93" StencilVersion="1.0"/>
-</Control>
-</file>
-
-<file path=customXml/item16.xml><?xml version="1.0" encoding="utf-8"?>
-<Control xmlns="http://schemas.microsoft.com/VisualStudio/2011/storyboarding/control">
-  <Id Name="a53d73d2-368b-429e-b817-1324eec1382c" Revision="1" Stencil="7276b9ef-3953-4dce-a89b-ed85f20b8b93" StencilVersion="1.0"/>
-</Control>
-</file>
-
-<file path=customXml/item17.xml><?xml version="1.0" encoding="utf-8"?>
-<Control xmlns="http://schemas.microsoft.com/VisualStudio/2011/storyboarding/control">
-  <Id Name="369f9055-6b6c-48b9-9320-5df2d46c430a" Revision="1" Stencil="7276b9ef-3953-4dce-a89b-ed85f20b8b93" StencilVersion="1.0"/>
-</Control>
-</file>
-
-<file path=customXml/item18.xml><?xml version="1.0" encoding="utf-8"?>
-<p:properties xmlns:p="http://schemas.microsoft.com/office/2006/metadata/properties" xmlns:xsi="http://www.w3.org/2001/XMLSchema-instance" xmlns:pc="http://schemas.microsoft.com/office/infopath/2007/PartnerControls">
-  <documentManagement>
-    <SharedWithUsers xmlns="83cd2334-221a-48c3-9034-bfd1542dfe28">
-      <UserInfo>
-        <DisplayName>Gilad Turbahn</DisplayName>
-        <AccountId>511</AccountId>
-        <AccountType/>
-      </UserInfo>
-      <UserInfo>
-        <DisplayName>Keith Boyd</DisplayName>
-        <AccountId>993</AccountId>
-        <AccountType/>
-      </UserInfo>
-      <UserInfo>
-        <DisplayName>Christopher Harrison</DisplayName>
-        <AccountId>1176</AccountId>
-        <AccountType/>
-      </UserInfo>
-    </SharedWithUsers>
-  </documentManagement>
-</p:properties>
-</file>
-
-<file path=customXml/item19.xml><?xml version="1.0" encoding="utf-8"?>
-<Control xmlns="http://schemas.microsoft.com/VisualStudio/2011/storyboarding/control">
-  <Id Name="d69996e1-3d61-4686-9b63-f1b855c596ab" Revision="1" Stencil="7276b9ef-3953-4dce-a89b-ed85f20b8b93" StencilVersion="1.0"/>
-</Control>
-</file>
-
-<file path=customXml/item2.xml><?xml version="1.0" encoding="utf-8"?>
-<Control xmlns="http://schemas.microsoft.com/VisualStudio/2011/storyboarding/control">
-  <Id Name="a53d73d2-368b-429e-b817-1324eec1382c" Revision="1" Stencil="7276b9ef-3953-4dce-a89b-ed85f20b8b93" StencilVersion="1.0"/>
-</Control>
-</file>
-
-<file path=customXml/item20.xml><?xml version="1.0" encoding="utf-8"?>
-<Control xmlns="http://schemas.microsoft.com/VisualStudio/2011/storyboarding/control">
-  <Id Name="a2191c86-fc50-4add-948c-129f6b5a88d8" Revision="1" Stencil="7276b9ef-3953-4dce-a89b-ed85f20b8b93" StencilVersion="1.0"/>
-</Control>
-</file>
-
-<file path=customXml/item21.xml><?xml version="1.0" encoding="utf-8"?>
-<Control xmlns="http://schemas.microsoft.com/VisualStudio/2011/storyboarding/control">
-  <Id Name="a53d73d2-368b-429e-b817-1324eec1382c" Revision="1" Stencil="7276b9ef-3953-4dce-a89b-ed85f20b8b93" StencilVersion="1.0"/>
-</Control>
-</file>
-
-<file path=customXml/item22.xml><?xml version="1.0" encoding="utf-8"?>
-<Control xmlns="http://schemas.microsoft.com/VisualStudio/2011/storyboarding/control">
-  <Id Name="a2191c86-fc50-4add-948c-129f6b5a88d8" Revision="1" Stencil="7276b9ef-3953-4dce-a89b-ed85f20b8b93" StencilVersion="1.0"/>
-</Control>
-</file>
-
-<file path=customXml/item23.xml><?xml version="1.0" encoding="utf-8"?>
-<Control xmlns="http://schemas.microsoft.com/VisualStudio/2011/storyboarding/control">
-  <Id Name="d69996e1-3d61-4686-9b63-f1b855c596ab" Revision="1" Stencil="7276b9ef-3953-4dce-a89b-ed85f20b8b93" StencilVersion="1.0"/>
-</Control>
-</file>
-
-<file path=customXml/item24.xml><?xml version="1.0" encoding="utf-8"?>
-<?mso-contentType ?>
-<FormTemplates xmlns="http://schemas.microsoft.com/sharepoint/v3/contenttype/forms">
-  <Display>DocumentLibraryForm</Display>
-  <Edit>DocumentLibraryForm</Edit>
-  <New>DocumentLibraryForm</New>
-</FormTemplates>
-</file>
-
-<file path=customXml/item25.xml><?xml version="1.0" encoding="utf-8"?>
-<Control xmlns="http://schemas.microsoft.com/VisualStudio/2011/storyboarding/control">
-  <Id Name="a53d73d2-368b-429e-b817-1324eec1382c" Revision="1" Stencil="7276b9ef-3953-4dce-a89b-ed85f20b8b93" StencilVersion="1.0"/>
-</Control>
-</file>
-
-<file path=customXml/item26.xml><?xml version="1.0" encoding="utf-8"?>
-<Control xmlns="http://schemas.microsoft.com/VisualStudio/2011/storyboarding/control">
-  <Id Name="a53d73d2-368b-429e-b817-1324eec1382c" Revision="1" Stencil="7276b9ef-3953-4dce-a89b-ed85f20b8b93" StencilVersion="1.0"/>
-</Control>
-</file>
-
-<file path=customXml/item27.xml><?xml version="1.0" encoding="utf-8"?>
-<Control xmlns="http://schemas.microsoft.com/VisualStudio/2011/storyboarding/control">
-  <Id Name="d69996e1-3d61-4686-9b63-f1b855c596ab" Revision="1" Stencil="7276b9ef-3953-4dce-a89b-ed85f20b8b93" StencilVersion="1.0"/>
-</Control>
-</file>
-
-<file path=customXml/item28.xml><?xml version="1.0" encoding="utf-8"?>
-<Control xmlns="http://schemas.microsoft.com/VisualStudio/2011/storyboarding/control">
-  <Id Name="369f9055-6b6c-48b9-9320-5df2d46c430a" Revision="1" Stencil="7276b9ef-3953-4dce-a89b-ed85f20b8b93" StencilVersion="1.0"/>
-</Control>
-</file>
-
-<file path=customXml/item29.xml><?xml version="1.0" encoding="utf-8"?>
-<Control xmlns="http://schemas.microsoft.com/VisualStudio/2011/storyboarding/control">
-  <Id Name="fb22c541-ded0-47fa-8877-83a4c2d16227" Revision="1" Stencil="7276b9ef-3953-4dce-a89b-ed85f20b8b93" StencilVersion="1.0"/>
-</Control>
-</file>
-
-<file path=customXml/item3.xml><?xml version="1.0" encoding="utf-8"?>
-<Control xmlns="http://schemas.microsoft.com/VisualStudio/2011/storyboarding/control">
-  <Id Name="369f9055-6b6c-48b9-9320-5df2d46c430a" Revision="1" Stencil="7276b9ef-3953-4dce-a89b-ed85f20b8b93" StencilVersion="1.0"/>
-</Control>
-</file>
-
-<file path=customXml/item30.xml><?xml version="1.0" encoding="utf-8"?>
-<Control xmlns="http://schemas.microsoft.com/VisualStudio/2011/storyboarding/control">
-  <Id Name="a2191c86-fc50-4add-948c-129f6b5a88d8" Revision="1" Stencil="7276b9ef-3953-4dce-a89b-ed85f20b8b93" StencilVersion="1.0"/>
-</Control>
-</file>
-
-<file path=customXml/item31.xml><?xml version="1.0" encoding="utf-8"?>
-<Control xmlns="http://schemas.microsoft.com/VisualStudio/2011/storyboarding/control">
-  <Id Name="369f9055-6b6c-48b9-9320-5df2d46c430a" Revision="1" Stencil="7276b9ef-3953-4dce-a89b-ed85f20b8b93" StencilVersion="1.0"/>
-</Control>
-</file>
-
-<file path=customXml/item32.xml><?xml version="1.0" encoding="utf-8"?>
-<Control xmlns="http://schemas.microsoft.com/VisualStudio/2011/storyboarding/control">
-  <Id Name="fb22c541-ded0-47fa-8877-83a4c2d16227" Revision="1" Stencil="7276b9ef-3953-4dce-a89b-ed85f20b8b93" StencilVersion="1.0"/>
-</Control>
-</file>
-
 <file path=customXml/item33.xml><?xml version="1.0" encoding="utf-8"?>
 <Control xmlns="http://schemas.microsoft.com/VisualStudio/2011/storyboarding/control">
   <Id Name="fb22c541-ded0-47fa-8877-83a4c2d16227" Revision="1" Stencil="7276b9ef-3953-4dce-a89b-ed85f20b8b93" StencilVersion="1.0"/>
@@ -45768,13 +45717,13 @@
 
 <file path=customXml/item4.xml><?xml version="1.0" encoding="utf-8"?>
 <Control xmlns="http://schemas.microsoft.com/VisualStudio/2011/storyboarding/control">
-  <Id Name="369f9055-6b6c-48b9-9320-5df2d46c430a" Revision="1" Stencil="7276b9ef-3953-4dce-a89b-ed85f20b8b93" StencilVersion="1.0"/>
+  <Id Name="fb22c541-ded0-47fa-8877-83a4c2d16227" Revision="1" Stencil="7276b9ef-3953-4dce-a89b-ed85f20b8b93" StencilVersion="1.0"/>
 </Control>
 </file>
 
 <file path=customXml/item5.xml><?xml version="1.0" encoding="utf-8"?>
 <Control xmlns="http://schemas.microsoft.com/VisualStudio/2011/storyboarding/control">
-  <Id Name="d69996e1-3d61-4686-9b63-f1b855c596ab" Revision="1" Stencil="7276b9ef-3953-4dce-a89b-ed85f20b8b93" StencilVersion="1.0"/>
+  <Id Name="a53d73d2-368b-429e-b817-1324eec1382c" Revision="1" Stencil="7276b9ef-3953-4dce-a89b-ed85f20b8b93" StencilVersion="1.0"/>
 </Control>
 </file>
 
@@ -45792,17 +45741,25 @@
 
 <file path=customXml/item8.xml><?xml version="1.0" encoding="utf-8"?>
 <Control xmlns="http://schemas.microsoft.com/VisualStudio/2011/storyboarding/control">
-  <Id Name="a53d73d2-368b-429e-b817-1324eec1382c" Revision="1" Stencil="7276b9ef-3953-4dce-a89b-ed85f20b8b93" StencilVersion="1.0"/>
+  <Id Name="369f9055-6b6c-48b9-9320-5df2d46c430a" Revision="1" Stencil="7276b9ef-3953-4dce-a89b-ed85f20b8b93" StencilVersion="1.0"/>
 </Control>
 </file>
 
 <file path=customXml/item9.xml><?xml version="1.0" encoding="utf-8"?>
 <Control xmlns="http://schemas.microsoft.com/VisualStudio/2011/storyboarding/control">
-  <Id Name="a2191c86-fc50-4add-948c-129f6b5a88d8" Revision="1" Stencil="7276b9ef-3953-4dce-a89b-ed85f20b8b93" StencilVersion="1.0"/>
+  <Id Name="a53d73d2-368b-429e-b817-1324eec1382c" Revision="1" Stencil="7276b9ef-3953-4dce-a89b-ed85f20b8b93" StencilVersion="1.0"/>
 </Control>
 </file>
 
 <file path=customXml/itemProps1.xml><?xml version="1.0" encoding="utf-8"?>
+<ds:datastoreItem xmlns:ds="http://schemas.openxmlformats.org/officeDocument/2006/customXml" ds:itemID="{21F6B647-976A-41D0-B760-9DF9DFC6AE3C}">
+  <ds:schemaRefs>
+    <ds:schemaRef ds:uri="http://schemas.microsoft.com/VisualStudio/2011/storyboarding/control"/>
+  </ds:schemaRefs>
+</ds:datastoreItem>
+</file>
+
+<file path=customXml/itemProps10.xml><?xml version="1.0" encoding="utf-8"?>
 <ds:datastoreItem xmlns:ds="http://schemas.openxmlformats.org/officeDocument/2006/customXml" ds:itemID="{FE651ABA-5DC1-4ABD-A06E-055AE54B337B}">
   <ds:schemaRefs>
     <ds:schemaRef ds:uri="http://schemas.microsoft.com/VisualStudio/2011/storyboarding/control"/>
@@ -45810,7 +45767,71 @@
 </ds:datastoreItem>
 </file>
 
-<file path=customXml/itemProps10.xml><?xml version="1.0" encoding="utf-8"?>
+<file path=customXml/itemProps11.xml><?xml version="1.0" encoding="utf-8"?>
+<ds:datastoreItem xmlns:ds="http://schemas.openxmlformats.org/officeDocument/2006/customXml" ds:itemID="{67213E6F-7B96-4222-888B-63710B06D885}">
+  <ds:schemaRefs>
+    <ds:schemaRef ds:uri="http://schemas.microsoft.com/VisualStudio/2011/storyboarding/control"/>
+  </ds:schemaRefs>
+</ds:datastoreItem>
+</file>
+
+<file path=customXml/itemProps12.xml><?xml version="1.0" encoding="utf-8"?>
+<ds:datastoreItem xmlns:ds="http://schemas.openxmlformats.org/officeDocument/2006/customXml" ds:itemID="{4E805D65-1532-4BB0-8F41-8013167C0009}">
+  <ds:schemaRefs>
+    <ds:schemaRef ds:uri="http://schemas.microsoft.com/VisualStudio/2011/storyboarding/control"/>
+  </ds:schemaRefs>
+</ds:datastoreItem>
+</file>
+
+<file path=customXml/itemProps13.xml><?xml version="1.0" encoding="utf-8"?>
+<ds:datastoreItem xmlns:ds="http://schemas.openxmlformats.org/officeDocument/2006/customXml" ds:itemID="{ED350DFE-2319-4AB0-BC96-1D36D125365A}">
+  <ds:schemaRefs>
+    <ds:schemaRef ds:uri="http://schemas.microsoft.com/VisualStudio/2011/storyboarding/control"/>
+  </ds:schemaRefs>
+</ds:datastoreItem>
+</file>
+
+<file path=customXml/itemProps14.xml><?xml version="1.0" encoding="utf-8"?>
+<ds:datastoreItem xmlns:ds="http://schemas.openxmlformats.org/officeDocument/2006/customXml" ds:itemID="{366CA990-F93D-4100-9654-65D9E30F4E1C}">
+  <ds:schemaRefs>
+    <ds:schemaRef ds:uri="http://schemas.microsoft.com/VisualStudio/2011/storyboarding/control"/>
+  </ds:schemaRefs>
+</ds:datastoreItem>
+</file>
+
+<file path=customXml/itemProps15.xml><?xml version="1.0" encoding="utf-8"?>
+<ds:datastoreItem xmlns:ds="http://schemas.openxmlformats.org/officeDocument/2006/customXml" ds:itemID="{0282FB20-2D4C-459D-8468-77D1D3C6925D}">
+  <ds:schemaRefs>
+    <ds:schemaRef ds:uri="http://schemas.microsoft.com/VisualStudio/2011/storyboarding/control"/>
+  </ds:schemaRefs>
+</ds:datastoreItem>
+</file>
+
+<file path=customXml/itemProps16.xml><?xml version="1.0" encoding="utf-8"?>
+<ds:datastoreItem xmlns:ds="http://schemas.openxmlformats.org/officeDocument/2006/customXml" ds:itemID="{7959CC6A-F423-4783-B968-3BCC86A7394E}">
+  <ds:schemaRefs>
+    <ds:schemaRef ds:uri="http://schemas.microsoft.com/VisualStudio/2011/storyboarding/control"/>
+  </ds:schemaRefs>
+</ds:datastoreItem>
+</file>
+
+<file path=customXml/itemProps17.xml><?xml version="1.0" encoding="utf-8"?>
+<ds:datastoreItem xmlns:ds="http://schemas.openxmlformats.org/officeDocument/2006/customXml" ds:itemID="{4C1B3C27-4803-4D72-A3F8-6668A3F0A24B}">
+  <ds:schemaRefs>
+    <ds:schemaRef ds:uri="http://schemas.microsoft.com/VisualStudio/2011/storyboarding/control"/>
+  </ds:schemaRefs>
+</ds:datastoreItem>
+</file>
+
+<file path=customXml/itemProps18.xml><?xml version="1.0" encoding="utf-8"?>
+<ds:datastoreItem xmlns:ds="http://schemas.openxmlformats.org/officeDocument/2006/customXml" ds:itemID="{432851C6-BC05-4673-B853-6D08AB80CDC4}">
+  <ds:schemaRefs>
+    <ds:schemaRef ds:uri="http://schemas.microsoft.com/VisualStudio/2011/storyboarding/control"/>
+  </ds:schemaRefs>
+</ds:datastoreItem>
+</file>
+
+<file path=customXml/itemProps19.xml><?xml version="1.0" encoding="utf-8"?>
 <ds:datastoreItem xmlns:ds="http://schemas.openxmlformats.org/officeDocument/2006/customXml" ds:itemID="{4B16F4FE-7C26-4443-B426-81998D23ED87}">
   <ds:schemaRefs>
     <ds:schemaRef ds:uri="http://schemas.microsoft.com/VisualStudio/2011/storyboarding/control"/>
@@ -45818,7 +45839,95 @@
 </ds:datastoreItem>
 </file>
 
-<file path=customXml/itemProps11.xml><?xml version="1.0" encoding="utf-8"?>
+<file path=customXml/itemProps2.xml><?xml version="1.0" encoding="utf-8"?>
+<ds:datastoreItem xmlns:ds="http://schemas.openxmlformats.org/officeDocument/2006/customXml" ds:itemID="{82DB428A-B8F8-483F-8276-095629A8ECDB}">
+  <ds:schemaRefs>
+    <ds:schemaRef ds:uri="http://schemas.microsoft.com/VisualStudio/2011/storyboarding/control"/>
+  </ds:schemaRefs>
+</ds:datastoreItem>
+</file>
+
+<file path=customXml/itemProps20.xml><?xml version="1.0" encoding="utf-8"?>
+<ds:datastoreItem xmlns:ds="http://schemas.openxmlformats.org/officeDocument/2006/customXml" ds:itemID="{D4B5F268-5930-44CD-BDF1-D0A04D4BBC1C}">
+  <ds:schemaRefs>
+    <ds:schemaRef ds:uri="http://schemas.microsoft.com/VisualStudio/2011/storyboarding/control"/>
+  </ds:schemaRefs>
+</ds:datastoreItem>
+</file>
+
+<file path=customXml/itemProps21.xml><?xml version="1.0" encoding="utf-8"?>
+<ds:datastoreItem xmlns:ds="http://schemas.openxmlformats.org/officeDocument/2006/customXml" ds:itemID="{F68D8396-E21C-4AFF-8FDD-70D00673D0EE}">
+  <ds:schemaRefs>
+    <ds:schemaRef ds:uri="http://schemas.microsoft.com/VisualStudio/2011/storyboarding/control"/>
+  </ds:schemaRefs>
+</ds:datastoreItem>
+</file>
+
+<file path=customXml/itemProps22.xml><?xml version="1.0" encoding="utf-8"?>
+<ds:datastoreItem xmlns:ds="http://schemas.openxmlformats.org/officeDocument/2006/customXml" ds:itemID="{8257D6BC-B71E-4D95-81E4-A1D4A8174168}">
+  <ds:schemaRefs>
+    <ds:schemaRef ds:uri="http://schemas.microsoft.com/VisualStudio/2011/storyboarding/control"/>
+  </ds:schemaRefs>
+</ds:datastoreItem>
+</file>
+
+<file path=customXml/itemProps23.xml><?xml version="1.0" encoding="utf-8"?>
+<ds:datastoreItem xmlns:ds="http://schemas.openxmlformats.org/officeDocument/2006/customXml" ds:itemID="{758FDAC0-319D-4A54-8D8E-1D42CB1F8004}">
+  <ds:schemaRefs>
+    <ds:schemaRef ds:uri="http://schemas.microsoft.com/sharepoint/v3/contenttype/forms"/>
+  </ds:schemaRefs>
+</ds:datastoreItem>
+</file>
+
+<file path=customXml/itemProps24.xml><?xml version="1.0" encoding="utf-8"?>
+<ds:datastoreItem xmlns:ds="http://schemas.openxmlformats.org/officeDocument/2006/customXml" ds:itemID="{0B54C583-7BAB-4080-8093-C5F84F5A225A}">
+  <ds:schemaRefs>
+    <ds:schemaRef ds:uri="http://schemas.microsoft.com/VisualStudio/2011/storyboarding/control"/>
+  </ds:schemaRefs>
+</ds:datastoreItem>
+</file>
+
+<file path=customXml/itemProps25.xml><?xml version="1.0" encoding="utf-8"?>
+<ds:datastoreItem xmlns:ds="http://schemas.openxmlformats.org/officeDocument/2006/customXml" ds:itemID="{38217AA1-CC95-49A9-B284-2ED4D347D7CA}">
+  <ds:schemaRefs>
+    <ds:schemaRef ds:uri="http://schemas.microsoft.com/VisualStudio/2011/storyboarding/control"/>
+  </ds:schemaRefs>
+</ds:datastoreItem>
+</file>
+
+<file path=customXml/itemProps26.xml><?xml version="1.0" encoding="utf-8"?>
+<ds:datastoreItem xmlns:ds="http://schemas.openxmlformats.org/officeDocument/2006/customXml" ds:itemID="{8BD595CA-AC5E-43B9-B966-E468A16E8322}">
+  <ds:schemaRefs>
+    <ds:schemaRef ds:uri="http://schemas.microsoft.com/VisualStudio/2011/storyboarding/control"/>
+  </ds:schemaRefs>
+</ds:datastoreItem>
+</file>
+
+<file path=customXml/itemProps27.xml><?xml version="1.0" encoding="utf-8"?>
+<ds:datastoreItem xmlns:ds="http://schemas.openxmlformats.org/officeDocument/2006/customXml" ds:itemID="{F990F116-B58F-4255-B05B-DA3808E0E5C6}">
+  <ds:schemaRefs>
+    <ds:schemaRef ds:uri="83cd2334-221a-48c3-9034-bfd1542dfe28"/>
+    <ds:schemaRef ds:uri="http://purl.org/dc/elements/1.1/"/>
+    <ds:schemaRef ds:uri="http://schemas.microsoft.com/office/2006/metadata/properties"/>
+    <ds:schemaRef ds:uri="http://schemas.microsoft.com/office/2006/documentManagement/types"/>
+    <ds:schemaRef ds:uri="http://purl.org/dc/terms/"/>
+    <ds:schemaRef ds:uri="http://schemas.openxmlformats.org/package/2006/metadata/core-properties"/>
+    <ds:schemaRef ds:uri="http://purl.org/dc/dcmitype/"/>
+    <ds:schemaRef ds:uri="http://schemas.microsoft.com/office/infopath/2007/PartnerControls"/>
+    <ds:schemaRef ds:uri="http://www.w3.org/XML/1998/namespace"/>
+  </ds:schemaRefs>
+</ds:datastoreItem>
+</file>
+
+<file path=customXml/itemProps28.xml><?xml version="1.0" encoding="utf-8"?>
+<ds:datastoreItem xmlns:ds="http://schemas.openxmlformats.org/officeDocument/2006/customXml" ds:itemID="{C0F92A87-A216-45A9-B9C0-0515663D35BF}">
+  <ds:schemaRefs>
+    <ds:schemaRef ds:uri="http://schemas.microsoft.com/VisualStudio/2011/storyboarding/control"/>
+  </ds:schemaRefs>
+</ds:datastoreItem>
+</file>
+
+<file path=customXml/itemProps29.xml><?xml version="1.0" encoding="utf-8"?>
 <ds:datastoreItem xmlns:ds="http://schemas.openxmlformats.org/officeDocument/2006/customXml" ds:itemID="{D6FEE829-2115-45B4-8110-670FD454542B}">
   <ds:schemaRefs>
     <ds:schemaRef ds:uri="http://schemas.microsoft.com/VisualStudio/2011/storyboarding/control"/>
@@ -45826,15 +45935,31 @@
 </ds:datastoreItem>
 </file>
 
-<file path=customXml/itemProps12.xml><?xml version="1.0" encoding="utf-8"?>
-<ds:datastoreItem xmlns:ds="http://schemas.openxmlformats.org/officeDocument/2006/customXml" ds:itemID="{8257D6BC-B71E-4D95-81E4-A1D4A8174168}">
+<file path=customXml/itemProps3.xml><?xml version="1.0" encoding="utf-8"?>
+<ds:datastoreItem xmlns:ds="http://schemas.openxmlformats.org/officeDocument/2006/customXml" ds:itemID="{3C954CC5-1CAC-4EC3-9791-8630483065B9}">
   <ds:schemaRefs>
     <ds:schemaRef ds:uri="http://schemas.microsoft.com/VisualStudio/2011/storyboarding/control"/>
   </ds:schemaRefs>
 </ds:datastoreItem>
 </file>
 
-<file path=customXml/itemProps13.xml><?xml version="1.0" encoding="utf-8"?>
+<file path=customXml/itemProps30.xml><?xml version="1.0" encoding="utf-8"?>
+<ds:datastoreItem xmlns:ds="http://schemas.openxmlformats.org/officeDocument/2006/customXml" ds:itemID="{C63AC2F0-1DEB-4E91-A88A-7A014A172F4F}">
+  <ds:schemaRefs>
+    <ds:schemaRef ds:uri="http://schemas.microsoft.com/VisualStudio/2011/storyboarding/control"/>
+  </ds:schemaRefs>
+</ds:datastoreItem>
+</file>
+
+<file path=customXml/itemProps31.xml><?xml version="1.0" encoding="utf-8"?>
+<ds:datastoreItem xmlns:ds="http://schemas.openxmlformats.org/officeDocument/2006/customXml" ds:itemID="{42D603BF-B513-4201-A599-21BA0F4FFC40}">
+  <ds:schemaRefs>
+    <ds:schemaRef ds:uri="http://schemas.microsoft.com/VisualStudio/2011/storyboarding/control"/>
+  </ds:schemaRefs>
+</ds:datastoreItem>
+</file>
+
+<file path=customXml/itemProps32.xml><?xml version="1.0" encoding="utf-8"?>
 <ds:datastoreItem xmlns:ds="http://schemas.openxmlformats.org/officeDocument/2006/customXml" ds:itemID="{11F98F69-7518-4AE2-AE7B-E037DC9DDC97}">
   <ds:schemaRefs>
     <ds:schemaRef ds:uri="http://schemas.microsoft.com/office/2006/metadata/contentType"/>
@@ -45852,182 +45977,6 @@
 </ds:datastoreItem>
 </file>
 
-<file path=customXml/itemProps14.xml><?xml version="1.0" encoding="utf-8"?>
-<ds:datastoreItem xmlns:ds="http://schemas.openxmlformats.org/officeDocument/2006/customXml" ds:itemID="{0282FB20-2D4C-459D-8468-77D1D3C6925D}">
-  <ds:schemaRefs>
-    <ds:schemaRef ds:uri="http://schemas.microsoft.com/VisualStudio/2011/storyboarding/control"/>
-  </ds:schemaRefs>
-</ds:datastoreItem>
-</file>
-
-<file path=customXml/itemProps15.xml><?xml version="1.0" encoding="utf-8"?>
-<ds:datastoreItem xmlns:ds="http://schemas.openxmlformats.org/officeDocument/2006/customXml" ds:itemID="{376216F9-AF6B-4844-AE8C-B9F953F916AB}">
-  <ds:schemaRefs>
-    <ds:schemaRef ds:uri="http://schemas.microsoft.com/VisualStudio/2011/storyboarding/control"/>
-  </ds:schemaRefs>
-</ds:datastoreItem>
-</file>
-
-<file path=customXml/itemProps16.xml><?xml version="1.0" encoding="utf-8"?>
-<ds:datastoreItem xmlns:ds="http://schemas.openxmlformats.org/officeDocument/2006/customXml" ds:itemID="{21F6B647-976A-41D0-B760-9DF9DFC6AE3C}">
-  <ds:schemaRefs>
-    <ds:schemaRef ds:uri="http://schemas.microsoft.com/VisualStudio/2011/storyboarding/control"/>
-  </ds:schemaRefs>
-</ds:datastoreItem>
-</file>
-
-<file path=customXml/itemProps17.xml><?xml version="1.0" encoding="utf-8"?>
-<ds:datastoreItem xmlns:ds="http://schemas.openxmlformats.org/officeDocument/2006/customXml" ds:itemID="{7959CC6A-F423-4783-B968-3BCC86A7394E}">
-  <ds:schemaRefs>
-    <ds:schemaRef ds:uri="http://schemas.microsoft.com/VisualStudio/2011/storyboarding/control"/>
-  </ds:schemaRefs>
-</ds:datastoreItem>
-</file>
-
-<file path=customXml/itemProps18.xml><?xml version="1.0" encoding="utf-8"?>
-<ds:datastoreItem xmlns:ds="http://schemas.openxmlformats.org/officeDocument/2006/customXml" ds:itemID="{F990F116-B58F-4255-B05B-DA3808E0E5C6}">
-  <ds:schemaRefs>
-    <ds:schemaRef ds:uri="83cd2334-221a-48c3-9034-bfd1542dfe28"/>
-    <ds:schemaRef ds:uri="http://purl.org/dc/elements/1.1/"/>
-    <ds:schemaRef ds:uri="http://schemas.microsoft.com/office/2006/metadata/properties"/>
-    <ds:schemaRef ds:uri="http://schemas.microsoft.com/office/2006/documentManagement/types"/>
-    <ds:schemaRef ds:uri="http://purl.org/dc/terms/"/>
-    <ds:schemaRef ds:uri="http://schemas.openxmlformats.org/package/2006/metadata/core-properties"/>
-    <ds:schemaRef ds:uri="http://purl.org/dc/dcmitype/"/>
-    <ds:schemaRef ds:uri="http://schemas.microsoft.com/office/infopath/2007/PartnerControls"/>
-    <ds:schemaRef ds:uri="http://www.w3.org/XML/1998/namespace"/>
-  </ds:schemaRefs>
-</ds:datastoreItem>
-</file>
-
-<file path=customXml/itemProps19.xml><?xml version="1.0" encoding="utf-8"?>
-<ds:datastoreItem xmlns:ds="http://schemas.openxmlformats.org/officeDocument/2006/customXml" ds:itemID="{67213E6F-7B96-4222-888B-63710B06D885}">
-  <ds:schemaRefs>
-    <ds:schemaRef ds:uri="http://schemas.microsoft.com/VisualStudio/2011/storyboarding/control"/>
-  </ds:schemaRefs>
-</ds:datastoreItem>
-</file>
-
-<file path=customXml/itemProps2.xml><?xml version="1.0" encoding="utf-8"?>
-<ds:datastoreItem xmlns:ds="http://schemas.openxmlformats.org/officeDocument/2006/customXml" ds:itemID="{6FB9D450-4C47-4A44-8C0D-C78D8A54C46F}">
-  <ds:schemaRefs>
-    <ds:schemaRef ds:uri="http://schemas.microsoft.com/VisualStudio/2011/storyboarding/control"/>
-  </ds:schemaRefs>
-</ds:datastoreItem>
-</file>
-
-<file path=customXml/itemProps20.xml><?xml version="1.0" encoding="utf-8"?>
-<ds:datastoreItem xmlns:ds="http://schemas.openxmlformats.org/officeDocument/2006/customXml" ds:itemID="{0B54C583-7BAB-4080-8093-C5F84F5A225A}">
-  <ds:schemaRefs>
-    <ds:schemaRef ds:uri="http://schemas.microsoft.com/VisualStudio/2011/storyboarding/control"/>
-  </ds:schemaRefs>
-</ds:datastoreItem>
-</file>
-
-<file path=customXml/itemProps21.xml><?xml version="1.0" encoding="utf-8"?>
-<ds:datastoreItem xmlns:ds="http://schemas.openxmlformats.org/officeDocument/2006/customXml" ds:itemID="{ED350DFE-2319-4AB0-BC96-1D36D125365A}">
-  <ds:schemaRefs>
-    <ds:schemaRef ds:uri="http://schemas.microsoft.com/VisualStudio/2011/storyboarding/control"/>
-  </ds:schemaRefs>
-</ds:datastoreItem>
-</file>
-
-<file path=customXml/itemProps22.xml><?xml version="1.0" encoding="utf-8"?>
-<ds:datastoreItem xmlns:ds="http://schemas.openxmlformats.org/officeDocument/2006/customXml" ds:itemID="{3C954CC5-1CAC-4EC3-9791-8630483065B9}">
-  <ds:schemaRefs>
-    <ds:schemaRef ds:uri="http://schemas.microsoft.com/VisualStudio/2011/storyboarding/control"/>
-  </ds:schemaRefs>
-</ds:datastoreItem>
-</file>
-
-<file path=customXml/itemProps23.xml><?xml version="1.0" encoding="utf-8"?>
-<ds:datastoreItem xmlns:ds="http://schemas.openxmlformats.org/officeDocument/2006/customXml" ds:itemID="{C63AC2F0-1DEB-4E91-A88A-7A014A172F4F}">
-  <ds:schemaRefs>
-    <ds:schemaRef ds:uri="http://schemas.microsoft.com/VisualStudio/2011/storyboarding/control"/>
-  </ds:schemaRefs>
-</ds:datastoreItem>
-</file>
-
-<file path=customXml/itemProps24.xml><?xml version="1.0" encoding="utf-8"?>
-<ds:datastoreItem xmlns:ds="http://schemas.openxmlformats.org/officeDocument/2006/customXml" ds:itemID="{758FDAC0-319D-4A54-8D8E-1D42CB1F8004}">
-  <ds:schemaRefs>
-    <ds:schemaRef ds:uri="http://schemas.microsoft.com/sharepoint/v3/contenttype/forms"/>
-  </ds:schemaRefs>
-</ds:datastoreItem>
-</file>
-
-<file path=customXml/itemProps25.xml><?xml version="1.0" encoding="utf-8"?>
-<ds:datastoreItem xmlns:ds="http://schemas.openxmlformats.org/officeDocument/2006/customXml" ds:itemID="{8893E80D-6D0C-4E0F-AA22-E5615BB87E5B}">
-  <ds:schemaRefs>
-    <ds:schemaRef ds:uri="http://schemas.microsoft.com/VisualStudio/2011/storyboarding/control"/>
-  </ds:schemaRefs>
-</ds:datastoreItem>
-</file>
-
-<file path=customXml/itemProps26.xml><?xml version="1.0" encoding="utf-8"?>
-<ds:datastoreItem xmlns:ds="http://schemas.openxmlformats.org/officeDocument/2006/customXml" ds:itemID="{F68D8396-E21C-4AFF-8FDD-70D00673D0EE}">
-  <ds:schemaRefs>
-    <ds:schemaRef ds:uri="http://schemas.microsoft.com/VisualStudio/2011/storyboarding/control"/>
-  </ds:schemaRefs>
-</ds:datastoreItem>
-</file>
-
-<file path=customXml/itemProps27.xml><?xml version="1.0" encoding="utf-8"?>
-<ds:datastoreItem xmlns:ds="http://schemas.openxmlformats.org/officeDocument/2006/customXml" ds:itemID="{C0F92A87-A216-45A9-B9C0-0515663D35BF}">
-  <ds:schemaRefs>
-    <ds:schemaRef ds:uri="http://schemas.microsoft.com/VisualStudio/2011/storyboarding/control"/>
-  </ds:schemaRefs>
-</ds:datastoreItem>
-</file>
-
-<file path=customXml/itemProps28.xml><?xml version="1.0" encoding="utf-8"?>
-<ds:datastoreItem xmlns:ds="http://schemas.openxmlformats.org/officeDocument/2006/customXml" ds:itemID="{38217AA1-CC95-49A9-B284-2ED4D347D7CA}">
-  <ds:schemaRefs>
-    <ds:schemaRef ds:uri="http://schemas.microsoft.com/VisualStudio/2011/storyboarding/control"/>
-  </ds:schemaRefs>
-</ds:datastoreItem>
-</file>
-
-<file path=customXml/itemProps29.xml><?xml version="1.0" encoding="utf-8"?>
-<ds:datastoreItem xmlns:ds="http://schemas.openxmlformats.org/officeDocument/2006/customXml" ds:itemID="{4C1B3C27-4803-4D72-A3F8-6668A3F0A24B}">
-  <ds:schemaRefs>
-    <ds:schemaRef ds:uri="http://schemas.microsoft.com/VisualStudio/2011/storyboarding/control"/>
-  </ds:schemaRefs>
-</ds:datastoreItem>
-</file>
-
-<file path=customXml/itemProps3.xml><?xml version="1.0" encoding="utf-8"?>
-<ds:datastoreItem xmlns:ds="http://schemas.openxmlformats.org/officeDocument/2006/customXml" ds:itemID="{08C4EE12-DF69-4FFC-9E40-C7991F3490A6}">
-  <ds:schemaRefs>
-    <ds:schemaRef ds:uri="http://schemas.microsoft.com/VisualStudio/2011/storyboarding/control"/>
-  </ds:schemaRefs>
-</ds:datastoreItem>
-</file>
-
-<file path=customXml/itemProps30.xml><?xml version="1.0" encoding="utf-8"?>
-<ds:datastoreItem xmlns:ds="http://schemas.openxmlformats.org/officeDocument/2006/customXml" ds:itemID="{D4B5F268-5930-44CD-BDF1-D0A04D4BBC1C}">
-  <ds:schemaRefs>
-    <ds:schemaRef ds:uri="http://schemas.microsoft.com/VisualStudio/2011/storyboarding/control"/>
-  </ds:schemaRefs>
-</ds:datastoreItem>
-</file>
-
-<file path=customXml/itemProps31.xml><?xml version="1.0" encoding="utf-8"?>
-<ds:datastoreItem xmlns:ds="http://schemas.openxmlformats.org/officeDocument/2006/customXml" ds:itemID="{82DB428A-B8F8-483F-8276-095629A8ECDB}">
-  <ds:schemaRefs>
-    <ds:schemaRef ds:uri="http://schemas.microsoft.com/VisualStudio/2011/storyboarding/control"/>
-  </ds:schemaRefs>
-</ds:datastoreItem>
-</file>
-
-<file path=customXml/itemProps32.xml><?xml version="1.0" encoding="utf-8"?>
-<ds:datastoreItem xmlns:ds="http://schemas.openxmlformats.org/officeDocument/2006/customXml" ds:itemID="{432851C6-BC05-4673-B853-6D08AB80CDC4}">
-  <ds:schemaRefs>
-    <ds:schemaRef ds:uri="http://schemas.microsoft.com/VisualStudio/2011/storyboarding/control"/>
-  </ds:schemaRefs>
-</ds:datastoreItem>
-</file>
-
 <file path=customXml/itemProps33.xml><?xml version="1.0" encoding="utf-8"?>
 <ds:datastoreItem xmlns:ds="http://schemas.openxmlformats.org/officeDocument/2006/customXml" ds:itemID="{4E8278DB-3CDD-48A7-992E-A7596AD335B9}">
   <ds:schemaRefs>
@@ -46037,7 +45986,7 @@
 </file>
 
 <file path=customXml/itemProps4.xml><?xml version="1.0" encoding="utf-8"?>
-<ds:datastoreItem xmlns:ds="http://schemas.openxmlformats.org/officeDocument/2006/customXml" ds:itemID="{42D603BF-B513-4201-A599-21BA0F4FFC40}">
+<ds:datastoreItem xmlns:ds="http://schemas.openxmlformats.org/officeDocument/2006/customXml" ds:itemID="{B5105A87-47B6-44F6-97FD-4619C0556604}">
   <ds:schemaRefs>
     <ds:schemaRef ds:uri="http://schemas.microsoft.com/VisualStudio/2011/storyboarding/control"/>
   </ds:schemaRefs>
@@ -46045,7 +45994,7 @@
 </file>
 
 <file path=customXml/itemProps5.xml><?xml version="1.0" encoding="utf-8"?>
-<ds:datastoreItem xmlns:ds="http://schemas.openxmlformats.org/officeDocument/2006/customXml" ds:itemID="{366CA990-F93D-4100-9654-65D9E30F4E1C}">
+<ds:datastoreItem xmlns:ds="http://schemas.openxmlformats.org/officeDocument/2006/customXml" ds:itemID="{6FB9D450-4C47-4A44-8C0D-C78D8A54C46F}">
   <ds:schemaRefs>
     <ds:schemaRef ds:uri="http://schemas.microsoft.com/VisualStudio/2011/storyboarding/control"/>
   </ds:schemaRefs>
@@ -46061,7 +46010,7 @@
 </file>
 
 <file path=customXml/itemProps7.xml><?xml version="1.0" encoding="utf-8"?>
-<ds:datastoreItem xmlns:ds="http://schemas.openxmlformats.org/officeDocument/2006/customXml" ds:itemID="{B5105A87-47B6-44F6-97FD-4619C0556604}">
+<ds:datastoreItem xmlns:ds="http://schemas.openxmlformats.org/officeDocument/2006/customXml" ds:itemID="{376216F9-AF6B-4844-AE8C-B9F953F916AB}">
   <ds:schemaRefs>
     <ds:schemaRef ds:uri="http://schemas.microsoft.com/VisualStudio/2011/storyboarding/control"/>
   </ds:schemaRefs>
@@ -46069,7 +46018,7 @@
 </file>
 
 <file path=customXml/itemProps8.xml><?xml version="1.0" encoding="utf-8"?>
-<ds:datastoreItem xmlns:ds="http://schemas.openxmlformats.org/officeDocument/2006/customXml" ds:itemID="{4E805D65-1532-4BB0-8F41-8013167C0009}">
+<ds:datastoreItem xmlns:ds="http://schemas.openxmlformats.org/officeDocument/2006/customXml" ds:itemID="{08C4EE12-DF69-4FFC-9E40-C7991F3490A6}">
   <ds:schemaRefs>
     <ds:schemaRef ds:uri="http://schemas.microsoft.com/VisualStudio/2011/storyboarding/control"/>
   </ds:schemaRefs>
@@ -46077,7 +46026,7 @@
 </file>
 
 <file path=customXml/itemProps9.xml><?xml version="1.0" encoding="utf-8"?>
-<ds:datastoreItem xmlns:ds="http://schemas.openxmlformats.org/officeDocument/2006/customXml" ds:itemID="{8BD595CA-AC5E-43B9-B966-E468A16E8322}">
+<ds:datastoreItem xmlns:ds="http://schemas.openxmlformats.org/officeDocument/2006/customXml" ds:itemID="{8893E80D-6D0C-4E0F-AA22-E5615BB87E5B}">
   <ds:schemaRefs>
     <ds:schemaRef ds:uri="http://schemas.microsoft.com/VisualStudio/2011/storyboarding/control"/>
   </ds:schemaRefs>

--- a/Slides/8 - Backchannel.pptx
+++ b/Slides/8 - Backchannel.pptx
@@ -281,7 +281,7 @@
               <a:rPr lang="en-US" smtClean="0">
                 <a:latin typeface="Segoe UI" pitchFamily="34" charset="0"/>
               </a:rPr>
-              <a:t>7/11/2017 12:38 PM</a:t>
+              <a:t>7/11/2017 1:43 PM</a:t>
             </a:fld>
             <a:endParaRPr lang="en-US" dirty="0">
               <a:latin typeface="Segoe UI" pitchFamily="34" charset="0"/>
@@ -559,7 +559,7 @@
           <a:p>
             <a:fld id="{38EEC551-8CDA-4EB6-89BB-2A86C9F091C8}" type="datetime8">
               <a:rPr lang="en-US" smtClean="0"/>
-              <a:t>7/11/2017 12:38 PM</a:t>
+              <a:t>7/11/2017 1:41 PM</a:t>
             </a:fld>
             <a:endParaRPr lang="en-US" dirty="0"/>
           </a:p>
@@ -45392,13 +45392,13 @@
 
 <file path=customXml/item1.xml><?xml version="1.0" encoding="utf-8"?>
 <Control xmlns="http://schemas.microsoft.com/VisualStudio/2011/storyboarding/control">
-  <Id Name="a53d73d2-368b-429e-b817-1324eec1382c" Revision="1" Stencil="7276b9ef-3953-4dce-a89b-ed85f20b8b93" StencilVersion="1.0"/>
+  <Id Name="369f9055-6b6c-48b9-9320-5df2d46c430a" Revision="1" Stencil="7276b9ef-3953-4dce-a89b-ed85f20b8b93" StencilVersion="1.0"/>
 </Control>
 </file>
 
 <file path=customXml/item10.xml><?xml version="1.0" encoding="utf-8"?>
 <Control xmlns="http://schemas.microsoft.com/VisualStudio/2011/storyboarding/control">
-  <Id Name="369f9055-6b6c-48b9-9320-5df2d46c430a" Revision="1" Stencil="7276b9ef-3953-4dce-a89b-ed85f20b8b93" StencilVersion="1.0"/>
+  <Id Name="a53d73d2-368b-429e-b817-1324eec1382c" Revision="1" Stencil="7276b9ef-3953-4dce-a89b-ed85f20b8b93" StencilVersion="1.0"/>
 </Control>
 </file>
 
@@ -45409,26 +45409,29 @@
 </file>
 
 <file path=customXml/item12.xml><?xml version="1.0" encoding="utf-8"?>
-<Control xmlns="http://schemas.microsoft.com/VisualStudio/2011/storyboarding/control">
-  <Id Name="a53d73d2-368b-429e-b817-1324eec1382c" Revision="1" Stencil="7276b9ef-3953-4dce-a89b-ed85f20b8b93" StencilVersion="1.0"/>
-</Control>
+<?mso-contentType ?>
+<FormTemplates xmlns="http://schemas.microsoft.com/sharepoint/v3/contenttype/forms">
+  <Display>DocumentLibraryForm</Display>
+  <Edit>DocumentLibraryForm</Edit>
+  <New>DocumentLibraryForm</New>
+</FormTemplates>
 </file>
 
 <file path=customXml/item13.xml><?xml version="1.0" encoding="utf-8"?>
 <Control xmlns="http://schemas.microsoft.com/VisualStudio/2011/storyboarding/control">
-  <Id Name="a53d73d2-368b-429e-b817-1324eec1382c" Revision="1" Stencil="7276b9ef-3953-4dce-a89b-ed85f20b8b93" StencilVersion="1.0"/>
+  <Id Name="d69996e1-3d61-4686-9b63-f1b855c596ab" Revision="1" Stencil="7276b9ef-3953-4dce-a89b-ed85f20b8b93" StencilVersion="1.0"/>
 </Control>
 </file>
 
 <file path=customXml/item14.xml><?xml version="1.0" encoding="utf-8"?>
 <Control xmlns="http://schemas.microsoft.com/VisualStudio/2011/storyboarding/control">
-  <Id Name="d69996e1-3d61-4686-9b63-f1b855c596ab" Revision="1" Stencil="7276b9ef-3953-4dce-a89b-ed85f20b8b93" StencilVersion="1.0"/>
+  <Id Name="369f9055-6b6c-48b9-9320-5df2d46c430a" Revision="1" Stencil="7276b9ef-3953-4dce-a89b-ed85f20b8b93" StencilVersion="1.0"/>
 </Control>
 </file>
 
 <file path=customXml/item15.xml><?xml version="1.0" encoding="utf-8"?>
 <Control xmlns="http://schemas.microsoft.com/VisualStudio/2011/storyboarding/control">
-  <Id Name="d69996e1-3d61-4686-9b63-f1b855c596ab" Revision="1" Stencil="7276b9ef-3953-4dce-a89b-ed85f20b8b93" StencilVersion="1.0"/>
+  <Id Name="a2191c86-fc50-4add-948c-129f6b5a88d8" Revision="1" Stencil="7276b9ef-3953-4dce-a89b-ed85f20b8b93" StencilVersion="1.0"/>
 </Control>
 </file>
 
@@ -45446,13 +45449,13 @@
 
 <file path=customXml/item18.xml><?xml version="1.0" encoding="utf-8"?>
 <Control xmlns="http://schemas.microsoft.com/VisualStudio/2011/storyboarding/control">
-  <Id Name="fb22c541-ded0-47fa-8877-83a4c2d16227" Revision="1" Stencil="7276b9ef-3953-4dce-a89b-ed85f20b8b93" StencilVersion="1.0"/>
+  <Id Name="a53d73d2-368b-429e-b817-1324eec1382c" Revision="1" Stencil="7276b9ef-3953-4dce-a89b-ed85f20b8b93" StencilVersion="1.0"/>
 </Control>
 </file>
 
 <file path=customXml/item19.xml><?xml version="1.0" encoding="utf-8"?>
 <Control xmlns="http://schemas.microsoft.com/VisualStudio/2011/storyboarding/control">
-  <Id Name="a2191c86-fc50-4add-948c-129f6b5a88d8" Revision="1" Stencil="7276b9ef-3953-4dce-a89b-ed85f20b8b93" StencilVersion="1.0"/>
+  <Id Name="d69996e1-3d61-4686-9b63-f1b855c596ab" Revision="1" Stencil="7276b9ef-3953-4dce-a89b-ed85f20b8b93" StencilVersion="1.0"/>
 </Control>
 </file>
 
@@ -45469,45 +45472,6 @@
 </file>
 
 <file path=customXml/item21.xml><?xml version="1.0" encoding="utf-8"?>
-<Control xmlns="http://schemas.microsoft.com/VisualStudio/2011/storyboarding/control">
-  <Id Name="a53d73d2-368b-429e-b817-1324eec1382c" Revision="1" Stencil="7276b9ef-3953-4dce-a89b-ed85f20b8b93" StencilVersion="1.0"/>
-</Control>
-</file>
-
-<file path=customXml/item22.xml><?xml version="1.0" encoding="utf-8"?>
-<Control xmlns="http://schemas.microsoft.com/VisualStudio/2011/storyboarding/control">
-  <Id Name="a2191c86-fc50-4add-948c-129f6b5a88d8" Revision="1" Stencil="7276b9ef-3953-4dce-a89b-ed85f20b8b93" StencilVersion="1.0"/>
-</Control>
-</file>
-
-<file path=customXml/item23.xml><?xml version="1.0" encoding="utf-8"?>
-<?mso-contentType ?>
-<FormTemplates xmlns="http://schemas.microsoft.com/sharepoint/v3/contenttype/forms">
-  <Display>DocumentLibraryForm</Display>
-  <Edit>DocumentLibraryForm</Edit>
-  <New>DocumentLibraryForm</New>
-</FormTemplates>
-</file>
-
-<file path=customXml/item24.xml><?xml version="1.0" encoding="utf-8"?>
-<Control xmlns="http://schemas.microsoft.com/VisualStudio/2011/storyboarding/control">
-  <Id Name="a2191c86-fc50-4add-948c-129f6b5a88d8" Revision="1" Stencil="7276b9ef-3953-4dce-a89b-ed85f20b8b93" StencilVersion="1.0"/>
-</Control>
-</file>
-
-<file path=customXml/item25.xml><?xml version="1.0" encoding="utf-8"?>
-<Control xmlns="http://schemas.microsoft.com/VisualStudio/2011/storyboarding/control">
-  <Id Name="369f9055-6b6c-48b9-9320-5df2d46c430a" Revision="1" Stencil="7276b9ef-3953-4dce-a89b-ed85f20b8b93" StencilVersion="1.0"/>
-</Control>
-</file>
-
-<file path=customXml/item26.xml><?xml version="1.0" encoding="utf-8"?>
-<Control xmlns="http://schemas.microsoft.com/VisualStudio/2011/storyboarding/control">
-  <Id Name="a2191c86-fc50-4add-948c-129f6b5a88d8" Revision="1" Stencil="7276b9ef-3953-4dce-a89b-ed85f20b8b93" StencilVersion="1.0"/>
-</Control>
-</file>
-
-<file path=customXml/item27.xml><?xml version="1.0" encoding="utf-8"?>
 <p:properties xmlns:p="http://schemas.microsoft.com/office/2006/metadata/properties" xmlns:xsi="http://www.w3.org/2001/XMLSchema-instance" xmlns:pc="http://schemas.microsoft.com/office/infopath/2007/PartnerControls">
   <documentManagement>
     <SharedWithUsers xmlns="83cd2334-221a-48c3-9034-bfd1542dfe28">
@@ -45531,9 +45495,45 @@
 </p:properties>
 </file>
 
+<file path=customXml/item22.xml><?xml version="1.0" encoding="utf-8"?>
+<Control xmlns="http://schemas.microsoft.com/VisualStudio/2011/storyboarding/control">
+  <Id Name="d69996e1-3d61-4686-9b63-f1b855c596ab" Revision="1" Stencil="7276b9ef-3953-4dce-a89b-ed85f20b8b93" StencilVersion="1.0"/>
+</Control>
+</file>
+
+<file path=customXml/item23.xml><?xml version="1.0" encoding="utf-8"?>
+<Control xmlns="http://schemas.microsoft.com/VisualStudio/2011/storyboarding/control">
+  <Id Name="369f9055-6b6c-48b9-9320-5df2d46c430a" Revision="1" Stencil="7276b9ef-3953-4dce-a89b-ed85f20b8b93" StencilVersion="1.0"/>
+</Control>
+</file>
+
+<file path=customXml/item24.xml><?xml version="1.0" encoding="utf-8"?>
+<Control xmlns="http://schemas.microsoft.com/VisualStudio/2011/storyboarding/control">
+  <Id Name="a2191c86-fc50-4add-948c-129f6b5a88d8" Revision="1" Stencil="7276b9ef-3953-4dce-a89b-ed85f20b8b93" StencilVersion="1.0"/>
+</Control>
+</file>
+
+<file path=customXml/item25.xml><?xml version="1.0" encoding="utf-8"?>
+<Control xmlns="http://schemas.microsoft.com/VisualStudio/2011/storyboarding/control">
+  <Id Name="a53d73d2-368b-429e-b817-1324eec1382c" Revision="1" Stencil="7276b9ef-3953-4dce-a89b-ed85f20b8b93" StencilVersion="1.0"/>
+</Control>
+</file>
+
+<file path=customXml/item26.xml><?xml version="1.0" encoding="utf-8"?>
+<Control xmlns="http://schemas.microsoft.com/VisualStudio/2011/storyboarding/control">
+  <Id Name="fb22c541-ded0-47fa-8877-83a4c2d16227" Revision="1" Stencil="7276b9ef-3953-4dce-a89b-ed85f20b8b93" StencilVersion="1.0"/>
+</Control>
+</file>
+
+<file path=customXml/item27.xml><?xml version="1.0" encoding="utf-8"?>
+<Control xmlns="http://schemas.microsoft.com/VisualStudio/2011/storyboarding/control">
+  <Id Name="a2191c86-fc50-4add-948c-129f6b5a88d8" Revision="1" Stencil="7276b9ef-3953-4dce-a89b-ed85f20b8b93" StencilVersion="1.0"/>
+</Control>
+</file>
+
 <file path=customXml/item28.xml><?xml version="1.0" encoding="utf-8"?>
 <Control xmlns="http://schemas.microsoft.com/VisualStudio/2011/storyboarding/control">
-  <Id Name="d69996e1-3d61-4686-9b63-f1b855c596ab" Revision="1" Stencil="7276b9ef-3953-4dce-a89b-ed85f20b8b93" StencilVersion="1.0"/>
+  <Id Name="a53d73d2-368b-429e-b817-1324eec1382c" Revision="1" Stencil="7276b9ef-3953-4dce-a89b-ed85f20b8b93" StencilVersion="1.0"/>
 </Control>
 </file>
 
@@ -45551,17 +45551,59 @@
 
 <file path=customXml/item30.xml><?xml version="1.0" encoding="utf-8"?>
 <Control xmlns="http://schemas.microsoft.com/VisualStudio/2011/storyboarding/control">
-  <Id Name="d69996e1-3d61-4686-9b63-f1b855c596ab" Revision="1" Stencil="7276b9ef-3953-4dce-a89b-ed85f20b8b93" StencilVersion="1.0"/>
+  <Id Name="a53d73d2-368b-429e-b817-1324eec1382c" Revision="1" Stencil="7276b9ef-3953-4dce-a89b-ed85f20b8b93" StencilVersion="1.0"/>
 </Control>
 </file>
 
 <file path=customXml/item31.xml><?xml version="1.0" encoding="utf-8"?>
 <Control xmlns="http://schemas.microsoft.com/VisualStudio/2011/storyboarding/control">
+  <Id Name="fb22c541-ded0-47fa-8877-83a4c2d16227" Revision="1" Stencil="7276b9ef-3953-4dce-a89b-ed85f20b8b93" StencilVersion="1.0"/>
+</Control>
+</file>
+
+<file path=customXml/item32.xml><?xml version="1.0" encoding="utf-8"?>
+<Control xmlns="http://schemas.microsoft.com/VisualStudio/2011/storyboarding/control">
   <Id Name="369f9055-6b6c-48b9-9320-5df2d46c430a" Revision="1" Stencil="7276b9ef-3953-4dce-a89b-ed85f20b8b93" StencilVersion="1.0"/>
 </Control>
 </file>
 
-<file path=customXml/item32.xml><?xml version="1.0" encoding="utf-8"?>
+<file path=customXml/item33.xml><?xml version="1.0" encoding="utf-8"?>
+<Control xmlns="http://schemas.microsoft.com/VisualStudio/2011/storyboarding/control">
+  <Id Name="fb22c541-ded0-47fa-8877-83a4c2d16227" Revision="1" Stencil="7276b9ef-3953-4dce-a89b-ed85f20b8b93" StencilVersion="1.0"/>
+</Control>
+</file>
+
+<file path=customXml/item4.xml><?xml version="1.0" encoding="utf-8"?>
+<Control xmlns="http://schemas.microsoft.com/VisualStudio/2011/storyboarding/control">
+  <Id Name="fb22c541-ded0-47fa-8877-83a4c2d16227" Revision="1" Stencil="7276b9ef-3953-4dce-a89b-ed85f20b8b93" StencilVersion="1.0"/>
+</Control>
+</file>
+
+<file path=customXml/item5.xml><?xml version="1.0" encoding="utf-8"?>
+<Control xmlns="http://schemas.microsoft.com/VisualStudio/2011/storyboarding/control">
+  <Id Name="a53d73d2-368b-429e-b817-1324eec1382c" Revision="1" Stencil="7276b9ef-3953-4dce-a89b-ed85f20b8b93" StencilVersion="1.0"/>
+</Control>
+</file>
+
+<file path=customXml/item6.xml><?xml version="1.0" encoding="utf-8"?>
+<Control xmlns="http://schemas.microsoft.com/VisualStudio/2011/storyboarding/control">
+  <Id Name="d69996e1-3d61-4686-9b63-f1b855c596ab" Revision="1" Stencil="7276b9ef-3953-4dce-a89b-ed85f20b8b93" StencilVersion="1.0"/>
+</Control>
+</file>
+
+<file path=customXml/item7.xml><?xml version="1.0" encoding="utf-8"?>
+<Control xmlns="http://schemas.microsoft.com/VisualStudio/2011/storyboarding/control">
+  <Id Name="d69996e1-3d61-4686-9b63-f1b855c596ab" Revision="1" Stencil="7276b9ef-3953-4dce-a89b-ed85f20b8b93" StencilVersion="1.0"/>
+</Control>
+</file>
+
+<file path=customXml/item8.xml><?xml version="1.0" encoding="utf-8"?>
+<Control xmlns="http://schemas.microsoft.com/VisualStudio/2011/storyboarding/control">
+  <Id Name="a2191c86-fc50-4add-948c-129f6b5a88d8" Revision="1" Stencil="7276b9ef-3953-4dce-a89b-ed85f20b8b93" StencilVersion="1.0"/>
+</Control>
+</file>
+
+<file path=customXml/item9.xml><?xml version="1.0" encoding="utf-8"?>
 <ct:contentTypeSchema xmlns:ct="http://schemas.microsoft.com/office/2006/metadata/contentType" xmlns:ma="http://schemas.microsoft.com/office/2006/metadata/properties/metaAttributes" ct:_="" ma:_="" ma:contentTypeName="Document" ma:contentTypeID="0x010100674EDBEC711BD14FBA6FF5C10FEFEAC7" ma:contentTypeVersion="2" ma:contentTypeDescription="Create a new document." ma:contentTypeScope="" ma:versionID="2439c5e21841780d4f192983b535a097">
   <xsd:schema xmlns:xsd="http://www.w3.org/2001/XMLSchema" xmlns:xs="http://www.w3.org/2001/XMLSchema" xmlns:p="http://schemas.microsoft.com/office/2006/metadata/properties" xmlns:ns2="83cd2334-221a-48c3-9034-bfd1542dfe28" targetNamespace="http://schemas.microsoft.com/office/2006/metadata/properties" ma:root="true" ma:fieldsID="2bca9163d8d0b233c3086236a9289b04" ns2:_="">
     <xsd:import namespace="83cd2334-221a-48c3-9034-bfd1542dfe28"/>
@@ -45709,50 +45751,8 @@
 </ct:contentTypeSchema>
 </file>
 
-<file path=customXml/item33.xml><?xml version="1.0" encoding="utf-8"?>
-<Control xmlns="http://schemas.microsoft.com/VisualStudio/2011/storyboarding/control">
-  <Id Name="fb22c541-ded0-47fa-8877-83a4c2d16227" Revision="1" Stencil="7276b9ef-3953-4dce-a89b-ed85f20b8b93" StencilVersion="1.0"/>
-</Control>
-</file>
-
-<file path=customXml/item4.xml><?xml version="1.0" encoding="utf-8"?>
-<Control xmlns="http://schemas.microsoft.com/VisualStudio/2011/storyboarding/control">
-  <Id Name="fb22c541-ded0-47fa-8877-83a4c2d16227" Revision="1" Stencil="7276b9ef-3953-4dce-a89b-ed85f20b8b93" StencilVersion="1.0"/>
-</Control>
-</file>
-
-<file path=customXml/item5.xml><?xml version="1.0" encoding="utf-8"?>
-<Control xmlns="http://schemas.microsoft.com/VisualStudio/2011/storyboarding/control">
-  <Id Name="a53d73d2-368b-429e-b817-1324eec1382c" Revision="1" Stencil="7276b9ef-3953-4dce-a89b-ed85f20b8b93" StencilVersion="1.0"/>
-</Control>
-</file>
-
-<file path=customXml/item6.xml><?xml version="1.0" encoding="utf-8"?>
-<Control xmlns="http://schemas.microsoft.com/VisualStudio/2011/storyboarding/control">
-  <Id Name="d69996e1-3d61-4686-9b63-f1b855c596ab" Revision="1" Stencil="7276b9ef-3953-4dce-a89b-ed85f20b8b93" StencilVersion="1.0"/>
-</Control>
-</file>
-
-<file path=customXml/item7.xml><?xml version="1.0" encoding="utf-8"?>
-<Control xmlns="http://schemas.microsoft.com/VisualStudio/2011/storyboarding/control">
-  <Id Name="fb22c541-ded0-47fa-8877-83a4c2d16227" Revision="1" Stencil="7276b9ef-3953-4dce-a89b-ed85f20b8b93" StencilVersion="1.0"/>
-</Control>
-</file>
-
-<file path=customXml/item8.xml><?xml version="1.0" encoding="utf-8"?>
-<Control xmlns="http://schemas.microsoft.com/VisualStudio/2011/storyboarding/control">
-  <Id Name="369f9055-6b6c-48b9-9320-5df2d46c430a" Revision="1" Stencil="7276b9ef-3953-4dce-a89b-ed85f20b8b93" StencilVersion="1.0"/>
-</Control>
-</file>
-
-<file path=customXml/item9.xml><?xml version="1.0" encoding="utf-8"?>
-<Control xmlns="http://schemas.microsoft.com/VisualStudio/2011/storyboarding/control">
-  <Id Name="a53d73d2-368b-429e-b817-1324eec1382c" Revision="1" Stencil="7276b9ef-3953-4dce-a89b-ed85f20b8b93" StencilVersion="1.0"/>
-</Control>
-</file>
-
 <file path=customXml/itemProps1.xml><?xml version="1.0" encoding="utf-8"?>
-<ds:datastoreItem xmlns:ds="http://schemas.openxmlformats.org/officeDocument/2006/customXml" ds:itemID="{21F6B647-976A-41D0-B760-9DF9DFC6AE3C}">
+<ds:datastoreItem xmlns:ds="http://schemas.openxmlformats.org/officeDocument/2006/customXml" ds:itemID="{82DB428A-B8F8-483F-8276-095629A8ECDB}">
   <ds:schemaRefs>
     <ds:schemaRef ds:uri="http://schemas.microsoft.com/VisualStudio/2011/storyboarding/control"/>
   </ds:schemaRefs>
@@ -45760,6 +45760,38 @@
 </file>
 
 <file path=customXml/itemProps10.xml><?xml version="1.0" encoding="utf-8"?>
+<ds:datastoreItem xmlns:ds="http://schemas.openxmlformats.org/officeDocument/2006/customXml" ds:itemID="{6FB9D450-4C47-4A44-8C0D-C78D8A54C46F}">
+  <ds:schemaRefs>
+    <ds:schemaRef ds:uri="http://schemas.microsoft.com/VisualStudio/2011/storyboarding/control"/>
+  </ds:schemaRefs>
+</ds:datastoreItem>
+</file>
+
+<file path=customXml/itemProps11.xml><?xml version="1.0" encoding="utf-8"?>
+<ds:datastoreItem xmlns:ds="http://schemas.openxmlformats.org/officeDocument/2006/customXml" ds:itemID="{0282FB20-2D4C-459D-8468-77D1D3C6925D}">
+  <ds:schemaRefs>
+    <ds:schemaRef ds:uri="http://schemas.microsoft.com/VisualStudio/2011/storyboarding/control"/>
+  </ds:schemaRefs>
+</ds:datastoreItem>
+</file>
+
+<file path=customXml/itemProps12.xml><?xml version="1.0" encoding="utf-8"?>
+<ds:datastoreItem xmlns:ds="http://schemas.openxmlformats.org/officeDocument/2006/customXml" ds:itemID="{758FDAC0-319D-4A54-8D8E-1D42CB1F8004}">
+  <ds:schemaRefs>
+    <ds:schemaRef ds:uri="http://schemas.microsoft.com/sharepoint/v3/contenttype/forms"/>
+  </ds:schemaRefs>
+</ds:datastoreItem>
+</file>
+
+<file path=customXml/itemProps13.xml><?xml version="1.0" encoding="utf-8"?>
+<ds:datastoreItem xmlns:ds="http://schemas.openxmlformats.org/officeDocument/2006/customXml" ds:itemID="{C0F92A87-A216-45A9-B9C0-0515663D35BF}">
+  <ds:schemaRefs>
+    <ds:schemaRef ds:uri="http://schemas.microsoft.com/VisualStudio/2011/storyboarding/control"/>
+  </ds:schemaRefs>
+</ds:datastoreItem>
+</file>
+
+<file path=customXml/itemProps14.xml><?xml version="1.0" encoding="utf-8"?>
 <ds:datastoreItem xmlns:ds="http://schemas.openxmlformats.org/officeDocument/2006/customXml" ds:itemID="{FE651ABA-5DC1-4ABD-A06E-055AE54B337B}">
   <ds:schemaRefs>
     <ds:schemaRef ds:uri="http://schemas.microsoft.com/VisualStudio/2011/storyboarding/control"/>
@@ -45767,31 +45799,39 @@
 </ds:datastoreItem>
 </file>
 
-<file path=customXml/itemProps11.xml><?xml version="1.0" encoding="utf-8"?>
-<ds:datastoreItem xmlns:ds="http://schemas.openxmlformats.org/officeDocument/2006/customXml" ds:itemID="{67213E6F-7B96-4222-888B-63710B06D885}">
+<file path=customXml/itemProps15.xml><?xml version="1.0" encoding="utf-8"?>
+<ds:datastoreItem xmlns:ds="http://schemas.openxmlformats.org/officeDocument/2006/customXml" ds:itemID="{4B16F4FE-7C26-4443-B426-81998D23ED87}">
   <ds:schemaRefs>
     <ds:schemaRef ds:uri="http://schemas.microsoft.com/VisualStudio/2011/storyboarding/control"/>
   </ds:schemaRefs>
 </ds:datastoreItem>
 </file>
 
-<file path=customXml/itemProps12.xml><?xml version="1.0" encoding="utf-8"?>
-<ds:datastoreItem xmlns:ds="http://schemas.openxmlformats.org/officeDocument/2006/customXml" ds:itemID="{4E805D65-1532-4BB0-8F41-8013167C0009}">
+<file path=customXml/itemProps16.xml><?xml version="1.0" encoding="utf-8"?>
+<ds:datastoreItem xmlns:ds="http://schemas.openxmlformats.org/officeDocument/2006/customXml" ds:itemID="{42D603BF-B513-4201-A599-21BA0F4FFC40}">
   <ds:schemaRefs>
     <ds:schemaRef ds:uri="http://schemas.microsoft.com/VisualStudio/2011/storyboarding/control"/>
   </ds:schemaRefs>
 </ds:datastoreItem>
 </file>
 
-<file path=customXml/itemProps13.xml><?xml version="1.0" encoding="utf-8"?>
-<ds:datastoreItem xmlns:ds="http://schemas.openxmlformats.org/officeDocument/2006/customXml" ds:itemID="{ED350DFE-2319-4AB0-BC96-1D36D125365A}">
+<file path=customXml/itemProps17.xml><?xml version="1.0" encoding="utf-8"?>
+<ds:datastoreItem xmlns:ds="http://schemas.openxmlformats.org/officeDocument/2006/customXml" ds:itemID="{B5105A87-47B6-44F6-97FD-4619C0556604}">
   <ds:schemaRefs>
     <ds:schemaRef ds:uri="http://schemas.microsoft.com/VisualStudio/2011/storyboarding/control"/>
   </ds:schemaRefs>
 </ds:datastoreItem>
 </file>
 
-<file path=customXml/itemProps14.xml><?xml version="1.0" encoding="utf-8"?>
+<file path=customXml/itemProps18.xml><?xml version="1.0" encoding="utf-8"?>
+<ds:datastoreItem xmlns:ds="http://schemas.openxmlformats.org/officeDocument/2006/customXml" ds:itemID="{8893E80D-6D0C-4E0F-AA22-E5615BB87E5B}">
+  <ds:schemaRefs>
+    <ds:schemaRef ds:uri="http://schemas.microsoft.com/VisualStudio/2011/storyboarding/control"/>
+  </ds:schemaRefs>
+</ds:datastoreItem>
+</file>
+
+<file path=customXml/itemProps19.xml><?xml version="1.0" encoding="utf-8"?>
 <ds:datastoreItem xmlns:ds="http://schemas.openxmlformats.org/officeDocument/2006/customXml" ds:itemID="{366CA990-F93D-4100-9654-65D9E30F4E1C}">
   <ds:schemaRefs>
     <ds:schemaRef ds:uri="http://schemas.microsoft.com/VisualStudio/2011/storyboarding/control"/>
@@ -45799,15 +45839,7 @@
 </ds:datastoreItem>
 </file>
 
-<file path=customXml/itemProps15.xml><?xml version="1.0" encoding="utf-8"?>
-<ds:datastoreItem xmlns:ds="http://schemas.openxmlformats.org/officeDocument/2006/customXml" ds:itemID="{0282FB20-2D4C-459D-8468-77D1D3C6925D}">
-  <ds:schemaRefs>
-    <ds:schemaRef ds:uri="http://schemas.microsoft.com/VisualStudio/2011/storyboarding/control"/>
-  </ds:schemaRefs>
-</ds:datastoreItem>
-</file>
-
-<file path=customXml/itemProps16.xml><?xml version="1.0" encoding="utf-8"?>
+<file path=customXml/itemProps2.xml><?xml version="1.0" encoding="utf-8"?>
 <ds:datastoreItem xmlns:ds="http://schemas.openxmlformats.org/officeDocument/2006/customXml" ds:itemID="{7959CC6A-F423-4783-B968-3BCC86A7394E}">
   <ds:schemaRefs>
     <ds:schemaRef ds:uri="http://schemas.microsoft.com/VisualStudio/2011/storyboarding/control"/>
@@ -45815,40 +45847,8 @@
 </ds:datastoreItem>
 </file>
 
-<file path=customXml/itemProps17.xml><?xml version="1.0" encoding="utf-8"?>
-<ds:datastoreItem xmlns:ds="http://schemas.openxmlformats.org/officeDocument/2006/customXml" ds:itemID="{4C1B3C27-4803-4D72-A3F8-6668A3F0A24B}">
-  <ds:schemaRefs>
-    <ds:schemaRef ds:uri="http://schemas.microsoft.com/VisualStudio/2011/storyboarding/control"/>
-  </ds:schemaRefs>
-</ds:datastoreItem>
-</file>
-
-<file path=customXml/itemProps18.xml><?xml version="1.0" encoding="utf-8"?>
-<ds:datastoreItem xmlns:ds="http://schemas.openxmlformats.org/officeDocument/2006/customXml" ds:itemID="{432851C6-BC05-4673-B853-6D08AB80CDC4}">
-  <ds:schemaRefs>
-    <ds:schemaRef ds:uri="http://schemas.microsoft.com/VisualStudio/2011/storyboarding/control"/>
-  </ds:schemaRefs>
-</ds:datastoreItem>
-</file>
-
-<file path=customXml/itemProps19.xml><?xml version="1.0" encoding="utf-8"?>
-<ds:datastoreItem xmlns:ds="http://schemas.openxmlformats.org/officeDocument/2006/customXml" ds:itemID="{4B16F4FE-7C26-4443-B426-81998D23ED87}">
-  <ds:schemaRefs>
-    <ds:schemaRef ds:uri="http://schemas.microsoft.com/VisualStudio/2011/storyboarding/control"/>
-  </ds:schemaRefs>
-</ds:datastoreItem>
-</file>
-
-<file path=customXml/itemProps2.xml><?xml version="1.0" encoding="utf-8"?>
-<ds:datastoreItem xmlns:ds="http://schemas.openxmlformats.org/officeDocument/2006/customXml" ds:itemID="{82DB428A-B8F8-483F-8276-095629A8ECDB}">
-  <ds:schemaRefs>
-    <ds:schemaRef ds:uri="http://schemas.microsoft.com/VisualStudio/2011/storyboarding/control"/>
-  </ds:schemaRefs>
-</ds:datastoreItem>
-</file>
-
 <file path=customXml/itemProps20.xml><?xml version="1.0" encoding="utf-8"?>
-<ds:datastoreItem xmlns:ds="http://schemas.openxmlformats.org/officeDocument/2006/customXml" ds:itemID="{D4B5F268-5930-44CD-BDF1-D0A04D4BBC1C}">
+<ds:datastoreItem xmlns:ds="http://schemas.openxmlformats.org/officeDocument/2006/customXml" ds:itemID="{8257D6BC-B71E-4D95-81E4-A1D4A8174168}">
   <ds:schemaRefs>
     <ds:schemaRef ds:uri="http://schemas.microsoft.com/VisualStudio/2011/storyboarding/control"/>
   </ds:schemaRefs>
@@ -45856,54 +45856,6 @@
 </file>
 
 <file path=customXml/itemProps21.xml><?xml version="1.0" encoding="utf-8"?>
-<ds:datastoreItem xmlns:ds="http://schemas.openxmlformats.org/officeDocument/2006/customXml" ds:itemID="{F68D8396-E21C-4AFF-8FDD-70D00673D0EE}">
-  <ds:schemaRefs>
-    <ds:schemaRef ds:uri="http://schemas.microsoft.com/VisualStudio/2011/storyboarding/control"/>
-  </ds:schemaRefs>
-</ds:datastoreItem>
-</file>
-
-<file path=customXml/itemProps22.xml><?xml version="1.0" encoding="utf-8"?>
-<ds:datastoreItem xmlns:ds="http://schemas.openxmlformats.org/officeDocument/2006/customXml" ds:itemID="{8257D6BC-B71E-4D95-81E4-A1D4A8174168}">
-  <ds:schemaRefs>
-    <ds:schemaRef ds:uri="http://schemas.microsoft.com/VisualStudio/2011/storyboarding/control"/>
-  </ds:schemaRefs>
-</ds:datastoreItem>
-</file>
-
-<file path=customXml/itemProps23.xml><?xml version="1.0" encoding="utf-8"?>
-<ds:datastoreItem xmlns:ds="http://schemas.openxmlformats.org/officeDocument/2006/customXml" ds:itemID="{758FDAC0-319D-4A54-8D8E-1D42CB1F8004}">
-  <ds:schemaRefs>
-    <ds:schemaRef ds:uri="http://schemas.microsoft.com/sharepoint/v3/contenttype/forms"/>
-  </ds:schemaRefs>
-</ds:datastoreItem>
-</file>
-
-<file path=customXml/itemProps24.xml><?xml version="1.0" encoding="utf-8"?>
-<ds:datastoreItem xmlns:ds="http://schemas.openxmlformats.org/officeDocument/2006/customXml" ds:itemID="{0B54C583-7BAB-4080-8093-C5F84F5A225A}">
-  <ds:schemaRefs>
-    <ds:schemaRef ds:uri="http://schemas.microsoft.com/VisualStudio/2011/storyboarding/control"/>
-  </ds:schemaRefs>
-</ds:datastoreItem>
-</file>
-
-<file path=customXml/itemProps25.xml><?xml version="1.0" encoding="utf-8"?>
-<ds:datastoreItem xmlns:ds="http://schemas.openxmlformats.org/officeDocument/2006/customXml" ds:itemID="{38217AA1-CC95-49A9-B284-2ED4D347D7CA}">
-  <ds:schemaRefs>
-    <ds:schemaRef ds:uri="http://schemas.microsoft.com/VisualStudio/2011/storyboarding/control"/>
-  </ds:schemaRefs>
-</ds:datastoreItem>
-</file>
-
-<file path=customXml/itemProps26.xml><?xml version="1.0" encoding="utf-8"?>
-<ds:datastoreItem xmlns:ds="http://schemas.openxmlformats.org/officeDocument/2006/customXml" ds:itemID="{8BD595CA-AC5E-43B9-B966-E468A16E8322}">
-  <ds:schemaRefs>
-    <ds:schemaRef ds:uri="http://schemas.microsoft.com/VisualStudio/2011/storyboarding/control"/>
-  </ds:schemaRefs>
-</ds:datastoreItem>
-</file>
-
-<file path=customXml/itemProps27.xml><?xml version="1.0" encoding="utf-8"?>
 <ds:datastoreItem xmlns:ds="http://schemas.openxmlformats.org/officeDocument/2006/customXml" ds:itemID="{F990F116-B58F-4255-B05B-DA3808E0E5C6}">
   <ds:schemaRefs>
     <ds:schemaRef ds:uri="83cd2334-221a-48c3-9034-bfd1542dfe28"/>
@@ -45919,8 +45871,56 @@
 </ds:datastoreItem>
 </file>
 
+<file path=customXml/itemProps22.xml><?xml version="1.0" encoding="utf-8"?>
+<ds:datastoreItem xmlns:ds="http://schemas.openxmlformats.org/officeDocument/2006/customXml" ds:itemID="{C63AC2F0-1DEB-4E91-A88A-7A014A172F4F}">
+  <ds:schemaRefs>
+    <ds:schemaRef ds:uri="http://schemas.microsoft.com/VisualStudio/2011/storyboarding/control"/>
+  </ds:schemaRefs>
+</ds:datastoreItem>
+</file>
+
+<file path=customXml/itemProps23.xml><?xml version="1.0" encoding="utf-8"?>
+<ds:datastoreItem xmlns:ds="http://schemas.openxmlformats.org/officeDocument/2006/customXml" ds:itemID="{08C4EE12-DF69-4FFC-9E40-C7991F3490A6}">
+  <ds:schemaRefs>
+    <ds:schemaRef ds:uri="http://schemas.microsoft.com/VisualStudio/2011/storyboarding/control"/>
+  </ds:schemaRefs>
+</ds:datastoreItem>
+</file>
+
+<file path=customXml/itemProps24.xml><?xml version="1.0" encoding="utf-8"?>
+<ds:datastoreItem xmlns:ds="http://schemas.openxmlformats.org/officeDocument/2006/customXml" ds:itemID="{3C954CC5-1CAC-4EC3-9791-8630483065B9}">
+  <ds:schemaRefs>
+    <ds:schemaRef ds:uri="http://schemas.microsoft.com/VisualStudio/2011/storyboarding/control"/>
+  </ds:schemaRefs>
+</ds:datastoreItem>
+</file>
+
+<file path=customXml/itemProps25.xml><?xml version="1.0" encoding="utf-8"?>
+<ds:datastoreItem xmlns:ds="http://schemas.openxmlformats.org/officeDocument/2006/customXml" ds:itemID="{ED350DFE-2319-4AB0-BC96-1D36D125365A}">
+  <ds:schemaRefs>
+    <ds:schemaRef ds:uri="http://schemas.microsoft.com/VisualStudio/2011/storyboarding/control"/>
+  </ds:schemaRefs>
+</ds:datastoreItem>
+</file>
+
+<file path=customXml/itemProps26.xml><?xml version="1.0" encoding="utf-8"?>
+<ds:datastoreItem xmlns:ds="http://schemas.openxmlformats.org/officeDocument/2006/customXml" ds:itemID="{432851C6-BC05-4673-B853-6D08AB80CDC4}">
+  <ds:schemaRefs>
+    <ds:schemaRef ds:uri="http://schemas.microsoft.com/VisualStudio/2011/storyboarding/control"/>
+  </ds:schemaRefs>
+</ds:datastoreItem>
+</file>
+
+<file path=customXml/itemProps27.xml><?xml version="1.0" encoding="utf-8"?>
+<ds:datastoreItem xmlns:ds="http://schemas.openxmlformats.org/officeDocument/2006/customXml" ds:itemID="{8BD595CA-AC5E-43B9-B966-E468A16E8322}">
+  <ds:schemaRefs>
+    <ds:schemaRef ds:uri="http://schemas.microsoft.com/VisualStudio/2011/storyboarding/control"/>
+  </ds:schemaRefs>
+</ds:datastoreItem>
+</file>
+
 <file path=customXml/itemProps28.xml><?xml version="1.0" encoding="utf-8"?>
-<ds:datastoreItem xmlns:ds="http://schemas.openxmlformats.org/officeDocument/2006/customXml" ds:itemID="{C0F92A87-A216-45A9-B9C0-0515663D35BF}">
+<ds:datastoreItem xmlns:ds="http://schemas.openxmlformats.org/officeDocument/2006/customXml" ds:itemID="{F68D8396-E21C-4AFF-8FDD-70D00673D0EE}">
   <ds:schemaRefs>
     <ds:schemaRef ds:uri="http://schemas.microsoft.com/VisualStudio/2011/storyboarding/control"/>
   </ds:schemaRefs>
@@ -45928,6 +45928,54 @@
 </file>
 
 <file path=customXml/itemProps29.xml><?xml version="1.0" encoding="utf-8"?>
+<ds:datastoreItem xmlns:ds="http://schemas.openxmlformats.org/officeDocument/2006/customXml" ds:itemID="{376216F9-AF6B-4844-AE8C-B9F953F916AB}">
+  <ds:schemaRefs>
+    <ds:schemaRef ds:uri="http://schemas.microsoft.com/VisualStudio/2011/storyboarding/control"/>
+  </ds:schemaRefs>
+</ds:datastoreItem>
+</file>
+
+<file path=customXml/itemProps3.xml><?xml version="1.0" encoding="utf-8"?>
+<ds:datastoreItem xmlns:ds="http://schemas.openxmlformats.org/officeDocument/2006/customXml" ds:itemID="{D4B5F268-5930-44CD-BDF1-D0A04D4BBC1C}">
+  <ds:schemaRefs>
+    <ds:schemaRef ds:uri="http://schemas.microsoft.com/VisualStudio/2011/storyboarding/control"/>
+  </ds:schemaRefs>
+</ds:datastoreItem>
+</file>
+
+<file path=customXml/itemProps30.xml><?xml version="1.0" encoding="utf-8"?>
+<ds:datastoreItem xmlns:ds="http://schemas.openxmlformats.org/officeDocument/2006/customXml" ds:itemID="{4E805D65-1532-4BB0-8F41-8013167C0009}">
+  <ds:schemaRefs>
+    <ds:schemaRef ds:uri="http://schemas.microsoft.com/VisualStudio/2011/storyboarding/control"/>
+  </ds:schemaRefs>
+</ds:datastoreItem>
+</file>
+
+<file path=customXml/itemProps31.xml><?xml version="1.0" encoding="utf-8"?>
+<ds:datastoreItem xmlns:ds="http://schemas.openxmlformats.org/officeDocument/2006/customXml" ds:itemID="{4C1B3C27-4803-4D72-A3F8-6668A3F0A24B}">
+  <ds:schemaRefs>
+    <ds:schemaRef ds:uri="http://schemas.microsoft.com/VisualStudio/2011/storyboarding/control"/>
+  </ds:schemaRefs>
+</ds:datastoreItem>
+</file>
+
+<file path=customXml/itemProps32.xml><?xml version="1.0" encoding="utf-8"?>
+<ds:datastoreItem xmlns:ds="http://schemas.openxmlformats.org/officeDocument/2006/customXml" ds:itemID="{38217AA1-CC95-49A9-B284-2ED4D347D7CA}">
+  <ds:schemaRefs>
+    <ds:schemaRef ds:uri="http://schemas.microsoft.com/VisualStudio/2011/storyboarding/control"/>
+  </ds:schemaRefs>
+</ds:datastoreItem>
+</file>
+
+<file path=customXml/itemProps33.xml><?xml version="1.0" encoding="utf-8"?>
+<ds:datastoreItem xmlns:ds="http://schemas.openxmlformats.org/officeDocument/2006/customXml" ds:itemID="{4E8278DB-3CDD-48A7-992E-A7596AD335B9}">
+  <ds:schemaRefs>
+    <ds:schemaRef ds:uri="http://schemas.microsoft.com/VisualStudio/2011/storyboarding/control"/>
+  </ds:schemaRefs>
+</ds:datastoreItem>
+</file>
+
+<file path=customXml/itemProps4.xml><?xml version="1.0" encoding="utf-8"?>
 <ds:datastoreItem xmlns:ds="http://schemas.openxmlformats.org/officeDocument/2006/customXml" ds:itemID="{D6FEE829-2115-45B4-8110-670FD454542B}">
   <ds:schemaRefs>
     <ds:schemaRef ds:uri="http://schemas.microsoft.com/VisualStudio/2011/storyboarding/control"/>
@@ -45935,31 +45983,39 @@
 </ds:datastoreItem>
 </file>
 
-<file path=customXml/itemProps3.xml><?xml version="1.0" encoding="utf-8"?>
-<ds:datastoreItem xmlns:ds="http://schemas.openxmlformats.org/officeDocument/2006/customXml" ds:itemID="{3C954CC5-1CAC-4EC3-9791-8630483065B9}">
+<file path=customXml/itemProps5.xml><?xml version="1.0" encoding="utf-8"?>
+<ds:datastoreItem xmlns:ds="http://schemas.openxmlformats.org/officeDocument/2006/customXml" ds:itemID="{21F6B647-976A-41D0-B760-9DF9DFC6AE3C}">
   <ds:schemaRefs>
     <ds:schemaRef ds:uri="http://schemas.microsoft.com/VisualStudio/2011/storyboarding/control"/>
   </ds:schemaRefs>
 </ds:datastoreItem>
 </file>
 
-<file path=customXml/itemProps30.xml><?xml version="1.0" encoding="utf-8"?>
-<ds:datastoreItem xmlns:ds="http://schemas.openxmlformats.org/officeDocument/2006/customXml" ds:itemID="{C63AC2F0-1DEB-4E91-A88A-7A014A172F4F}">
+<file path=customXml/itemProps6.xml><?xml version="1.0" encoding="utf-8"?>
+<ds:datastoreItem xmlns:ds="http://schemas.openxmlformats.org/officeDocument/2006/customXml" ds:itemID="{3DC6CABD-46E1-4C27-A0B3-616DC56F8E5C}">
   <ds:schemaRefs>
     <ds:schemaRef ds:uri="http://schemas.microsoft.com/VisualStudio/2011/storyboarding/control"/>
   </ds:schemaRefs>
 </ds:datastoreItem>
 </file>
 
-<file path=customXml/itemProps31.xml><?xml version="1.0" encoding="utf-8"?>
-<ds:datastoreItem xmlns:ds="http://schemas.openxmlformats.org/officeDocument/2006/customXml" ds:itemID="{42D603BF-B513-4201-A599-21BA0F4FFC40}">
+<file path=customXml/itemProps7.xml><?xml version="1.0" encoding="utf-8"?>
+<ds:datastoreItem xmlns:ds="http://schemas.openxmlformats.org/officeDocument/2006/customXml" ds:itemID="{67213E6F-7B96-4222-888B-63710B06D885}">
   <ds:schemaRefs>
     <ds:schemaRef ds:uri="http://schemas.microsoft.com/VisualStudio/2011/storyboarding/control"/>
   </ds:schemaRefs>
 </ds:datastoreItem>
 </file>
 
-<file path=customXml/itemProps32.xml><?xml version="1.0" encoding="utf-8"?>
+<file path=customXml/itemProps8.xml><?xml version="1.0" encoding="utf-8"?>
+<ds:datastoreItem xmlns:ds="http://schemas.openxmlformats.org/officeDocument/2006/customXml" ds:itemID="{0B54C583-7BAB-4080-8093-C5F84F5A225A}">
+  <ds:schemaRefs>
+    <ds:schemaRef ds:uri="http://schemas.microsoft.com/VisualStudio/2011/storyboarding/control"/>
+  </ds:schemaRefs>
+</ds:datastoreItem>
+</file>
+
+<file path=customXml/itemProps9.xml><?xml version="1.0" encoding="utf-8"?>
 <ds:datastoreItem xmlns:ds="http://schemas.openxmlformats.org/officeDocument/2006/customXml" ds:itemID="{11F98F69-7518-4AE2-AE7B-E037DC9DDC97}">
   <ds:schemaRefs>
     <ds:schemaRef ds:uri="http://schemas.microsoft.com/office/2006/metadata/contentType"/>
@@ -45975,60 +46031,4 @@
     <ds:schemaRef ds:uri="http://schemas.microsoft.com/internal/obd"/>
   </ds:schemaRefs>
 </ds:datastoreItem>
-</file>
-
-<file path=customXml/itemProps33.xml><?xml version="1.0" encoding="utf-8"?>
-<ds:datastoreItem xmlns:ds="http://schemas.openxmlformats.org/officeDocument/2006/customXml" ds:itemID="{4E8278DB-3CDD-48A7-992E-A7596AD335B9}">
-  <ds:schemaRefs>
-    <ds:schemaRef ds:uri="http://schemas.microsoft.com/VisualStudio/2011/storyboarding/control"/>
-  </ds:schemaRefs>
-</ds:datastoreItem>
-</file>
-
-<file path=customXml/itemProps4.xml><?xml version="1.0" encoding="utf-8"?>
-<ds:datastoreItem xmlns:ds="http://schemas.openxmlformats.org/officeDocument/2006/customXml" ds:itemID="{B5105A87-47B6-44F6-97FD-4619C0556604}">
-  <ds:schemaRefs>
-    <ds:schemaRef ds:uri="http://schemas.microsoft.com/VisualStudio/2011/storyboarding/control"/>
-  </ds:schemaRefs>
-</ds:datastoreItem>
-</file>
-
-<file path=customXml/itemProps5.xml><?xml version="1.0" encoding="utf-8"?>
-<ds:datastoreItem xmlns:ds="http://schemas.openxmlformats.org/officeDocument/2006/customXml" ds:itemID="{6FB9D450-4C47-4A44-8C0D-C78D8A54C46F}">
-  <ds:schemaRefs>
-    <ds:schemaRef ds:uri="http://schemas.microsoft.com/VisualStudio/2011/storyboarding/control"/>
-  </ds:schemaRefs>
-</ds:datastoreItem>
-</file>
-
-<file path=customXml/itemProps6.xml><?xml version="1.0" encoding="utf-8"?>
-<ds:datastoreItem xmlns:ds="http://schemas.openxmlformats.org/officeDocument/2006/customXml" ds:itemID="{3DC6CABD-46E1-4C27-A0B3-616DC56F8E5C}">
-  <ds:schemaRefs>
-    <ds:schemaRef ds:uri="http://schemas.microsoft.com/VisualStudio/2011/storyboarding/control"/>
-  </ds:schemaRefs>
-</ds:datastoreItem>
-</file>
-
-<file path=customXml/itemProps7.xml><?xml version="1.0" encoding="utf-8"?>
-<ds:datastoreItem xmlns:ds="http://schemas.openxmlformats.org/officeDocument/2006/customXml" ds:itemID="{376216F9-AF6B-4844-AE8C-B9F953F916AB}">
-  <ds:schemaRefs>
-    <ds:schemaRef ds:uri="http://schemas.microsoft.com/VisualStudio/2011/storyboarding/control"/>
-  </ds:schemaRefs>
-</ds:datastoreItem>
-</file>
-
-<file path=customXml/itemProps8.xml><?xml version="1.0" encoding="utf-8"?>
-<ds:datastoreItem xmlns:ds="http://schemas.openxmlformats.org/officeDocument/2006/customXml" ds:itemID="{08C4EE12-DF69-4FFC-9E40-C7991F3490A6}">
-  <ds:schemaRefs>
-    <ds:schemaRef ds:uri="http://schemas.microsoft.com/VisualStudio/2011/storyboarding/control"/>
-  </ds:schemaRefs>
-</ds:datastoreItem>
-</file>
-
-<file path=customXml/itemProps9.xml><?xml version="1.0" encoding="utf-8"?>
-<ds:datastoreItem xmlns:ds="http://schemas.openxmlformats.org/officeDocument/2006/customXml" ds:itemID="{8893E80D-6D0C-4E0F-AA22-E5615BB87E5B}">
-  <ds:schemaRefs>
-    <ds:schemaRef ds:uri="http://schemas.microsoft.com/VisualStudio/2011/storyboarding/control"/>
-  </ds:schemaRefs>
-</ds:datastoreItem>
 </file>